--- a/doc/midterm_review.pptx
+++ b/doc/midterm_review.pptx
@@ -38,6 +38,18 @@
     <p:sldId id="283" r:id="rId35"/>
     <p:sldId id="284" r:id="rId36"/>
     <p:sldId id="285" r:id="rId37"/>
+    <p:sldId id="286" r:id="rId38"/>
+    <p:sldId id="287" r:id="rId39"/>
+    <p:sldId id="288" r:id="rId40"/>
+    <p:sldId id="289" r:id="rId41"/>
+    <p:sldId id="290" r:id="rId42"/>
+    <p:sldId id="291" r:id="rId43"/>
+    <p:sldId id="292" r:id="rId44"/>
+    <p:sldId id="293" r:id="rId45"/>
+    <p:sldId id="294" r:id="rId46"/>
+    <p:sldId id="295" r:id="rId47"/>
+    <p:sldId id="296" r:id="rId48"/>
+    <p:sldId id="297" r:id="rId49"/>
   </p:sldIdLst>
   <p:sldSz cx="13004800" cy="9753600"/>
   <p:notesSz cx="6858000" cy="9144000"/>
@@ -539,7 +551,7 @@
       </p:grpSpPr>
       <p:sp>
         <p:nvSpPr>
-          <p:cNvPr id="130" name="Shape 130"/>
+          <p:cNvPr id="129" name="Shape 129"/>
           <p:cNvSpPr/>
           <p:nvPr>
             <p:ph type="sldImg"/>
@@ -560,7 +572,7 @@
       </p:sp>
       <p:sp>
         <p:nvSpPr>
-          <p:cNvPr id="131" name="Shape 131"/>
+          <p:cNvPr id="130" name="Shape 130"/>
           <p:cNvSpPr/>
           <p:nvPr>
             <p:ph type="body" sz="quarter" idx="1"/>
@@ -582,24 +594,6 @@
           </a:p>
           <a:p>
             <a:pPr/>
-          </a:p>
-          <a:p>
-            <a:pPr/>
-            <a:r>
-              <a:t>開發人員可手動新增測試版本</a:t>
-            </a:r>
-          </a:p>
-          <a:p>
-            <a:pPr/>
-            <a:r>
-              <a:t>可直接透過網頁勾選測試版本執行測試</a:t>
-            </a:r>
-          </a:p>
-          <a:p>
-            <a:pPr/>
-            <a:r>
-              <a:t>自動化進行多重交互配對測試並瀏覽配對測試之整合測試結果</a:t>
-            </a:r>
           </a:p>
         </p:txBody>
       </p:sp>
@@ -630,7 +624,7 @@
       </p:grpSpPr>
       <p:sp>
         <p:nvSpPr>
-          <p:cNvPr id="138" name="Shape 138"/>
+          <p:cNvPr id="137" name="Shape 137"/>
           <p:cNvSpPr/>
           <p:nvPr>
             <p:ph type="sldImg"/>
@@ -651,7 +645,7 @@
       </p:sp>
       <p:sp>
         <p:nvSpPr>
-          <p:cNvPr id="139" name="Shape 139"/>
+          <p:cNvPr id="138" name="Shape 138"/>
           <p:cNvSpPr/>
           <p:nvPr>
             <p:ph type="body" sz="quarter" idx="1"/>
@@ -668,7 +662,7 @@
           <a:p>
             <a:pPr/>
             <a:r>
-              <a:t>系統上下文圖</a:t>
+              <a:t>開發人員可手動新增測試版本，測試人員可直接透過網頁勾選測試版本執行自動化多重交互配對測試並瀏覽整合的測試結果</a:t>
             </a:r>
           </a:p>
         </p:txBody>
@@ -700,7 +694,7 @@
       </p:grpSpPr>
       <p:sp>
         <p:nvSpPr>
-          <p:cNvPr id="149" name="Shape 149"/>
+          <p:cNvPr id="148" name="Shape 148"/>
           <p:cNvSpPr/>
           <p:nvPr>
             <p:ph type="sldImg"/>
@@ -721,7 +715,7 @@
       </p:sp>
       <p:sp>
         <p:nvSpPr>
-          <p:cNvPr id="150" name="Shape 150"/>
+          <p:cNvPr id="149" name="Shape 149"/>
           <p:cNvSpPr/>
           <p:nvPr>
             <p:ph type="body" sz="quarter" idx="1"/>
@@ -770,7 +764,7 @@
       </p:grpSpPr>
       <p:sp>
         <p:nvSpPr>
-          <p:cNvPr id="154" name="Shape 154"/>
+          <p:cNvPr id="153" name="Shape 153"/>
           <p:cNvSpPr/>
           <p:nvPr>
             <p:ph type="sldImg"/>
@@ -791,7 +785,7 @@
       </p:sp>
       <p:sp>
         <p:nvSpPr>
-          <p:cNvPr id="155" name="Shape 155"/>
+          <p:cNvPr id="154" name="Shape 154"/>
           <p:cNvSpPr/>
           <p:nvPr>
             <p:ph type="body" sz="quarter" idx="1"/>
@@ -808,7 +802,7 @@
           <a:p>
             <a:pPr/>
             <a:r>
-              <a:t>重要的Use Cases</a:t>
+              <a:t>https://youtu.be/RvQsPhFzm1c</a:t>
             </a:r>
           </a:p>
         </p:txBody>
@@ -840,7 +834,7 @@
       </p:grpSpPr>
       <p:sp>
         <p:nvSpPr>
-          <p:cNvPr id="227" name="Shape 227"/>
+          <p:cNvPr id="158" name="Shape 158"/>
           <p:cNvSpPr/>
           <p:nvPr>
             <p:ph type="sldImg"/>
@@ -861,7 +855,7 @@
       </p:sp>
       <p:sp>
         <p:nvSpPr>
-          <p:cNvPr id="228" name="Shape 228"/>
+          <p:cNvPr id="159" name="Shape 159"/>
           <p:cNvSpPr/>
           <p:nvPr>
             <p:ph type="body" sz="quarter" idx="1"/>
@@ -878,7 +872,7 @@
           <a:p>
             <a:pPr/>
             <a:r>
-              <a:t>(開編輯器)</a:t>
+              <a:t>重要的Use Cases</a:t>
             </a:r>
           </a:p>
         </p:txBody>
@@ -910,7 +904,7 @@
       </p:grpSpPr>
       <p:sp>
         <p:nvSpPr>
-          <p:cNvPr id="239" name="Shape 239"/>
+          <p:cNvPr id="182" name="Shape 182"/>
           <p:cNvSpPr/>
           <p:nvPr>
             <p:ph type="sldImg"/>
@@ -931,7 +925,7 @@
       </p:sp>
       <p:sp>
         <p:nvSpPr>
-          <p:cNvPr id="240" name="Shape 240"/>
+          <p:cNvPr id="183" name="Shape 183"/>
           <p:cNvSpPr/>
           <p:nvPr>
             <p:ph type="body" sz="quarter" idx="1"/>
@@ -948,55 +942,7 @@
           <a:p>
             <a:pPr/>
             <a:r>
-              <a:t>生產代碼的LOC</a:t>
-            </a:r>
-          </a:p>
-          <a:p>
-            <a:pPr/>
-            <a:r>
-              <a:t>生產方法代碼的數量</a:t>
-            </a:r>
-          </a:p>
-          <a:p>
-            <a:pPr/>
-            <a:r>
-              <a:t>生產代碼類的數量</a:t>
-            </a:r>
-          </a:p>
-          <a:p>
-            <a:pPr/>
-            <a:r>
-              <a:t>生產方法代碼的數量</a:t>
-            </a:r>
-          </a:p>
-          <a:p>
-            <a:pPr/>
-            <a:r>
-              <a:t>單元測試的數量（testXXX）</a:t>
-            </a:r>
-          </a:p>
-          <a:p>
-            <a:pPr/>
-            <a:r>
-              <a:t>測試代碼的LOC</a:t>
-            </a:r>
-          </a:p>
-          <a:p>
-            <a:pPr/>
-            <a:r>
-              <a:t>團隊成員約翰時間努力（小時）</a:t>
-            </a:r>
-          </a:p>
-          <a:p>
-            <a:pPr/>
-            <a:r>
-              <a:t>團隊成員瑪麗時間努力（小時）</a:t>
-            </a:r>
-          </a:p>
-          <a:p>
-            <a:pPr/>
-            <a:r>
-              <a:t>總時間（小時）</a:t>
+              <a:t>使用GRASP模式的用例實現</a:t>
             </a:r>
           </a:p>
         </p:txBody>
@@ -1028,7 +974,7 @@
       </p:grpSpPr>
       <p:sp>
         <p:nvSpPr>
-          <p:cNvPr id="243" name="Shape 243"/>
+          <p:cNvPr id="233" name="Shape 233"/>
           <p:cNvSpPr/>
           <p:nvPr>
             <p:ph type="sldImg"/>
@@ -1049,7 +995,7 @@
       </p:sp>
       <p:sp>
         <p:nvSpPr>
-          <p:cNvPr id="244" name="Shape 244"/>
+          <p:cNvPr id="234" name="Shape 234"/>
           <p:cNvSpPr/>
           <p:nvPr>
             <p:ph type="body" sz="quarter" idx="1"/>
@@ -1066,6 +1012,76 @@
           <a:p>
             <a:pPr/>
             <a:r>
+              <a:t>(開編輯器)</a:t>
+            </a:r>
+          </a:p>
+        </p:txBody>
+      </p:sp>
+    </p:spTree>
+  </p:cSld>
+  <p:clrMapOvr>
+    <a:masterClrMapping/>
+  </p:clrMapOvr>
+</p:notes>
+</file>
+
+<file path=ppt/notesSlides/notesSlide8.xml><?xml version="1.0" encoding="utf-8"?>
+<p:notes xmlns:a="http://schemas.openxmlformats.org/drawingml/2006/main" xmlns:r="http://schemas.openxmlformats.org/officeDocument/2006/relationships" xmlns:p="http://schemas.openxmlformats.org/presentationml/2006/main" showMasterSp="1" showMasterPhAnim="1">
+  <p:cSld>
+    <p:spTree>
+      <p:nvGrpSpPr>
+        <p:cNvPr id="1" name=""/>
+        <p:cNvGrpSpPr/>
+        <p:nvPr/>
+      </p:nvGrpSpPr>
+      <p:grpSpPr>
+        <a:xfrm>
+          <a:off x="0" y="0"/>
+          <a:ext cx="0" cy="0"/>
+          <a:chOff x="0" y="0"/>
+          <a:chExt cx="0" cy="0"/>
+        </a:xfrm>
+      </p:grpSpPr>
+      <p:sp>
+        <p:nvSpPr>
+          <p:cNvPr id="281" name="Shape 281"/>
+          <p:cNvSpPr/>
+          <p:nvPr>
+            <p:ph type="sldImg"/>
+          </p:nvPr>
+        </p:nvSpPr>
+        <p:spPr>
+          <a:prstGeom prst="rect">
+            <a:avLst/>
+          </a:prstGeom>
+        </p:spPr>
+        <p:txBody>
+          <a:bodyPr/>
+          <a:lstStyle/>
+          <a:p>
+            <a:pPr/>
+          </a:p>
+        </p:txBody>
+      </p:sp>
+      <p:sp>
+        <p:nvSpPr>
+          <p:cNvPr id="282" name="Shape 282"/>
+          <p:cNvSpPr/>
+          <p:nvPr>
+            <p:ph type="body" sz="quarter" idx="1"/>
+          </p:nvPr>
+        </p:nvSpPr>
+        <p:spPr>
+          <a:prstGeom prst="rect">
+            <a:avLst/>
+          </a:prstGeom>
+        </p:spPr>
+        <p:txBody>
+          <a:bodyPr/>
+          <a:lstStyle/>
+          <a:p>
+            <a:pPr/>
+            <a:r>
               <a:t>影印3份</a:t>
             </a:r>
           </a:p>
@@ -1080,6 +1096,9 @@
             <a:r>
               <a:t>多點時間介紹Domain model</a:t>
             </a:r>
+          </a:p>
+          <a:p>
+            <a:pPr/>
           </a:p>
         </p:txBody>
       </p:sp>
@@ -3773,7 +3792,697 @@
       </p:grpSpPr>
       <p:graphicFrame>
         <p:nvGraphicFramePr>
-          <p:cNvPr id="163" name="表格"/>
+          <p:cNvPr id="164" name="表格"/>
+          <p:cNvGraphicFramePr/>
+          <p:nvPr/>
+        </p:nvGraphicFramePr>
+        <p:xfrm>
+          <a:off x="569400" y="1594574"/>
+          <a:ext cx="11872350" cy="6570802"/>
+        </p:xfrm>
+        <a:graphic xmlns:a="http://schemas.openxmlformats.org/drawingml/2006/main">
+          <a:graphicData uri="http://schemas.openxmlformats.org/drawingml/2006/table">
+            <a:tbl>
+              <a:tblPr firstCol="0" firstRow="0" lastCol="0" lastRow="0" bandCol="0" bandRow="1" rtl="0">
+                <a:tableStyleId>{4C3C2611-4C71-4FC5-86AE-919BDF0F9419}</a:tableStyleId>
+              </a:tblPr>
+              <a:tblGrid>
+                <a:gridCol w="3371635"/>
+                <a:gridCol w="8494363"/>
+              </a:tblGrid>
+              <a:tr h="6564451">
+                <a:tc>
+                  <a:txBody>
+                    <a:bodyPr/>
+                    <a:lstStyle/>
+                    <a:p>
+                      <a:pPr algn="l" defTabSz="304800">
+                        <a:defRPr b="1">
+                          <a:uFill>
+                            <a:solidFill>
+                              <a:srgbClr val="FFFFFF"/>
+                            </a:solidFill>
+                          </a:uFill>
+                          <a:latin typeface="Calibri"/>
+                          <a:ea typeface="Calibri"/>
+                          <a:cs typeface="Calibri"/>
+                          <a:sym typeface="Calibri"/>
+                        </a:defRPr>
+                      </a:pPr>
+                      <a:r>
+                        <a:t>Extensions</a:t>
+                      </a:r>
+                    </a:p>
+                  </a:txBody>
+                  <a:tcPr marL="50800" marR="50800" marT="50800" marB="50800" anchor="t" anchorCtr="0" horzOverflow="overflow">
+                    <a:lnL w="6350">
+                      <a:solidFill>
+                        <a:srgbClr val="548DD4"/>
+                      </a:solidFill>
+                      <a:miter lim="400000"/>
+                    </a:lnL>
+                    <a:lnR w="6350">
+                      <a:solidFill>
+                        <a:srgbClr val="FFFFFF"/>
+                      </a:solidFill>
+                      <a:miter lim="400000"/>
+                    </a:lnR>
+                    <a:lnT w="6350">
+                      <a:solidFill>
+                        <a:srgbClr val="FFFFFF"/>
+                      </a:solidFill>
+                      <a:miter lim="400000"/>
+                    </a:lnT>
+                    <a:lnB w="6350">
+                      <a:solidFill>
+                        <a:srgbClr val="FFFFFF"/>
+                      </a:solidFill>
+                      <a:miter lim="400000"/>
+                    </a:lnB>
+                    <a:solidFill>
+                      <a:srgbClr val="4F81BD"/>
+                    </a:solidFill>
+                  </a:tcPr>
+                </a:tc>
+                <a:tc>
+                  <a:txBody>
+                    <a:bodyPr/>
+                    <a:lstStyle/>
+                    <a:p>
+                      <a:pPr algn="l" defTabSz="304800">
+                        <a:defRPr>
+                          <a:solidFill>
+                            <a:srgbClr val="000000"/>
+                          </a:solidFill>
+                          <a:uFill>
+                            <a:solidFill>
+                              <a:srgbClr val="000000"/>
+                            </a:solidFill>
+                          </a:uFill>
+                          <a:latin typeface="Calibri"/>
+                          <a:ea typeface="Calibri"/>
+                          <a:cs typeface="Calibri"/>
+                          <a:sym typeface="Calibri"/>
+                        </a:defRPr>
+                      </a:pPr>
+                      <a:r>
+                        <a:t>3a. </a:t>
+                      </a:r>
+                      <a:r>
+                        <a:t>未選擇足夠的測試版本（至少包含兩個項目）。</a:t>
+                      </a:r>
+                    </a:p>
+                    <a:p>
+                      <a:pPr algn="l" defTabSz="304800">
+                        <a:defRPr>
+                          <a:solidFill>
+                            <a:srgbClr val="000000"/>
+                          </a:solidFill>
+                          <a:uFill>
+                            <a:solidFill>
+                              <a:srgbClr val="000000"/>
+                            </a:solidFill>
+                          </a:uFill>
+                          <a:latin typeface="Calibri"/>
+                          <a:ea typeface="Calibri"/>
+                          <a:cs typeface="Calibri"/>
+                          <a:sym typeface="Calibri"/>
+                        </a:defRPr>
+                      </a:pPr>
+                      <a:r>
+                        <a:t>　</a:t>
+                      </a:r>
+                      <a:r>
+                        <a:t>1. </a:t>
+                      </a:r>
+                      <a:r>
+                        <a:t>跳出錯誤視窗，告訴使用者尚未選擇完成。</a:t>
+                      </a:r>
+                    </a:p>
+                    <a:p>
+                      <a:pPr algn="l" defTabSz="304800">
+                        <a:defRPr>
+                          <a:solidFill>
+                            <a:srgbClr val="000000"/>
+                          </a:solidFill>
+                          <a:uFill>
+                            <a:solidFill>
+                              <a:srgbClr val="000000"/>
+                            </a:solidFill>
+                          </a:uFill>
+                          <a:latin typeface="Calibri"/>
+                          <a:ea typeface="Calibri"/>
+                          <a:cs typeface="Calibri"/>
+                          <a:sym typeface="Calibri"/>
+                        </a:defRPr>
+                      </a:pPr>
+                      <a:r>
+                        <a:t>3b. </a:t>
+                      </a:r>
+                      <a:r>
+                        <a:t>辨識名稱與過去之測試重複。</a:t>
+                      </a:r>
+                    </a:p>
+                    <a:p>
+                      <a:pPr marL="495300" indent="-342900" algn="l" defTabSz="304800">
+                        <a:buSzPct val="100000"/>
+                        <a:buAutoNum type="arabicPeriod" startAt="1"/>
+                        <a:defRPr>
+                          <a:solidFill>
+                            <a:srgbClr val="000000"/>
+                          </a:solidFill>
+                          <a:uFill>
+                            <a:solidFill>
+                              <a:srgbClr val="000000"/>
+                            </a:solidFill>
+                          </a:uFill>
+                          <a:latin typeface="Calibri"/>
+                          <a:ea typeface="Calibri"/>
+                          <a:cs typeface="Calibri"/>
+                          <a:sym typeface="Calibri"/>
+                        </a:defRPr>
+                      </a:pPr>
+                      <a:r>
+                        <a:t>跳出錯誤視窗，告訴使用者名稱重複。</a:t>
+                      </a:r>
+                    </a:p>
+                    <a:p>
+                      <a:pPr algn="l" defTabSz="304800">
+                        <a:defRPr>
+                          <a:solidFill>
+                            <a:srgbClr val="000000"/>
+                          </a:solidFill>
+                          <a:uFill>
+                            <a:solidFill>
+                              <a:srgbClr val="000000"/>
+                            </a:solidFill>
+                          </a:uFill>
+                          <a:latin typeface="Calibri"/>
+                          <a:ea typeface="Calibri"/>
+                          <a:cs typeface="Calibri"/>
+                          <a:sym typeface="Calibri"/>
+                        </a:defRPr>
+                      </a:pPr>
+                      <a:r>
+                        <a:t>4a. </a:t>
+                      </a:r>
+                      <a:r>
+                        <a:t>與資料庫連線發生錯誤。</a:t>
+                      </a:r>
+                    </a:p>
+                    <a:p>
+                      <a:pPr algn="l" defTabSz="304800">
+                        <a:defRPr>
+                          <a:solidFill>
+                            <a:srgbClr val="000000"/>
+                          </a:solidFill>
+                          <a:uFill>
+                            <a:solidFill>
+                              <a:srgbClr val="000000"/>
+                            </a:solidFill>
+                          </a:uFill>
+                          <a:latin typeface="Calibri"/>
+                          <a:ea typeface="Calibri"/>
+                          <a:cs typeface="Calibri"/>
+                          <a:sym typeface="Calibri"/>
+                        </a:defRPr>
+                      </a:pPr>
+                      <a:r>
+                        <a:t>　</a:t>
+                      </a:r>
+                      <a:r>
+                        <a:t>1. </a:t>
+                      </a:r>
+                      <a:r>
+                        <a:t>跳出錯誤視窗，告訴使用者錯誤原因。</a:t>
+                      </a:r>
+                    </a:p>
+                    <a:p>
+                      <a:pPr algn="l" defTabSz="304800">
+                        <a:defRPr>
+                          <a:solidFill>
+                            <a:srgbClr val="000000"/>
+                          </a:solidFill>
+                          <a:uFill>
+                            <a:solidFill>
+                              <a:srgbClr val="000000"/>
+                            </a:solidFill>
+                          </a:uFill>
+                          <a:latin typeface="Calibri"/>
+                          <a:ea typeface="Calibri"/>
+                          <a:cs typeface="Calibri"/>
+                          <a:sym typeface="Calibri"/>
+                        </a:defRPr>
+                      </a:pPr>
+                      <a:r>
+                        <a:t>　</a:t>
+                      </a:r>
+                      <a:r>
+                        <a:t>2. </a:t>
+                      </a:r>
+                      <a:r>
+                        <a:t>重新載入系統。</a:t>
+                      </a:r>
+                    </a:p>
+                    <a:p>
+                      <a:pPr algn="l" defTabSz="304800">
+                        <a:defRPr>
+                          <a:solidFill>
+                            <a:srgbClr val="000000"/>
+                          </a:solidFill>
+                          <a:uFill>
+                            <a:solidFill>
+                              <a:srgbClr val="000000"/>
+                            </a:solidFill>
+                          </a:uFill>
+                          <a:latin typeface="Calibri"/>
+                          <a:ea typeface="Calibri"/>
+                          <a:cs typeface="Calibri"/>
+                          <a:sym typeface="Calibri"/>
+                        </a:defRPr>
+                      </a:pPr>
+                      <a:r>
+                        <a:t>5a. </a:t>
+                      </a:r>
+                      <a:r>
+                        <a:t>系統無法連線至</a:t>
+                      </a:r>
+                      <a:r>
+                        <a:t>Jenkins</a:t>
+                      </a:r>
+                      <a:r>
+                        <a:t>伺服器。</a:t>
+                      </a:r>
+                    </a:p>
+                    <a:p>
+                      <a:pPr algn="l" defTabSz="304800">
+                        <a:defRPr>
+                          <a:solidFill>
+                            <a:srgbClr val="000000"/>
+                          </a:solidFill>
+                          <a:uFill>
+                            <a:solidFill>
+                              <a:srgbClr val="000000"/>
+                            </a:solidFill>
+                          </a:uFill>
+                          <a:latin typeface="Calibri"/>
+                          <a:ea typeface="Calibri"/>
+                          <a:cs typeface="Calibri"/>
+                          <a:sym typeface="Calibri"/>
+                        </a:defRPr>
+                      </a:pPr>
+                      <a:r>
+                        <a:t>　</a:t>
+                      </a:r>
+                      <a:r>
+                        <a:t>1. </a:t>
+                      </a:r>
+                      <a:r>
+                        <a:t>系統更新測試任務為「連線失敗」。</a:t>
+                      </a:r>
+                    </a:p>
+                    <a:p>
+                      <a:pPr algn="l" defTabSz="304800">
+                        <a:defRPr>
+                          <a:solidFill>
+                            <a:srgbClr val="000000"/>
+                          </a:solidFill>
+                          <a:uFill>
+                            <a:solidFill>
+                              <a:srgbClr val="000000"/>
+                            </a:solidFill>
+                          </a:uFill>
+                          <a:latin typeface="Calibri"/>
+                          <a:ea typeface="Calibri"/>
+                          <a:cs typeface="Calibri"/>
+                          <a:sym typeface="Calibri"/>
+                        </a:defRPr>
+                      </a:pPr>
+                      <a:r>
+                        <a:t>6a. Jenkins</a:t>
+                      </a:r>
+                      <a:r>
+                        <a:t>伺服器與資料庫連線發生錯誤。</a:t>
+                      </a:r>
+                    </a:p>
+                    <a:p>
+                      <a:pPr algn="l" defTabSz="304800">
+                        <a:defRPr>
+                          <a:solidFill>
+                            <a:srgbClr val="000000"/>
+                          </a:solidFill>
+                          <a:uFill>
+                            <a:solidFill>
+                              <a:srgbClr val="000000"/>
+                            </a:solidFill>
+                          </a:uFill>
+                          <a:latin typeface="Calibri"/>
+                          <a:ea typeface="Calibri"/>
+                          <a:cs typeface="Calibri"/>
+                          <a:sym typeface="Calibri"/>
+                        </a:defRPr>
+                      </a:pPr>
+                      <a:r>
+                        <a:t>　</a:t>
+                      </a:r>
+                      <a:r>
+                        <a:t>1. Jenkins</a:t>
+                      </a:r>
+                      <a:r>
+                        <a:t>伺服器回傳測試失敗訊息給系統。</a:t>
+                      </a:r>
+                    </a:p>
+                    <a:p>
+                      <a:pPr algn="l" defTabSz="304800">
+                        <a:defRPr>
+                          <a:solidFill>
+                            <a:srgbClr val="000000"/>
+                          </a:solidFill>
+                          <a:uFill>
+                            <a:solidFill>
+                              <a:srgbClr val="000000"/>
+                            </a:solidFill>
+                          </a:uFill>
+                          <a:latin typeface="Calibri"/>
+                          <a:ea typeface="Calibri"/>
+                          <a:cs typeface="Calibri"/>
+                          <a:sym typeface="Calibri"/>
+                        </a:defRPr>
+                      </a:pPr>
+                      <a:r>
+                        <a:t>　　</a:t>
+                      </a:r>
+                      <a:r>
+                        <a:t>1a. Jenkins</a:t>
+                      </a:r>
+                      <a:r>
+                        <a:t>伺服器無法連線至系統。</a:t>
+                      </a:r>
+                    </a:p>
+                    <a:p>
+                      <a:pPr algn="l" defTabSz="304800">
+                        <a:defRPr>
+                          <a:solidFill>
+                            <a:srgbClr val="000000"/>
+                          </a:solidFill>
+                          <a:uFill>
+                            <a:solidFill>
+                              <a:srgbClr val="000000"/>
+                            </a:solidFill>
+                          </a:uFill>
+                          <a:latin typeface="Calibri"/>
+                          <a:ea typeface="Calibri"/>
+                          <a:cs typeface="Calibri"/>
+                          <a:sym typeface="Calibri"/>
+                        </a:defRPr>
+                      </a:pPr>
+                      <a:r>
+                        <a:t>            1. </a:t>
+                      </a:r>
+                      <a:r>
+                        <a:t>Jenkins</a:t>
+                      </a:r>
+                      <a:r>
+                        <a:t>伺服器將錯誤原因寫入</a:t>
+                      </a:r>
+                      <a:r>
+                        <a:t>log</a:t>
+                      </a:r>
+                      <a:r>
+                        <a:t>檔案中，儲存至伺服器所在之硬碟中。</a:t>
+                      </a:r>
+                    </a:p>
+                    <a:p>
+                      <a:pPr algn="l" defTabSz="304800">
+                        <a:defRPr>
+                          <a:solidFill>
+                            <a:srgbClr val="000000"/>
+                          </a:solidFill>
+                          <a:uFill>
+                            <a:solidFill>
+                              <a:srgbClr val="000000"/>
+                            </a:solidFill>
+                          </a:uFill>
+                          <a:latin typeface="Calibri"/>
+                          <a:ea typeface="Calibri"/>
+                          <a:cs typeface="Calibri"/>
+                          <a:sym typeface="Calibri"/>
+                        </a:defRPr>
+                      </a:pPr>
+                      <a:r>
+                        <a:t>　</a:t>
+                      </a:r>
+                      <a:r>
+                        <a:t>2. </a:t>
+                      </a:r>
+                      <a:r>
+                        <a:t>系統跳出錯誤視窗，告訴使用者錯誤原因。</a:t>
+                      </a:r>
+                    </a:p>
+                    <a:p>
+                      <a:pPr algn="l" defTabSz="304800">
+                        <a:defRPr>
+                          <a:solidFill>
+                            <a:srgbClr val="000000"/>
+                          </a:solidFill>
+                          <a:uFill>
+                            <a:solidFill>
+                              <a:srgbClr val="000000"/>
+                            </a:solidFill>
+                          </a:uFill>
+                          <a:latin typeface="Calibri"/>
+                          <a:ea typeface="Calibri"/>
+                          <a:cs typeface="Calibri"/>
+                          <a:sym typeface="Calibri"/>
+                        </a:defRPr>
+                      </a:pPr>
+                      <a:r>
+                        <a:t>7a. Jenkins</a:t>
+                      </a:r>
+                      <a:r>
+                        <a:t>伺服器無法找到對應之測試。</a:t>
+                      </a:r>
+                    </a:p>
+                    <a:p>
+                      <a:pPr algn="l" defTabSz="304800">
+                        <a:defRPr>
+                          <a:solidFill>
+                            <a:srgbClr val="000000"/>
+                          </a:solidFill>
+                          <a:uFill>
+                            <a:solidFill>
+                              <a:srgbClr val="000000"/>
+                            </a:solidFill>
+                          </a:uFill>
+                          <a:latin typeface="Calibri"/>
+                          <a:ea typeface="Calibri"/>
+                          <a:cs typeface="Calibri"/>
+                          <a:sym typeface="Calibri"/>
+                        </a:defRPr>
+                      </a:pPr>
+                      <a:r>
+                        <a:t>　</a:t>
+                      </a:r>
+                      <a:r>
+                        <a:t>1. Jenkins</a:t>
+                      </a:r>
+                      <a:r>
+                        <a:t>伺服器回傳測試失敗訊息給系統。</a:t>
+                      </a:r>
+                    </a:p>
+                    <a:p>
+                      <a:pPr algn="l" defTabSz="304800">
+                        <a:defRPr>
+                          <a:solidFill>
+                            <a:srgbClr val="000000"/>
+                          </a:solidFill>
+                          <a:uFill>
+                            <a:solidFill>
+                              <a:srgbClr val="000000"/>
+                            </a:solidFill>
+                          </a:uFill>
+                          <a:latin typeface="Calibri"/>
+                          <a:ea typeface="Calibri"/>
+                          <a:cs typeface="Calibri"/>
+                          <a:sym typeface="Calibri"/>
+                        </a:defRPr>
+                      </a:pPr>
+                      <a:r>
+                        <a:t>　　</a:t>
+                      </a:r>
+                      <a:r>
+                        <a:t>1a. Jenkins</a:t>
+                      </a:r>
+                      <a:r>
+                        <a:t>伺服器無法連線至系統。</a:t>
+                      </a:r>
+                    </a:p>
+                    <a:p>
+                      <a:pPr algn="l" defTabSz="304800">
+                        <a:defRPr>
+                          <a:solidFill>
+                            <a:srgbClr val="000000"/>
+                          </a:solidFill>
+                          <a:uFill>
+                            <a:solidFill>
+                              <a:srgbClr val="000000"/>
+                            </a:solidFill>
+                          </a:uFill>
+                          <a:latin typeface="Calibri"/>
+                          <a:ea typeface="Calibri"/>
+                          <a:cs typeface="Calibri"/>
+                          <a:sym typeface="Calibri"/>
+                        </a:defRPr>
+                      </a:pPr>
+                      <a:r>
+                        <a:t>　　　  </a:t>
+                      </a:r>
+                      <a:r>
+                        <a:t>1. Jenkins</a:t>
+                      </a:r>
+                      <a:r>
+                        <a:t>伺服器將錯誤原因寫入</a:t>
+                      </a:r>
+                      <a:r>
+                        <a:t>log</a:t>
+                      </a:r>
+                      <a:r>
+                        <a:t>檔案中，儲存至伺服器所在之硬碟中。</a:t>
+                      </a:r>
+                    </a:p>
+                    <a:p>
+                      <a:pPr algn="l" defTabSz="304800">
+                        <a:defRPr>
+                          <a:solidFill>
+                            <a:srgbClr val="000000"/>
+                          </a:solidFill>
+                          <a:uFill>
+                            <a:solidFill>
+                              <a:srgbClr val="000000"/>
+                            </a:solidFill>
+                          </a:uFill>
+                          <a:latin typeface="Calibri"/>
+                          <a:ea typeface="Calibri"/>
+                          <a:cs typeface="Calibri"/>
+                          <a:sym typeface="Calibri"/>
+                        </a:defRPr>
+                      </a:pPr>
+                      <a:r>
+                        <a:t>　</a:t>
+                      </a:r>
+                      <a:r>
+                        <a:t>2. </a:t>
+                      </a:r>
+                      <a:r>
+                        <a:t>系統跳出錯誤視窗，告訴使用者錯誤原因。</a:t>
+                      </a:r>
+                      <a:r>
+                        <a:t> </a:t>
+                      </a:r>
+                    </a:p>
+                  </a:txBody>
+                  <a:tcPr marL="50800" marR="50800" marT="50800" marB="50800" anchor="t" anchorCtr="0" horzOverflow="overflow">
+                    <a:lnL w="6350">
+                      <a:solidFill>
+                        <a:srgbClr val="FFFFFF"/>
+                      </a:solidFill>
+                      <a:miter lim="400000"/>
+                    </a:lnL>
+                    <a:lnR w="6350">
+                      <a:solidFill>
+                        <a:srgbClr val="548DD4"/>
+                      </a:solidFill>
+                      <a:miter lim="400000"/>
+                    </a:lnR>
+                    <a:lnT w="6350">
+                      <a:solidFill>
+                        <a:srgbClr val="FFFFFF"/>
+                      </a:solidFill>
+                      <a:miter lim="400000"/>
+                    </a:lnT>
+                    <a:lnB w="6350">
+                      <a:solidFill>
+                        <a:srgbClr val="FFFFFF"/>
+                      </a:solidFill>
+                      <a:miter lim="400000"/>
+                    </a:lnB>
+                    <a:solidFill>
+                      <a:srgbClr val="DBE5F1"/>
+                    </a:solidFill>
+                  </a:tcPr>
+                </a:tc>
+              </a:tr>
+            </a:tbl>
+          </a:graphicData>
+        </a:graphic>
+      </p:graphicFrame>
+      <p:sp>
+        <p:nvSpPr>
+          <p:cNvPr id="165" name="幻燈片編號"/>
+          <p:cNvSpPr txBox="1"/>
+          <p:nvPr>
+            <p:ph type="sldNum" sz="quarter" idx="4294967295"/>
+          </p:nvPr>
+        </p:nvSpPr>
+        <p:spPr>
+          <a:prstGeom prst="rect">
+            <a:avLst/>
+          </a:prstGeom>
+          <a:extLst>
+            <a:ext uri="{C572A759-6A51-4108-AA02-DFA0A04FC94B}">
+              <ma14:wrappingTextBoxFlag xmlns:ma14="http://schemas.microsoft.com/office/mac/drawingml/2011/main" val="1"/>
+            </a:ext>
+          </a:extLst>
+        </p:spPr>
+        <p:txBody>
+          <a:bodyPr/>
+          <a:lstStyle/>
+          <a:p>
+            <a:pPr/>
+            <a:fld id="{86CB4B4D-7CA3-9044-876B-883B54F8677D}" type="slidenum"/>
+          </a:p>
+        </p:txBody>
+      </p:sp>
+    </p:spTree>
+  </p:cSld>
+  <p:clrMapOvr>
+    <a:masterClrMapping/>
+  </p:clrMapOvr>
+  <mc:AlternateContent xmlns:mc="http://schemas.openxmlformats.org/markup-compatibility/2006">
+    <mc:Choice xmlns:p14="http://schemas.microsoft.com/office/powerpoint/2010/main" Requires="p14">
+      <p:transition spd="fast" advClick="1" p14:dur="600">
+        <p:dissolve/>
+      </p:transition>
+    </mc:Choice>
+    <mc:Fallback>
+      <p:transition spd="fast">
+        <p:fade/>
+      </p:transition>
+    </mc:Fallback>
+  </mc:AlternateContent>
+</p:sld>
+</file>
+
+<file path=ppt/slides/slide11.xml><?xml version="1.0" encoding="utf-8"?>
+<p:sld xmlns:a="http://schemas.openxmlformats.org/drawingml/2006/main" xmlns:r="http://schemas.openxmlformats.org/officeDocument/2006/relationships" xmlns:p="http://schemas.openxmlformats.org/presentationml/2006/main" showMasterSp="1" showMasterPhAnim="1">
+  <p:cSld>
+    <p:spTree>
+      <p:nvGrpSpPr>
+        <p:cNvPr id="1" name=""/>
+        <p:cNvGrpSpPr/>
+        <p:nvPr/>
+      </p:nvGrpSpPr>
+      <p:grpSpPr>
+        <a:xfrm>
+          <a:off x="0" y="0"/>
+          <a:ext cx="0" cy="0"/>
+          <a:chOff x="0" y="0"/>
+          <a:chExt cx="0" cy="0"/>
+        </a:xfrm>
+      </p:grpSpPr>
+      <p:graphicFrame>
+        <p:nvGraphicFramePr>
+          <p:cNvPr id="167" name="表格"/>
           <p:cNvGraphicFramePr/>
           <p:nvPr/>
         </p:nvGraphicFramePr>
@@ -4634,13 +5343,17 @@
       </p:graphicFrame>
       <p:sp>
         <p:nvSpPr>
-          <p:cNvPr id="164" name="幻燈片編號"/>
+          <p:cNvPr id="168" name="幻燈片編號"/>
           <p:cNvSpPr txBox="1"/>
           <p:nvPr>
             <p:ph type="sldNum" sz="quarter" idx="4294967295"/>
           </p:nvPr>
         </p:nvSpPr>
         <p:spPr>
+          <a:xfrm>
+            <a:off x="6306609" y="9197831"/>
+            <a:ext cx="390642" cy="454170"/>
+          </a:xfrm>
           <a:prstGeom prst="rect">
             <a:avLst/>
           </a:prstGeom>
@@ -4664,11 +5377,22 @@
   <p:clrMapOvr>
     <a:masterClrMapping/>
   </p:clrMapOvr>
-  <p:transition xmlns:p14="http://schemas.microsoft.com/office/powerpoint/2010/main" spd="med" advClick="1"/>
+  <mc:AlternateContent xmlns:mc="http://schemas.openxmlformats.org/markup-compatibility/2006">
+    <mc:Choice xmlns:p14="http://schemas.microsoft.com/office/powerpoint/2010/main" Requires="p14">
+      <p:transition spd="fast" advClick="1" p14:dur="600">
+        <p:dissolve/>
+      </p:transition>
+    </mc:Choice>
+    <mc:Fallback>
+      <p:transition spd="fast">
+        <p:fade/>
+      </p:transition>
+    </mc:Fallback>
+  </mc:AlternateContent>
 </p:sld>
 </file>
 
-<file path=ppt/slides/slide11.xml><?xml version="1.0" encoding="utf-8"?>
+<file path=ppt/slides/slide12.xml><?xml version="1.0" encoding="utf-8"?>
 <p:sld xmlns:a="http://schemas.openxmlformats.org/drawingml/2006/main" xmlns:r="http://schemas.openxmlformats.org/officeDocument/2006/relationships" xmlns:p="http://schemas.openxmlformats.org/presentationml/2006/main" showMasterSp="1" showMasterPhAnim="1">
   <p:cSld>
     <p:spTree>
@@ -4687,7 +5411,7 @@
       </p:grpSpPr>
       <p:graphicFrame>
         <p:nvGraphicFramePr>
-          <p:cNvPr id="166" name="表格"/>
+          <p:cNvPr id="170" name="表格"/>
           <p:cNvGraphicFramePr/>
           <p:nvPr/>
         </p:nvGraphicFramePr>
@@ -5899,7 +6623,7 @@
       </p:graphicFrame>
       <p:sp>
         <p:nvSpPr>
-          <p:cNvPr id="167" name="幻燈片編號"/>
+          <p:cNvPr id="171" name="幻燈片編號"/>
           <p:cNvSpPr txBox="1"/>
           <p:nvPr>
             <p:ph type="sldNum" sz="quarter" idx="4294967295"/>
@@ -5907,8 +6631,8 @@
         </p:nvSpPr>
         <p:spPr>
           <a:xfrm>
-            <a:off x="6306609" y="9197831"/>
-            <a:ext cx="390642" cy="454170"/>
+            <a:off x="6313808" y="9197831"/>
+            <a:ext cx="376244" cy="454170"/>
           </a:xfrm>
           <a:prstGeom prst="rect">
             <a:avLst/>
@@ -5933,11 +6657,22 @@
   <p:clrMapOvr>
     <a:masterClrMapping/>
   </p:clrMapOvr>
-  <p:transition xmlns:p14="http://schemas.microsoft.com/office/powerpoint/2010/main" spd="med" advClick="1"/>
+  <mc:AlternateContent xmlns:mc="http://schemas.openxmlformats.org/markup-compatibility/2006">
+    <mc:Choice xmlns:p14="http://schemas.microsoft.com/office/powerpoint/2010/main" Requires="p14">
+      <p:transition spd="fast" advClick="1" p14:dur="600">
+        <p:dissolve/>
+      </p:transition>
+    </mc:Choice>
+    <mc:Fallback>
+      <p:transition spd="fast">
+        <p:fade/>
+      </p:transition>
+    </mc:Fallback>
+  </mc:AlternateContent>
 </p:sld>
 </file>
 
-<file path=ppt/slides/slide12.xml><?xml version="1.0" encoding="utf-8"?>
+<file path=ppt/slides/slide13.xml><?xml version="1.0" encoding="utf-8"?>
 <p:sld xmlns:a="http://schemas.openxmlformats.org/drawingml/2006/main" xmlns:r="http://schemas.openxmlformats.org/officeDocument/2006/relationships" xmlns:p="http://schemas.openxmlformats.org/presentationml/2006/main" showMasterSp="1" showMasterPhAnim="1">
   <p:cSld>
     <p:spTree>
@@ -5956,7 +6691,7 @@
       </p:grpSpPr>
       <p:graphicFrame>
         <p:nvGraphicFramePr>
-          <p:cNvPr id="169" name="表格"/>
+          <p:cNvPr id="173" name="表格"/>
           <p:cNvGraphicFramePr/>
           <p:nvPr/>
         </p:nvGraphicFramePr>
@@ -6772,120 +7507,6 @@
       </p:graphicFrame>
       <p:sp>
         <p:nvSpPr>
-          <p:cNvPr id="170" name="幻燈片編號"/>
-          <p:cNvSpPr txBox="1"/>
-          <p:nvPr>
-            <p:ph type="sldNum" sz="quarter" idx="4294967295"/>
-          </p:nvPr>
-        </p:nvSpPr>
-        <p:spPr>
-          <a:xfrm>
-            <a:off x="6313808" y="9197831"/>
-            <a:ext cx="376244" cy="454170"/>
-          </a:xfrm>
-          <a:prstGeom prst="rect">
-            <a:avLst/>
-          </a:prstGeom>
-          <a:extLst>
-            <a:ext uri="{C572A759-6A51-4108-AA02-DFA0A04FC94B}">
-              <ma14:wrappingTextBoxFlag xmlns:ma14="http://schemas.microsoft.com/office/mac/drawingml/2011/main" val="1"/>
-            </a:ext>
-          </a:extLst>
-        </p:spPr>
-        <p:txBody>
-          <a:bodyPr/>
-          <a:lstStyle/>
-          <a:p>
-            <a:pPr/>
-            <a:fld id="{86CB4B4D-7CA3-9044-876B-883B54F8677D}" type="slidenum"/>
-          </a:p>
-        </p:txBody>
-      </p:sp>
-    </p:spTree>
-  </p:cSld>
-  <p:clrMapOvr>
-    <a:masterClrMapping/>
-  </p:clrMapOvr>
-  <p:transition xmlns:p14="http://schemas.microsoft.com/office/powerpoint/2010/main" spd="med" advClick="1"/>
-</p:sld>
-</file>
-
-<file path=ppt/slides/slide13.xml><?xml version="1.0" encoding="utf-8"?>
-<p:sld xmlns:a="http://schemas.openxmlformats.org/drawingml/2006/main" xmlns:r="http://schemas.openxmlformats.org/officeDocument/2006/relationships" xmlns:p="http://schemas.openxmlformats.org/presentationml/2006/main" showMasterSp="1" showMasterPhAnim="1">
-  <p:cSld>
-    <p:spTree>
-      <p:nvGrpSpPr>
-        <p:cNvPr id="1" name=""/>
-        <p:cNvGrpSpPr/>
-        <p:nvPr/>
-      </p:nvGrpSpPr>
-      <p:grpSpPr>
-        <a:xfrm>
-          <a:off x="0" y="0"/>
-          <a:ext cx="0" cy="0"/>
-          <a:chOff x="0" y="0"/>
-          <a:chExt cx="0" cy="0"/>
-        </a:xfrm>
-      </p:grpSpPr>
-      <p:sp>
-        <p:nvSpPr>
-          <p:cNvPr id="172" name="Domain Model"/>
-          <p:cNvSpPr txBox="1"/>
-          <p:nvPr>
-            <p:ph type="title"/>
-          </p:nvPr>
-        </p:nvSpPr>
-        <p:spPr>
-          <a:xfrm>
-            <a:off x="1270000" y="-235086"/>
-            <a:ext cx="10464800" cy="2540001"/>
-          </a:xfrm>
-          <a:prstGeom prst="rect">
-            <a:avLst/>
-          </a:prstGeom>
-        </p:spPr>
-        <p:txBody>
-          <a:bodyPr/>
-          <a:lstStyle/>
-          <a:p>
-            <a:pPr/>
-            <a:r>
-              <a:t>Domain Model</a:t>
-            </a:r>
-          </a:p>
-        </p:txBody>
-      </p:sp>
-      <p:pic>
-        <p:nvPicPr>
-          <p:cNvPr id="173" name="Domain Model.png" descr="Domain Model.png"/>
-          <p:cNvPicPr>
-            <a:picLocks noChangeAspect="1"/>
-          </p:cNvPicPr>
-          <p:nvPr/>
-        </p:nvPicPr>
-        <p:blipFill>
-          <a:blip r:embed="rId2">
-            <a:extLst/>
-          </a:blip>
-          <a:stretch>
-            <a:fillRect/>
-          </a:stretch>
-        </p:blipFill>
-        <p:spPr>
-          <a:xfrm>
-            <a:off x="0" y="1874084"/>
-            <a:ext cx="13004801" cy="7220957"/>
-          </a:xfrm>
-          <a:prstGeom prst="rect">
-            <a:avLst/>
-          </a:prstGeom>
-          <a:ln w="88900">
-            <a:miter lim="400000"/>
-          </a:ln>
-        </p:spPr>
-      </p:pic>
-      <p:sp>
-        <p:nvSpPr>
           <p:cNvPr id="174" name="幻燈片編號"/>
           <p:cNvSpPr txBox="1"/>
           <p:nvPr>
@@ -6920,7 +7541,18 @@
   <p:clrMapOvr>
     <a:masterClrMapping/>
   </p:clrMapOvr>
-  <p:transition xmlns:p14="http://schemas.microsoft.com/office/powerpoint/2010/main" spd="med" advClick="1"/>
+  <mc:AlternateContent xmlns:mc="http://schemas.openxmlformats.org/markup-compatibility/2006">
+    <mc:Choice xmlns:p14="http://schemas.microsoft.com/office/powerpoint/2010/main" Requires="p14">
+      <p:transition spd="fast" advClick="1" p14:dur="600">
+        <p:dissolve/>
+      </p:transition>
+    </mc:Choice>
+    <mc:Fallback>
+      <p:transition spd="fast">
+        <p:fade/>
+      </p:transition>
+    </mc:Fallback>
+  </mc:AlternateContent>
 </p:sld>
 </file>
 
@@ -6943,28 +7575,28 @@
       </p:grpSpPr>
       <p:sp>
         <p:nvSpPr>
-          <p:cNvPr id="176" name="Use-case realizations with GRASP Patterns"/>
+          <p:cNvPr id="176" name="Domain Model"/>
           <p:cNvSpPr txBox="1"/>
           <p:nvPr>
             <p:ph type="title"/>
           </p:nvPr>
         </p:nvSpPr>
         <p:spPr>
+          <a:xfrm>
+            <a:off x="1270000" y="-235086"/>
+            <a:ext cx="10464800" cy="2540001"/>
+          </a:xfrm>
           <a:prstGeom prst="rect">
             <a:avLst/>
           </a:prstGeom>
         </p:spPr>
         <p:txBody>
           <a:bodyPr/>
-          <a:lstStyle>
-            <a:lvl1pPr defTabSz="425195">
-              <a:defRPr sz="6696"/>
-            </a:lvl1pPr>
-          </a:lstStyle>
+          <a:lstStyle/>
           <a:p>
             <a:pPr/>
             <a:r>
-              <a:t>Use-case realizations with GRASP Patterns</a:t>
+              <a:t>Domain Model</a:t>
             </a:r>
           </a:p>
         </p:txBody>
@@ -7000,12 +7632,52 @@
           </a:p>
         </p:txBody>
       </p:sp>
+      <p:pic>
+        <p:nvPicPr>
+          <p:cNvPr id="178" name="Domain Model.png" descr="Domain Model.png"/>
+          <p:cNvPicPr>
+            <a:picLocks noChangeAspect="1"/>
+          </p:cNvPicPr>
+          <p:nvPr/>
+        </p:nvPicPr>
+        <p:blipFill>
+          <a:blip r:embed="rId2">
+            <a:extLst/>
+          </a:blip>
+          <a:stretch>
+            <a:fillRect/>
+          </a:stretch>
+        </p:blipFill>
+        <p:spPr>
+          <a:xfrm>
+            <a:off x="-90150" y="1794733"/>
+            <a:ext cx="13185100" cy="7321068"/>
+          </a:xfrm>
+          <a:prstGeom prst="rect">
+            <a:avLst/>
+          </a:prstGeom>
+          <a:ln w="88900">
+            <a:miter lim="400000"/>
+          </a:ln>
+        </p:spPr>
+      </p:pic>
     </p:spTree>
   </p:cSld>
   <p:clrMapOvr>
     <a:masterClrMapping/>
   </p:clrMapOvr>
-  <p:transition xmlns:p14="http://schemas.microsoft.com/office/powerpoint/2010/main" spd="med" advClick="1"/>
+  <mc:AlternateContent xmlns:mc="http://schemas.openxmlformats.org/markup-compatibility/2006">
+    <mc:Choice xmlns:p14="http://schemas.microsoft.com/office/powerpoint/2010/main" Requires="p14">
+      <p:transition spd="fast" advClick="1" p14:dur="600">
+        <p:dissolve/>
+      </p:transition>
+    </mc:Choice>
+    <mc:Fallback>
+      <p:transition spd="fast">
+        <p:fade/>
+      </p:transition>
+    </mc:Fallback>
+  </mc:AlternateContent>
 </p:sld>
 </file>
 
@@ -7028,7 +7700,7 @@
       </p:grpSpPr>
       <p:sp>
         <p:nvSpPr>
-          <p:cNvPr id="179" name="System Sequence Diagram for the use case"/>
+          <p:cNvPr id="180" name="Use-case realizations with GRASP Patterns"/>
           <p:cNvSpPr txBox="1"/>
           <p:nvPr>
             <p:ph type="title"/>
@@ -7042,21 +7714,21 @@
         <p:txBody>
           <a:bodyPr/>
           <a:lstStyle>
-            <a:lvl1pPr defTabSz="356615">
-              <a:defRPr sz="5615"/>
+            <a:lvl1pPr defTabSz="425195">
+              <a:defRPr sz="6696"/>
             </a:lvl1pPr>
           </a:lstStyle>
           <a:p>
             <a:pPr/>
             <a:r>
-              <a:t>System Sequence Diagram for the use case</a:t>
+              <a:t>Use-case realizations with GRASP Patterns</a:t>
             </a:r>
           </a:p>
         </p:txBody>
       </p:sp>
       <p:sp>
         <p:nvSpPr>
-          <p:cNvPr id="180" name="幻燈片編號"/>
+          <p:cNvPr id="181" name="幻燈片編號"/>
           <p:cNvSpPr txBox="1"/>
           <p:nvPr>
             <p:ph type="sldNum" sz="quarter" idx="4294967295"/>
@@ -7090,7 +7762,18 @@
   <p:clrMapOvr>
     <a:masterClrMapping/>
   </p:clrMapOvr>
-  <p:transition xmlns:p14="http://schemas.microsoft.com/office/powerpoint/2010/main" spd="med" advClick="1"/>
+  <mc:AlternateContent xmlns:mc="http://schemas.openxmlformats.org/markup-compatibility/2006">
+    <mc:Choice xmlns:p14="http://schemas.microsoft.com/office/powerpoint/2010/main" Requires="p14">
+      <p:transition spd="fast" advClick="1" p14:dur="600">
+        <p:dissolve/>
+      </p:transition>
+    </mc:Choice>
+    <mc:Fallback>
+      <p:transition spd="fast">
+        <p:fade/>
+      </p:transition>
+    </mc:Fallback>
+  </mc:AlternateContent>
 </p:sld>
 </file>
 
@@ -7113,7 +7796,103 @@
       </p:grpSpPr>
       <p:sp>
         <p:nvSpPr>
-          <p:cNvPr id="182" name="Execute Testing…"/>
+          <p:cNvPr id="185" name="System Sequence Diagram for the use case"/>
+          <p:cNvSpPr txBox="1"/>
+          <p:nvPr>
+            <p:ph type="title"/>
+          </p:nvPr>
+        </p:nvSpPr>
+        <p:spPr>
+          <a:prstGeom prst="rect">
+            <a:avLst/>
+          </a:prstGeom>
+        </p:spPr>
+        <p:txBody>
+          <a:bodyPr/>
+          <a:lstStyle>
+            <a:lvl1pPr defTabSz="356615">
+              <a:defRPr sz="5615"/>
+            </a:lvl1pPr>
+          </a:lstStyle>
+          <a:p>
+            <a:pPr/>
+            <a:r>
+              <a:t>System Sequence Diagram for the use case</a:t>
+            </a:r>
+          </a:p>
+        </p:txBody>
+      </p:sp>
+      <p:sp>
+        <p:nvSpPr>
+          <p:cNvPr id="186" name="幻燈片編號"/>
+          <p:cNvSpPr txBox="1"/>
+          <p:nvPr>
+            <p:ph type="sldNum" sz="quarter" idx="4294967295"/>
+          </p:nvPr>
+        </p:nvSpPr>
+        <p:spPr>
+          <a:xfrm>
+            <a:off x="6305346" y="9197831"/>
+            <a:ext cx="393168" cy="454170"/>
+          </a:xfrm>
+          <a:prstGeom prst="rect">
+            <a:avLst/>
+          </a:prstGeom>
+          <a:extLst>
+            <a:ext uri="{C572A759-6A51-4108-AA02-DFA0A04FC94B}">
+              <ma14:wrappingTextBoxFlag xmlns:ma14="http://schemas.microsoft.com/office/mac/drawingml/2011/main" val="1"/>
+            </a:ext>
+          </a:extLst>
+        </p:spPr>
+        <p:txBody>
+          <a:bodyPr/>
+          <a:lstStyle/>
+          <a:p>
+            <a:pPr/>
+            <a:fld id="{86CB4B4D-7CA3-9044-876B-883B54F8677D}" type="slidenum"/>
+          </a:p>
+        </p:txBody>
+      </p:sp>
+    </p:spTree>
+  </p:cSld>
+  <p:clrMapOvr>
+    <a:masterClrMapping/>
+  </p:clrMapOvr>
+  <mc:AlternateContent xmlns:mc="http://schemas.openxmlformats.org/markup-compatibility/2006">
+    <mc:Choice xmlns:p14="http://schemas.microsoft.com/office/powerpoint/2010/main" Requires="p14">
+      <p:transition spd="fast" advClick="1" p14:dur="600">
+        <p:dissolve/>
+      </p:transition>
+    </mc:Choice>
+    <mc:Fallback>
+      <p:transition spd="fast">
+        <p:fade/>
+      </p:transition>
+    </mc:Fallback>
+  </mc:AlternateContent>
+</p:sld>
+</file>
+
+<file path=ppt/slides/slide17.xml><?xml version="1.0" encoding="utf-8"?>
+<p:sld xmlns:a="http://schemas.openxmlformats.org/drawingml/2006/main" xmlns:r="http://schemas.openxmlformats.org/officeDocument/2006/relationships" xmlns:p="http://schemas.openxmlformats.org/presentationml/2006/main" showMasterSp="1" showMasterPhAnim="1">
+  <p:cSld>
+    <p:spTree>
+      <p:nvGrpSpPr>
+        <p:cNvPr id="1" name=""/>
+        <p:cNvGrpSpPr/>
+        <p:nvPr/>
+      </p:nvGrpSpPr>
+      <p:grpSpPr>
+        <a:xfrm>
+          <a:off x="0" y="0"/>
+          <a:ext cx="0" cy="0"/>
+          <a:chOff x="0" y="0"/>
+          <a:chExt cx="0" cy="0"/>
+        </a:xfrm>
+      </p:grpSpPr>
+      <p:sp>
+        <p:nvSpPr>
+          <p:cNvPr id="188" name="Execute Testing…"/>
           <p:cNvSpPr txBox="1"/>
           <p:nvPr/>
         </p:nvSpPr>
@@ -7155,7 +7934,7 @@
       </p:sp>
       <p:sp>
         <p:nvSpPr>
-          <p:cNvPr id="183" name="幻燈片編號"/>
+          <p:cNvPr id="189" name="幻燈片編號"/>
           <p:cNvSpPr txBox="1"/>
           <p:nvPr>
             <p:ph type="sldNum" sz="quarter" idx="4294967295"/>
@@ -7163,8 +7942,8 @@
         </p:nvSpPr>
         <p:spPr>
           <a:xfrm>
-            <a:off x="6305346" y="9197831"/>
-            <a:ext cx="393168" cy="454170"/>
+            <a:off x="6307872" y="9197831"/>
+            <a:ext cx="388116" cy="454170"/>
           </a:xfrm>
           <a:prstGeom prst="rect">
             <a:avLst/>
@@ -7186,7 +7965,7 @@
       </p:sp>
       <p:grpSp>
         <p:nvGrpSpPr>
-          <p:cNvPr id="186" name="SSD_UC02.png"/>
+          <p:cNvPr id="192" name="SSD_UC02.png"/>
           <p:cNvGrpSpPr/>
           <p:nvPr/>
         </p:nvGrpSpPr>
@@ -7200,7 +7979,7 @@
         </p:grpSpPr>
         <p:pic>
           <p:nvPicPr>
-            <p:cNvPr id="185" name="SSD_UC02.png" descr="SSD_UC02.png"/>
+            <p:cNvPr id="191" name="SSD_UC02.png" descr="SSD_UC02.png"/>
             <p:cNvPicPr>
               <a:picLocks noChangeAspect="1"/>
             </p:cNvPicPr>
@@ -7230,7 +8009,7 @@
         </p:pic>
         <p:pic>
           <p:nvPicPr>
-            <p:cNvPr id="184" name="SSD_UC02.png" descr="SSD_UC02.png"/>
+            <p:cNvPr id="190" name="SSD_UC02.png" descr="SSD_UC02.png"/>
             <p:cNvPicPr>
               <a:picLocks noChangeAspect="0"/>
             </p:cNvPicPr>
@@ -7261,11 +8040,22 @@
   <p:clrMapOvr>
     <a:masterClrMapping/>
   </p:clrMapOvr>
-  <p:transition xmlns:p14="http://schemas.microsoft.com/office/powerpoint/2010/main" spd="med" advClick="1"/>
+  <mc:AlternateContent xmlns:mc="http://schemas.openxmlformats.org/markup-compatibility/2006">
+    <mc:Choice xmlns:p14="http://schemas.microsoft.com/office/powerpoint/2010/main" Requires="p14">
+      <p:transition spd="fast" advClick="1" p14:dur="600">
+        <p:dissolve/>
+      </p:transition>
+    </mc:Choice>
+    <mc:Fallback>
+      <p:transition spd="fast">
+        <p:fade/>
+      </p:transition>
+    </mc:Fallback>
+  </mc:AlternateContent>
 </p:sld>
 </file>
 
-<file path=ppt/slides/slide17.xml><?xml version="1.0" encoding="utf-8"?>
+<file path=ppt/slides/slide18.xml><?xml version="1.0" encoding="utf-8"?>
 <p:sld xmlns:a="http://schemas.openxmlformats.org/drawingml/2006/main" xmlns:r="http://schemas.openxmlformats.org/officeDocument/2006/relationships" xmlns:p="http://schemas.openxmlformats.org/presentationml/2006/main" showMasterSp="1" showMasterPhAnim="1">
   <p:cSld>
     <p:spTree>
@@ -7284,7 +8074,7 @@
       </p:grpSpPr>
       <p:sp>
         <p:nvSpPr>
-          <p:cNvPr id="188" name="View Testing…"/>
+          <p:cNvPr id="194" name="View Testing…"/>
           <p:cNvSpPr txBox="1"/>
           <p:nvPr/>
         </p:nvSpPr>
@@ -7332,7 +8122,7 @@
       </p:sp>
       <p:grpSp>
         <p:nvGrpSpPr>
-          <p:cNvPr id="191" name="SSD_UC04.png"/>
+          <p:cNvPr id="197" name="SSD_UC04.png"/>
           <p:cNvGrpSpPr/>
           <p:nvPr/>
         </p:nvGrpSpPr>
@@ -7346,7 +8136,7 @@
         </p:grpSpPr>
         <p:pic>
           <p:nvPicPr>
-            <p:cNvPr id="190" name="SSD_UC04.png" descr="SSD_UC04.png"/>
+            <p:cNvPr id="196" name="SSD_UC04.png" descr="SSD_UC04.png"/>
             <p:cNvPicPr>
               <a:picLocks noChangeAspect="1"/>
             </p:cNvPicPr>
@@ -7376,7 +8166,7 @@
         </p:pic>
         <p:pic>
           <p:nvPicPr>
-            <p:cNvPr id="189" name="SSD_UC04.png" descr="SSD_UC04.png"/>
+            <p:cNvPr id="195" name="SSD_UC04.png" descr="SSD_UC04.png"/>
             <p:cNvPicPr>
               <a:picLocks noChangeAspect="0"/>
             </p:cNvPicPr>
@@ -7404,92 +8194,7 @@
       </p:grpSp>
       <p:sp>
         <p:nvSpPr>
-          <p:cNvPr id="192" name="幻燈片編號"/>
-          <p:cNvSpPr txBox="1"/>
-          <p:nvPr>
-            <p:ph type="sldNum" sz="quarter" idx="4294967295"/>
-          </p:nvPr>
-        </p:nvSpPr>
-        <p:spPr>
-          <a:xfrm>
-            <a:off x="6307872" y="9197831"/>
-            <a:ext cx="388116" cy="454170"/>
-          </a:xfrm>
-          <a:prstGeom prst="rect">
-            <a:avLst/>
-          </a:prstGeom>
-          <a:extLst>
-            <a:ext uri="{C572A759-6A51-4108-AA02-DFA0A04FC94B}">
-              <ma14:wrappingTextBoxFlag xmlns:ma14="http://schemas.microsoft.com/office/mac/drawingml/2011/main" val="1"/>
-            </a:ext>
-          </a:extLst>
-        </p:spPr>
-        <p:txBody>
-          <a:bodyPr/>
-          <a:lstStyle/>
-          <a:p>
-            <a:pPr/>
-            <a:fld id="{86CB4B4D-7CA3-9044-876B-883B54F8677D}" type="slidenum"/>
-          </a:p>
-        </p:txBody>
-      </p:sp>
-    </p:spTree>
-  </p:cSld>
-  <p:clrMapOvr>
-    <a:masterClrMapping/>
-  </p:clrMapOvr>
-  <p:transition xmlns:p14="http://schemas.microsoft.com/office/powerpoint/2010/main" spd="med" advClick="1"/>
-</p:sld>
-</file>
-
-<file path=ppt/slides/slide18.xml><?xml version="1.0" encoding="utf-8"?>
-<p:sld xmlns:a="http://schemas.openxmlformats.org/drawingml/2006/main" xmlns:r="http://schemas.openxmlformats.org/officeDocument/2006/relationships" xmlns:p="http://schemas.openxmlformats.org/presentationml/2006/main" showMasterSp="1" showMasterPhAnim="1">
-  <p:cSld>
-    <p:spTree>
-      <p:nvGrpSpPr>
-        <p:cNvPr id="1" name=""/>
-        <p:cNvGrpSpPr/>
-        <p:nvPr/>
-      </p:nvGrpSpPr>
-      <p:grpSpPr>
-        <a:xfrm>
-          <a:off x="0" y="0"/>
-          <a:ext cx="0" cy="0"/>
-          <a:chOff x="0" y="0"/>
-          <a:chExt cx="0" cy="0"/>
-        </a:xfrm>
-      </p:grpSpPr>
-      <p:sp>
-        <p:nvSpPr>
-          <p:cNvPr id="194" name="A sequence diagram for a system event"/>
-          <p:cNvSpPr txBox="1"/>
-          <p:nvPr>
-            <p:ph type="title"/>
-          </p:nvPr>
-        </p:nvSpPr>
-        <p:spPr>
-          <a:prstGeom prst="rect">
-            <a:avLst/>
-          </a:prstGeom>
-        </p:spPr>
-        <p:txBody>
-          <a:bodyPr/>
-          <a:lstStyle>
-            <a:lvl1pPr defTabSz="448055">
-              <a:defRPr sz="7056"/>
-            </a:lvl1pPr>
-          </a:lstStyle>
-          <a:p>
-            <a:pPr/>
-            <a:r>
-              <a:t>A sequence diagram for a system event</a:t>
-            </a:r>
-          </a:p>
-        </p:txBody>
-      </p:sp>
-      <p:sp>
-        <p:nvSpPr>
-          <p:cNvPr id="195" name="幻燈片編號"/>
+          <p:cNvPr id="198" name="幻燈片編號"/>
           <p:cNvSpPr txBox="1"/>
           <p:nvPr>
             <p:ph type="sldNum" sz="quarter" idx="4294967295"/>
@@ -7523,7 +8228,18 @@
   <p:clrMapOvr>
     <a:masterClrMapping/>
   </p:clrMapOvr>
-  <p:transition xmlns:p14="http://schemas.microsoft.com/office/powerpoint/2010/main" spd="med" advClick="1"/>
+  <mc:AlternateContent xmlns:mc="http://schemas.openxmlformats.org/markup-compatibility/2006">
+    <mc:Choice xmlns:p14="http://schemas.microsoft.com/office/powerpoint/2010/main" Requires="p14">
+      <p:transition spd="fast" advClick="1" p14:dur="600">
+        <p:dissolve/>
+      </p:transition>
+    </mc:Choice>
+    <mc:Fallback>
+      <p:transition spd="fast">
+        <p:fade/>
+      </p:transition>
+    </mc:Fallback>
+  </mc:AlternateContent>
 </p:sld>
 </file>
 
@@ -7546,43 +8262,35 @@
       </p:grpSpPr>
       <p:sp>
         <p:nvSpPr>
-          <p:cNvPr id="197" name="MakeNewTestMission"/>
+          <p:cNvPr id="200" name="A sequence diagram for a system event"/>
           <p:cNvSpPr txBox="1"/>
-          <p:nvPr/>
+          <p:nvPr>
+            <p:ph type="title"/>
+          </p:nvPr>
         </p:nvSpPr>
         <p:spPr>
-          <a:xfrm>
-            <a:off x="3415184" y="421663"/>
-            <a:ext cx="6174432" cy="780328"/>
-          </a:xfrm>
           <a:prstGeom prst="rect">
             <a:avLst/>
           </a:prstGeom>
-          <a:ln w="12700">
-            <a:miter lim="400000"/>
-          </a:ln>
-          <a:extLst>
-            <a:ext uri="{C572A759-6A51-4108-AA02-DFA0A04FC94B}">
-              <ma14:wrappingTextBoxFlag xmlns:ma14="http://schemas.microsoft.com/office/mac/drawingml/2011/main" val="1"/>
-            </a:ext>
-          </a:extLst>
         </p:spPr>
         <p:txBody>
-          <a:bodyPr wrap="none" lIns="50800" tIns="50800" rIns="50800" bIns="50800" anchor="ctr">
-            <a:spAutoFit/>
-          </a:bodyPr>
-          <a:lstStyle/>
+          <a:bodyPr/>
+          <a:lstStyle>
+            <a:lvl1pPr defTabSz="448055">
+              <a:defRPr sz="7056"/>
+            </a:lvl1pPr>
+          </a:lstStyle>
           <a:p>
             <a:pPr/>
             <a:r>
-              <a:t>MakeNewTestMission</a:t>
+              <a:t>A sequence diagram for a system event</a:t>
             </a:r>
           </a:p>
         </p:txBody>
       </p:sp>
       <p:sp>
         <p:nvSpPr>
-          <p:cNvPr id="198" name="幻燈片編號"/>
+          <p:cNvPr id="201" name="幻燈片編號"/>
           <p:cNvSpPr txBox="1"/>
           <p:nvPr>
             <p:ph type="sldNum" sz="quarter" idx="4294967295"/>
@@ -7611,41 +8319,23 @@
           </a:p>
         </p:txBody>
       </p:sp>
-      <p:pic>
-        <p:nvPicPr>
-          <p:cNvPr id="199" name="SD_MakeNewTestMission.png" descr="SD_MakeNewTestMission.png"/>
-          <p:cNvPicPr>
-            <a:picLocks noChangeAspect="1"/>
-          </p:cNvPicPr>
-          <p:nvPr/>
-        </p:nvPicPr>
-        <p:blipFill>
-          <a:blip r:embed="rId2">
-            <a:extLst/>
-          </a:blip>
-          <a:stretch>
-            <a:fillRect/>
-          </a:stretch>
-        </p:blipFill>
-        <p:spPr>
-          <a:xfrm>
-            <a:off x="-63213" y="1246350"/>
-            <a:ext cx="13131226" cy="8093242"/>
-          </a:xfrm>
-          <a:prstGeom prst="rect">
-            <a:avLst/>
-          </a:prstGeom>
-          <a:ln w="88900">
-            <a:miter lim="400000"/>
-          </a:ln>
-        </p:spPr>
-      </p:pic>
     </p:spTree>
   </p:cSld>
   <p:clrMapOvr>
     <a:masterClrMapping/>
   </p:clrMapOvr>
-  <p:transition xmlns:p14="http://schemas.microsoft.com/office/powerpoint/2010/main" spd="med" advClick="1"/>
+  <mc:AlternateContent xmlns:mc="http://schemas.openxmlformats.org/markup-compatibility/2006">
+    <mc:Choice xmlns:p14="http://schemas.microsoft.com/office/powerpoint/2010/main" Requires="p14">
+      <p:transition spd="fast" advClick="1" p14:dur="600">
+        <p:dissolve/>
+      </p:transition>
+    </mc:Choice>
+    <mc:Fallback>
+      <p:transition spd="fast">
+        <p:fade/>
+      </p:transition>
+    </mc:Fallback>
+  </mc:AlternateContent>
 </p:sld>
 </file>
 
@@ -7812,38 +8502,7 @@
       </p:sp>
       <p:sp>
         <p:nvSpPr>
-          <p:cNvPr id="124" name="幻燈片編號"/>
-          <p:cNvSpPr txBox="1"/>
-          <p:nvPr>
-            <p:ph type="sldNum" sz="quarter" idx="4294967295"/>
-          </p:nvPr>
-        </p:nvSpPr>
-        <p:spPr>
-          <a:xfrm>
-            <a:off x="6380494" y="9197831"/>
-            <a:ext cx="242873" cy="454170"/>
-          </a:xfrm>
-          <a:prstGeom prst="rect">
-            <a:avLst/>
-          </a:prstGeom>
-          <a:extLst>
-            <a:ext uri="{C572A759-6A51-4108-AA02-DFA0A04FC94B}">
-              <ma14:wrappingTextBoxFlag xmlns:ma14="http://schemas.microsoft.com/office/mac/drawingml/2011/main" val="1"/>
-            </a:ext>
-          </a:extLst>
-        </p:spPr>
-        <p:txBody>
-          <a:bodyPr/>
-          <a:lstStyle/>
-          <a:p>
-            <a:pPr/>
-            <a:fld id="{86CB4B4D-7CA3-9044-876B-883B54F8677D}" type="slidenum"/>
-          </a:p>
-        </p:txBody>
-      </p:sp>
-      <p:sp>
-        <p:nvSpPr>
-          <p:cNvPr id="125" name="Design Class Diagram…"/>
+          <p:cNvPr id="124" name="Design Class Diagram…"/>
           <p:cNvSpPr txBox="1"/>
           <p:nvPr/>
         </p:nvSpPr>
@@ -7966,7 +8625,18 @@
   <p:clrMapOvr>
     <a:masterClrMapping/>
   </p:clrMapOvr>
-  <p:transition xmlns:p14="http://schemas.microsoft.com/office/powerpoint/2010/main" spd="med" advClick="1"/>
+  <mc:AlternateContent xmlns:mc="http://schemas.openxmlformats.org/markup-compatibility/2006">
+    <mc:Choice xmlns:p14="http://schemas.microsoft.com/office/powerpoint/2010/main" Requires="p14">
+      <p:transition spd="fast" advClick="1" p14:dur="600">
+        <p:dissolve/>
+      </p:transition>
+    </mc:Choice>
+    <mc:Fallback>
+      <p:transition spd="fast">
+        <p:fade/>
+      </p:transition>
+    </mc:Fallback>
+  </mc:AlternateContent>
 </p:sld>
 </file>
 
@@ -7987,9 +8657,142 @@
           <a:chExt cx="0" cy="0"/>
         </a:xfrm>
       </p:grpSpPr>
+      <p:sp>
+        <p:nvSpPr>
+          <p:cNvPr id="203" name="MakeNewTestMission"/>
+          <p:cNvSpPr txBox="1"/>
+          <p:nvPr/>
+        </p:nvSpPr>
+        <p:spPr>
+          <a:xfrm>
+            <a:off x="3415184" y="421663"/>
+            <a:ext cx="6174432" cy="780328"/>
+          </a:xfrm>
+          <a:prstGeom prst="rect">
+            <a:avLst/>
+          </a:prstGeom>
+          <a:ln w="12700">
+            <a:miter lim="400000"/>
+          </a:ln>
+          <a:extLst>
+            <a:ext uri="{C572A759-6A51-4108-AA02-DFA0A04FC94B}">
+              <ma14:wrappingTextBoxFlag xmlns:ma14="http://schemas.microsoft.com/office/mac/drawingml/2011/main" val="1"/>
+            </a:ext>
+          </a:extLst>
+        </p:spPr>
+        <p:txBody>
+          <a:bodyPr wrap="none" lIns="50800" tIns="50800" rIns="50800" bIns="50800" anchor="ctr">
+            <a:spAutoFit/>
+          </a:bodyPr>
+          <a:lstStyle/>
+          <a:p>
+            <a:pPr/>
+            <a:r>
+              <a:t>MakeNewTestMission</a:t>
+            </a:r>
+          </a:p>
+        </p:txBody>
+      </p:sp>
+      <p:sp>
+        <p:nvSpPr>
+          <p:cNvPr id="204" name="幻燈片編號"/>
+          <p:cNvSpPr txBox="1"/>
+          <p:nvPr>
+            <p:ph type="sldNum" sz="quarter" idx="4294967295"/>
+          </p:nvPr>
+        </p:nvSpPr>
+        <p:spPr>
+          <a:xfrm>
+            <a:off x="6301810" y="9197831"/>
+            <a:ext cx="400240" cy="454170"/>
+          </a:xfrm>
+          <a:prstGeom prst="rect">
+            <a:avLst/>
+          </a:prstGeom>
+          <a:extLst>
+            <a:ext uri="{C572A759-6A51-4108-AA02-DFA0A04FC94B}">
+              <ma14:wrappingTextBoxFlag xmlns:ma14="http://schemas.microsoft.com/office/mac/drawingml/2011/main" val="1"/>
+            </a:ext>
+          </a:extLst>
+        </p:spPr>
+        <p:txBody>
+          <a:bodyPr/>
+          <a:lstStyle/>
+          <a:p>
+            <a:pPr/>
+            <a:fld id="{86CB4B4D-7CA3-9044-876B-883B54F8677D}" type="slidenum"/>
+          </a:p>
+        </p:txBody>
+      </p:sp>
+      <p:pic>
+        <p:nvPicPr>
+          <p:cNvPr id="205" name="SD_MakeNewTestMission.png" descr="SD_MakeNewTestMission.png"/>
+          <p:cNvPicPr>
+            <a:picLocks noChangeAspect="1"/>
+          </p:cNvPicPr>
+          <p:nvPr/>
+        </p:nvPicPr>
+        <p:blipFill>
+          <a:blip r:embed="rId2">
+            <a:extLst/>
+          </a:blip>
+          <a:stretch>
+            <a:fillRect/>
+          </a:stretch>
+        </p:blipFill>
+        <p:spPr>
+          <a:xfrm>
+            <a:off x="-63213" y="1246350"/>
+            <a:ext cx="13131226" cy="8093242"/>
+          </a:xfrm>
+          <a:prstGeom prst="rect">
+            <a:avLst/>
+          </a:prstGeom>
+          <a:ln w="88900">
+            <a:miter lim="400000"/>
+          </a:ln>
+        </p:spPr>
+      </p:pic>
+    </p:spTree>
+  </p:cSld>
+  <p:clrMapOvr>
+    <a:masterClrMapping/>
+  </p:clrMapOvr>
+  <mc:AlternateContent xmlns:mc="http://schemas.openxmlformats.org/markup-compatibility/2006">
+    <mc:Choice xmlns:p14="http://schemas.microsoft.com/office/powerpoint/2010/main" Requires="p14">
+      <p:transition spd="fast" advClick="1" p14:dur="600">
+        <p:dissolve/>
+      </p:transition>
+    </mc:Choice>
+    <mc:Fallback>
+      <p:transition spd="fast">
+        <p:fade/>
+      </p:transition>
+    </mc:Fallback>
+  </mc:AlternateContent>
+</p:sld>
+</file>
+
+<file path=ppt/slides/slide21.xml><?xml version="1.0" encoding="utf-8"?>
+<p:sld xmlns:a="http://schemas.openxmlformats.org/drawingml/2006/main" xmlns:r="http://schemas.openxmlformats.org/officeDocument/2006/relationships" xmlns:p="http://schemas.openxmlformats.org/presentationml/2006/main" showMasterSp="1" showMasterPhAnim="1">
+  <p:cSld>
+    <p:spTree>
+      <p:nvGrpSpPr>
+        <p:cNvPr id="1" name=""/>
+        <p:cNvGrpSpPr/>
+        <p:nvPr/>
+      </p:nvGrpSpPr>
+      <p:grpSpPr>
+        <a:xfrm>
+          <a:off x="0" y="0"/>
+          <a:ext cx="0" cy="0"/>
+          <a:chOff x="0" y="0"/>
+          <a:chExt cx="0" cy="0"/>
+        </a:xfrm>
+      </p:grpSpPr>
       <p:grpSp>
         <p:nvGrpSpPr>
-          <p:cNvPr id="203" name="SD_EnterHistoryPage.png"/>
+          <p:cNvPr id="209" name="SD_EnterHistoryPage.png"/>
           <p:cNvGrpSpPr/>
           <p:nvPr/>
         </p:nvGrpSpPr>
@@ -8003,7 +8806,7 @@
         </p:grpSpPr>
         <p:pic>
           <p:nvPicPr>
-            <p:cNvPr id="202" name="SD_EnterHistoryPage.png" descr="SD_EnterHistoryPage.png"/>
+            <p:cNvPr id="208" name="SD_EnterHistoryPage.png" descr="SD_EnterHistoryPage.png"/>
             <p:cNvPicPr>
               <a:picLocks noChangeAspect="1"/>
             </p:cNvPicPr>
@@ -8033,7 +8836,7 @@
         </p:pic>
         <p:pic>
           <p:nvPicPr>
-            <p:cNvPr id="201" name="SD_EnterHistoryPage.png" descr="SD_EnterHistoryPage.png"/>
+            <p:cNvPr id="207" name="SD_EnterHistoryPage.png" descr="SD_EnterHistoryPage.png"/>
             <p:cNvPicPr>
               <a:picLocks noChangeAspect="0"/>
             </p:cNvPicPr>
@@ -8061,7 +8864,7 @@
       </p:grpSp>
       <p:sp>
         <p:nvSpPr>
-          <p:cNvPr id="204" name="EnterHistoryPage"/>
+          <p:cNvPr id="210" name="EnterHistoryPage"/>
           <p:cNvSpPr txBox="1"/>
           <p:nvPr/>
         </p:nvSpPr>
@@ -8097,7 +8900,7 @@
       </p:sp>
       <p:sp>
         <p:nvSpPr>
-          <p:cNvPr id="205" name="幻燈片編號"/>
+          <p:cNvPr id="211" name="幻燈片編號"/>
           <p:cNvSpPr txBox="1"/>
           <p:nvPr>
             <p:ph type="sldNum" sz="quarter" idx="4294967295"/>
@@ -8105,8 +8908,8 @@
         </p:nvSpPr>
         <p:spPr>
           <a:xfrm>
-            <a:off x="6301810" y="9197831"/>
-            <a:ext cx="400240" cy="454170"/>
+            <a:off x="6311409" y="9197831"/>
+            <a:ext cx="381043" cy="454170"/>
           </a:xfrm>
           <a:prstGeom prst="rect">
             <a:avLst/>
@@ -8131,11 +8934,22 @@
   <p:clrMapOvr>
     <a:masterClrMapping/>
   </p:clrMapOvr>
-  <p:transition xmlns:p14="http://schemas.microsoft.com/office/powerpoint/2010/main" spd="med" advClick="1"/>
+  <mc:AlternateContent xmlns:mc="http://schemas.openxmlformats.org/markup-compatibility/2006">
+    <mc:Choice xmlns:p14="http://schemas.microsoft.com/office/powerpoint/2010/main" Requires="p14">
+      <p:transition spd="fast" advClick="1" p14:dur="600">
+        <p:dissolve/>
+      </p:transition>
+    </mc:Choice>
+    <mc:Fallback>
+      <p:transition spd="fast">
+        <p:fade/>
+      </p:transition>
+    </mc:Fallback>
+  </mc:AlternateContent>
 </p:sld>
 </file>
 
-<file path=ppt/slides/slide21.xml><?xml version="1.0" encoding="utf-8"?>
+<file path=ppt/slides/slide22.xml><?xml version="1.0" encoding="utf-8"?>
 <p:sld xmlns:a="http://schemas.openxmlformats.org/drawingml/2006/main" xmlns:r="http://schemas.openxmlformats.org/officeDocument/2006/relationships" xmlns:p="http://schemas.openxmlformats.org/presentationml/2006/main" showMasterSp="1" showMasterPhAnim="1">
   <p:cSld>
     <p:spTree>
@@ -8154,7 +8968,7 @@
       </p:grpSpPr>
       <p:grpSp>
         <p:nvGrpSpPr>
-          <p:cNvPr id="209" name="SD_SetTestVerionCategory.png"/>
+          <p:cNvPr id="215" name="SD_SetTestVerionCategory.png"/>
           <p:cNvGrpSpPr/>
           <p:nvPr/>
         </p:nvGrpSpPr>
@@ -8168,7 +8982,7 @@
         </p:grpSpPr>
         <p:pic>
           <p:nvPicPr>
-            <p:cNvPr id="208" name="SD_SetTestVerionCategory.png" descr="SD_SetTestVerionCategory.png"/>
+            <p:cNvPr id="214" name="SD_SetTestVerionCategory.png" descr="SD_SetTestVerionCategory.png"/>
             <p:cNvPicPr>
               <a:picLocks noChangeAspect="1"/>
             </p:cNvPicPr>
@@ -8198,7 +9012,7 @@
         </p:pic>
         <p:pic>
           <p:nvPicPr>
-            <p:cNvPr id="207" name="SD_SetTestVerionCategory.png" descr="SD_SetTestVerionCategory.png"/>
+            <p:cNvPr id="213" name="SD_SetTestVerionCategory.png" descr="SD_SetTestVerionCategory.png"/>
             <p:cNvPicPr>
               <a:picLocks noChangeAspect="0"/>
             </p:cNvPicPr>
@@ -8226,7 +9040,7 @@
       </p:grpSp>
       <p:sp>
         <p:nvSpPr>
-          <p:cNvPr id="210" name="EnterTestResult"/>
+          <p:cNvPr id="216" name="EnterTestResult"/>
           <p:cNvSpPr txBox="1"/>
           <p:nvPr/>
         </p:nvSpPr>
@@ -8262,88 +9076,7 @@
       </p:sp>
       <p:sp>
         <p:nvSpPr>
-          <p:cNvPr id="211" name="幻燈片編號"/>
-          <p:cNvSpPr txBox="1"/>
-          <p:nvPr>
-            <p:ph type="sldNum" sz="quarter" idx="4294967295"/>
-          </p:nvPr>
-        </p:nvSpPr>
-        <p:spPr>
-          <a:xfrm>
-            <a:off x="6311409" y="9197831"/>
-            <a:ext cx="381043" cy="454170"/>
-          </a:xfrm>
-          <a:prstGeom prst="rect">
-            <a:avLst/>
-          </a:prstGeom>
-          <a:extLst>
-            <a:ext uri="{C572A759-6A51-4108-AA02-DFA0A04FC94B}">
-              <ma14:wrappingTextBoxFlag xmlns:ma14="http://schemas.microsoft.com/office/mac/drawingml/2011/main" val="1"/>
-            </a:ext>
-          </a:extLst>
-        </p:spPr>
-        <p:txBody>
-          <a:bodyPr/>
-          <a:lstStyle/>
-          <a:p>
-            <a:pPr/>
-            <a:fld id="{86CB4B4D-7CA3-9044-876B-883B54F8677D}" type="slidenum"/>
-          </a:p>
-        </p:txBody>
-      </p:sp>
-    </p:spTree>
-  </p:cSld>
-  <p:clrMapOvr>
-    <a:masterClrMapping/>
-  </p:clrMapOvr>
-  <p:transition xmlns:p14="http://schemas.microsoft.com/office/powerpoint/2010/main" spd="med" advClick="1"/>
-</p:sld>
-</file>
-
-<file path=ppt/slides/slide22.xml><?xml version="1.0" encoding="utf-8"?>
-<p:sld xmlns:a="http://schemas.openxmlformats.org/drawingml/2006/main" xmlns:r="http://schemas.openxmlformats.org/officeDocument/2006/relationships" xmlns:p="http://schemas.openxmlformats.org/presentationml/2006/main" showMasterSp="1" showMasterPhAnim="1">
-  <p:cSld>
-    <p:spTree>
-      <p:nvGrpSpPr>
-        <p:cNvPr id="1" name=""/>
-        <p:cNvGrpSpPr/>
-        <p:nvPr/>
-      </p:nvGrpSpPr>
-      <p:grpSpPr>
-        <a:xfrm>
-          <a:off x="0" y="0"/>
-          <a:ext cx="0" cy="0"/>
-          <a:chOff x="0" y="0"/>
-          <a:chExt cx="0" cy="0"/>
-        </a:xfrm>
-      </p:grpSpPr>
-      <p:sp>
-        <p:nvSpPr>
-          <p:cNvPr id="213" name="Design Class Diagram"/>
-          <p:cNvSpPr txBox="1"/>
-          <p:nvPr>
-            <p:ph type="title"/>
-          </p:nvPr>
-        </p:nvSpPr>
-        <p:spPr>
-          <a:prstGeom prst="rect">
-            <a:avLst/>
-          </a:prstGeom>
-        </p:spPr>
-        <p:txBody>
-          <a:bodyPr/>
-          <a:lstStyle/>
-          <a:p>
-            <a:pPr/>
-            <a:r>
-              <a:t>Design Class Diagram</a:t>
-            </a:r>
-          </a:p>
-        </p:txBody>
-      </p:sp>
-      <p:sp>
-        <p:nvSpPr>
-          <p:cNvPr id="214" name="幻燈片編號"/>
+          <p:cNvPr id="217" name="幻燈片編號"/>
           <p:cNvSpPr txBox="1"/>
           <p:nvPr>
             <p:ph type="sldNum" sz="quarter" idx="4294967295"/>
@@ -8377,7 +9110,18 @@
   <p:clrMapOvr>
     <a:masterClrMapping/>
   </p:clrMapOvr>
-  <p:transition xmlns:p14="http://schemas.microsoft.com/office/powerpoint/2010/main" spd="med" advClick="1"/>
+  <mc:AlternateContent xmlns:mc="http://schemas.openxmlformats.org/markup-compatibility/2006">
+    <mc:Choice xmlns:p14="http://schemas.microsoft.com/office/powerpoint/2010/main" Requires="p14">
+      <p:transition spd="fast" advClick="1" p14:dur="600">
+        <p:dissolve/>
+      </p:transition>
+    </mc:Choice>
+    <mc:Fallback>
+      <p:transition spd="fast">
+        <p:fade/>
+      </p:transition>
+    </mc:Fallback>
+  </mc:AlternateContent>
 </p:sld>
 </file>
 
@@ -8398,9 +9142,101 @@
           <a:chExt cx="0" cy="0"/>
         </a:xfrm>
       </p:grpSpPr>
+      <p:sp>
+        <p:nvSpPr>
+          <p:cNvPr id="219" name="Design Class Diagram"/>
+          <p:cNvSpPr txBox="1"/>
+          <p:nvPr>
+            <p:ph type="title"/>
+          </p:nvPr>
+        </p:nvSpPr>
+        <p:spPr>
+          <a:prstGeom prst="rect">
+            <a:avLst/>
+          </a:prstGeom>
+        </p:spPr>
+        <p:txBody>
+          <a:bodyPr/>
+          <a:lstStyle/>
+          <a:p>
+            <a:pPr/>
+            <a:r>
+              <a:t>Design Class Diagram</a:t>
+            </a:r>
+          </a:p>
+        </p:txBody>
+      </p:sp>
+      <p:sp>
+        <p:nvSpPr>
+          <p:cNvPr id="220" name="幻燈片編號"/>
+          <p:cNvSpPr txBox="1"/>
+          <p:nvPr>
+            <p:ph type="sldNum" sz="quarter" idx="4294967295"/>
+          </p:nvPr>
+        </p:nvSpPr>
+        <p:spPr>
+          <a:xfrm>
+            <a:off x="6301936" y="9197831"/>
+            <a:ext cx="399988" cy="454170"/>
+          </a:xfrm>
+          <a:prstGeom prst="rect">
+            <a:avLst/>
+          </a:prstGeom>
+          <a:extLst>
+            <a:ext uri="{C572A759-6A51-4108-AA02-DFA0A04FC94B}">
+              <ma14:wrappingTextBoxFlag xmlns:ma14="http://schemas.microsoft.com/office/mac/drawingml/2011/main" val="1"/>
+            </a:ext>
+          </a:extLst>
+        </p:spPr>
+        <p:txBody>
+          <a:bodyPr/>
+          <a:lstStyle/>
+          <a:p>
+            <a:pPr/>
+            <a:fld id="{86CB4B4D-7CA3-9044-876B-883B54F8677D}" type="slidenum"/>
+          </a:p>
+        </p:txBody>
+      </p:sp>
+    </p:spTree>
+  </p:cSld>
+  <p:clrMapOvr>
+    <a:masterClrMapping/>
+  </p:clrMapOvr>
+  <mc:AlternateContent xmlns:mc="http://schemas.openxmlformats.org/markup-compatibility/2006">
+    <mc:Choice xmlns:p14="http://schemas.microsoft.com/office/powerpoint/2010/main" Requires="p14">
+      <p:transition spd="fast" advClick="1" p14:dur="600">
+        <p:dissolve/>
+      </p:transition>
+    </mc:Choice>
+    <mc:Fallback>
+      <p:transition spd="fast">
+        <p:fade/>
+      </p:transition>
+    </mc:Fallback>
+  </mc:AlternateContent>
+</p:sld>
+</file>
+
+<file path=ppt/slides/slide24.xml><?xml version="1.0" encoding="utf-8"?>
+<p:sld xmlns:a="http://schemas.openxmlformats.org/drawingml/2006/main" xmlns:r="http://schemas.openxmlformats.org/officeDocument/2006/relationships" xmlns:p="http://schemas.openxmlformats.org/presentationml/2006/main" showMasterSp="1" showMasterPhAnim="1">
+  <p:cSld>
+    <p:spTree>
+      <p:nvGrpSpPr>
+        <p:cNvPr id="1" name=""/>
+        <p:cNvGrpSpPr/>
+        <p:nvPr/>
+      </p:nvGrpSpPr>
+      <p:grpSpPr>
+        <a:xfrm>
+          <a:off x="0" y="0"/>
+          <a:ext cx="0" cy="0"/>
+          <a:chOff x="0" y="0"/>
+          <a:chExt cx="0" cy="0"/>
+        </a:xfrm>
+      </p:grpSpPr>
       <p:pic>
         <p:nvPicPr>
-          <p:cNvPr id="216" name="Class Diagram.png" descr="Class Diagram.png"/>
+          <p:cNvPr id="222" name="Class Diagram.png" descr="Class Diagram.png"/>
           <p:cNvPicPr>
             <a:picLocks noChangeAspect="1"/>
           </p:cNvPicPr>
@@ -8429,7 +9265,7 @@
       </p:pic>
       <p:sp>
         <p:nvSpPr>
-          <p:cNvPr id="217" name="幻燈片編號"/>
+          <p:cNvPr id="223" name="幻燈片編號"/>
           <p:cNvSpPr txBox="1"/>
           <p:nvPr>
             <p:ph type="sldNum" sz="quarter" idx="4294967295"/>
@@ -8437,8 +9273,8 @@
         </p:nvSpPr>
         <p:spPr>
           <a:xfrm>
-            <a:off x="6301936" y="9197831"/>
-            <a:ext cx="399988" cy="454170"/>
+            <a:off x="6278697" y="9197831"/>
+            <a:ext cx="446466" cy="454170"/>
           </a:xfrm>
           <a:prstGeom prst="rect">
             <a:avLst/>
@@ -8471,88 +9307,18 @@
   <p:clrMapOvr>
     <a:masterClrMapping/>
   </p:clrMapOvr>
-  <p:transition xmlns:p14="http://schemas.microsoft.com/office/powerpoint/2010/main" spd="med" advClick="1"/>
-</p:sld>
-</file>
-
-<file path=ppt/slides/slide24.xml><?xml version="1.0" encoding="utf-8"?>
-<p:sld xmlns:a="http://schemas.openxmlformats.org/drawingml/2006/main" xmlns:r="http://schemas.openxmlformats.org/officeDocument/2006/relationships" xmlns:p="http://schemas.openxmlformats.org/presentationml/2006/main" showMasterSp="1" showMasterPhAnim="1">
-  <p:cSld>
-    <p:spTree>
-      <p:nvGrpSpPr>
-        <p:cNvPr id="1" name=""/>
-        <p:cNvGrpSpPr/>
-        <p:nvPr/>
-      </p:nvGrpSpPr>
-      <p:grpSpPr>
-        <a:xfrm>
-          <a:off x="0" y="0"/>
-          <a:ext cx="0" cy="0"/>
-          <a:chOff x="0" y="0"/>
-          <a:chExt cx="0" cy="0"/>
-        </a:xfrm>
-      </p:grpSpPr>
-      <p:sp>
-        <p:nvSpPr>
-          <p:cNvPr id="219" name="Implementation Class Diagram"/>
-          <p:cNvSpPr txBox="1"/>
-          <p:nvPr>
-            <p:ph type="title"/>
-          </p:nvPr>
-        </p:nvSpPr>
-        <p:spPr>
-          <a:prstGeom prst="rect">
-            <a:avLst/>
-          </a:prstGeom>
-        </p:spPr>
-        <p:txBody>
-          <a:bodyPr/>
-          <a:lstStyle/>
-          <a:p>
-            <a:pPr/>
-            <a:r>
-              <a:t>Implementation Class Diagram</a:t>
-            </a:r>
-          </a:p>
-        </p:txBody>
-      </p:sp>
-      <p:sp>
-        <p:nvSpPr>
-          <p:cNvPr id="220" name="幻燈片編號"/>
-          <p:cNvSpPr txBox="1"/>
-          <p:nvPr>
-            <p:ph type="sldNum" sz="quarter" idx="4294967295"/>
-          </p:nvPr>
-        </p:nvSpPr>
-        <p:spPr>
-          <a:xfrm>
-            <a:off x="6278697" y="9197831"/>
-            <a:ext cx="446466" cy="454170"/>
-          </a:xfrm>
-          <a:prstGeom prst="rect">
-            <a:avLst/>
-          </a:prstGeom>
-          <a:extLst>
-            <a:ext uri="{C572A759-6A51-4108-AA02-DFA0A04FC94B}">
-              <ma14:wrappingTextBoxFlag xmlns:ma14="http://schemas.microsoft.com/office/mac/drawingml/2011/main" val="1"/>
-            </a:ext>
-          </a:extLst>
-        </p:spPr>
-        <p:txBody>
-          <a:bodyPr/>
-          <a:lstStyle/>
-          <a:p>
-            <a:pPr/>
-            <a:fld id="{86CB4B4D-7CA3-9044-876B-883B54F8677D}" type="slidenum"/>
-          </a:p>
-        </p:txBody>
-      </p:sp>
-    </p:spTree>
-  </p:cSld>
-  <p:clrMapOvr>
-    <a:masterClrMapping/>
-  </p:clrMapOvr>
-  <p:transition xmlns:p14="http://schemas.microsoft.com/office/powerpoint/2010/main" spd="med" advClick="1"/>
+  <mc:AlternateContent xmlns:mc="http://schemas.openxmlformats.org/markup-compatibility/2006">
+    <mc:Choice xmlns:p14="http://schemas.microsoft.com/office/powerpoint/2010/main" Requires="p14">
+      <p:transition spd="fast" advClick="1" p14:dur="600">
+        <p:dissolve/>
+      </p:transition>
+    </mc:Choice>
+    <mc:Fallback>
+      <p:transition spd="fast">
+        <p:fade/>
+      </p:transition>
+    </mc:Fallback>
+  </mc:AlternateContent>
 </p:sld>
 </file>
 
@@ -8573,9 +9339,101 @@
           <a:chExt cx="0" cy="0"/>
         </a:xfrm>
       </p:grpSpPr>
+      <p:sp>
+        <p:nvSpPr>
+          <p:cNvPr id="225" name="Implementation Class Diagram"/>
+          <p:cNvSpPr txBox="1"/>
+          <p:nvPr>
+            <p:ph type="title"/>
+          </p:nvPr>
+        </p:nvSpPr>
+        <p:spPr>
+          <a:prstGeom prst="rect">
+            <a:avLst/>
+          </a:prstGeom>
+        </p:spPr>
+        <p:txBody>
+          <a:bodyPr/>
+          <a:lstStyle/>
+          <a:p>
+            <a:pPr/>
+            <a:r>
+              <a:t>Implementation Class Diagram</a:t>
+            </a:r>
+          </a:p>
+        </p:txBody>
+      </p:sp>
+      <p:sp>
+        <p:nvSpPr>
+          <p:cNvPr id="226" name="幻燈片編號"/>
+          <p:cNvSpPr txBox="1"/>
+          <p:nvPr>
+            <p:ph type="sldNum" sz="quarter" idx="4294967295"/>
+          </p:nvPr>
+        </p:nvSpPr>
+        <p:spPr>
+          <a:xfrm>
+            <a:off x="6307367" y="9197831"/>
+            <a:ext cx="389126" cy="454170"/>
+          </a:xfrm>
+          <a:prstGeom prst="rect">
+            <a:avLst/>
+          </a:prstGeom>
+          <a:extLst>
+            <a:ext uri="{C572A759-6A51-4108-AA02-DFA0A04FC94B}">
+              <ma14:wrappingTextBoxFlag xmlns:ma14="http://schemas.microsoft.com/office/mac/drawingml/2011/main" val="1"/>
+            </a:ext>
+          </a:extLst>
+        </p:spPr>
+        <p:txBody>
+          <a:bodyPr/>
+          <a:lstStyle/>
+          <a:p>
+            <a:pPr/>
+            <a:fld id="{86CB4B4D-7CA3-9044-876B-883B54F8677D}" type="slidenum"/>
+          </a:p>
+        </p:txBody>
+      </p:sp>
+    </p:spTree>
+  </p:cSld>
+  <p:clrMapOvr>
+    <a:masterClrMapping/>
+  </p:clrMapOvr>
+  <mc:AlternateContent xmlns:mc="http://schemas.openxmlformats.org/markup-compatibility/2006">
+    <mc:Choice xmlns:p14="http://schemas.microsoft.com/office/powerpoint/2010/main" Requires="p14">
+      <p:transition spd="fast" advClick="1" p14:dur="600">
+        <p:dissolve/>
+      </p:transition>
+    </mc:Choice>
+    <mc:Fallback>
+      <p:transition spd="fast">
+        <p:fade/>
+      </p:transition>
+    </mc:Fallback>
+  </mc:AlternateContent>
+</p:sld>
+</file>
+
+<file path=ppt/slides/slide26.xml><?xml version="1.0" encoding="utf-8"?>
+<p:sld xmlns:a="http://schemas.openxmlformats.org/drawingml/2006/main" xmlns:r="http://schemas.openxmlformats.org/officeDocument/2006/relationships" xmlns:p="http://schemas.openxmlformats.org/presentationml/2006/main" showMasterSp="1" showMasterPhAnim="1">
+  <p:cSld>
+    <p:spTree>
+      <p:nvGrpSpPr>
+        <p:cNvPr id="1" name=""/>
+        <p:cNvGrpSpPr/>
+        <p:nvPr/>
+      </p:nvGrpSpPr>
+      <p:grpSpPr>
+        <a:xfrm>
+          <a:off x="0" y="0"/>
+          <a:ext cx="0" cy="0"/>
+          <a:chOff x="0" y="0"/>
+          <a:chExt cx="0" cy="0"/>
+        </a:xfrm>
+      </p:grpSpPr>
       <p:pic>
         <p:nvPicPr>
-          <p:cNvPr id="222" name="implentment_class_diagram.png" descr="implentment_class_diagram.png"/>
+          <p:cNvPr id="228" name="implentment_class_diagram.png" descr="implentment_class_diagram.png"/>
           <p:cNvPicPr>
             <a:picLocks noChangeAspect="1"/>
           </p:cNvPicPr>
@@ -8604,7 +9462,7 @@
       </p:pic>
       <p:sp>
         <p:nvSpPr>
-          <p:cNvPr id="223" name="幻燈片編號"/>
+          <p:cNvPr id="229" name="幻燈片編號"/>
           <p:cNvSpPr txBox="1"/>
           <p:nvPr>
             <p:ph type="sldNum" sz="quarter" idx="4294967295"/>
@@ -8612,8 +9470,8 @@
         </p:nvSpPr>
         <p:spPr>
           <a:xfrm>
-            <a:off x="6307367" y="9197831"/>
-            <a:ext cx="389126" cy="454170"/>
+            <a:off x="6304336" y="9197831"/>
+            <a:ext cx="395189" cy="454170"/>
           </a:xfrm>
           <a:prstGeom prst="rect">
             <a:avLst/>
@@ -8646,92 +9504,18 @@
   <p:clrMapOvr>
     <a:masterClrMapping/>
   </p:clrMapOvr>
-  <p:transition xmlns:p14="http://schemas.microsoft.com/office/powerpoint/2010/main" spd="med" advClick="1"/>
-</p:sld>
-</file>
-
-<file path=ppt/slides/slide26.xml><?xml version="1.0" encoding="utf-8"?>
-<p:sld xmlns:a="http://schemas.openxmlformats.org/drawingml/2006/main" xmlns:r="http://schemas.openxmlformats.org/officeDocument/2006/relationships" xmlns:p="http://schemas.openxmlformats.org/presentationml/2006/main" showMasterSp="1" showMasterPhAnim="1">
-  <p:cSld>
-    <p:spTree>
-      <p:nvGrpSpPr>
-        <p:cNvPr id="1" name=""/>
-        <p:cNvGrpSpPr/>
-        <p:nvPr/>
-      </p:nvGrpSpPr>
-      <p:grpSpPr>
-        <a:xfrm>
-          <a:off x="0" y="0"/>
-          <a:ext cx="0" cy="0"/>
-          <a:chOff x="0" y="0"/>
-          <a:chExt cx="0" cy="0"/>
-        </a:xfrm>
-      </p:grpSpPr>
-      <p:sp>
-        <p:nvSpPr>
-          <p:cNvPr id="225" name="Show the source code of a significant functionality"/>
-          <p:cNvSpPr txBox="1"/>
-          <p:nvPr>
-            <p:ph type="title"/>
-          </p:nvPr>
-        </p:nvSpPr>
-        <p:spPr>
-          <a:prstGeom prst="rect">
-            <a:avLst/>
-          </a:prstGeom>
-        </p:spPr>
-        <p:txBody>
-          <a:bodyPr/>
-          <a:lstStyle>
-            <a:lvl1pPr defTabSz="338327">
-              <a:defRPr sz="5328"/>
-            </a:lvl1pPr>
-          </a:lstStyle>
-          <a:p>
-            <a:pPr/>
-            <a:r>
-              <a:t>Show the source code of a significant functionality</a:t>
-            </a:r>
-          </a:p>
-        </p:txBody>
-      </p:sp>
-      <p:sp>
-        <p:nvSpPr>
-          <p:cNvPr id="226" name="幻燈片編號"/>
-          <p:cNvSpPr txBox="1"/>
-          <p:nvPr>
-            <p:ph type="sldNum" sz="quarter" idx="4294967295"/>
-          </p:nvPr>
-        </p:nvSpPr>
-        <p:spPr>
-          <a:xfrm>
-            <a:off x="6304336" y="9197831"/>
-            <a:ext cx="395189" cy="454170"/>
-          </a:xfrm>
-          <a:prstGeom prst="rect">
-            <a:avLst/>
-          </a:prstGeom>
-          <a:extLst>
-            <a:ext uri="{C572A759-6A51-4108-AA02-DFA0A04FC94B}">
-              <ma14:wrappingTextBoxFlag xmlns:ma14="http://schemas.microsoft.com/office/mac/drawingml/2011/main" val="1"/>
-            </a:ext>
-          </a:extLst>
-        </p:spPr>
-        <p:txBody>
-          <a:bodyPr/>
-          <a:lstStyle/>
-          <a:p>
-            <a:pPr/>
-            <a:fld id="{86CB4B4D-7CA3-9044-876B-883B54F8677D}" type="slidenum"/>
-          </a:p>
-        </p:txBody>
-      </p:sp>
-    </p:spTree>
-  </p:cSld>
-  <p:clrMapOvr>
-    <a:masterClrMapping/>
-  </p:clrMapOvr>
-  <p:transition xmlns:p14="http://schemas.microsoft.com/office/powerpoint/2010/main" spd="med" advClick="1"/>
+  <mc:AlternateContent xmlns:mc="http://schemas.openxmlformats.org/markup-compatibility/2006">
+    <mc:Choice xmlns:p14="http://schemas.microsoft.com/office/powerpoint/2010/main" Requires="p14">
+      <p:transition spd="fast" advClick="1" p14:dur="600">
+        <p:dissolve/>
+      </p:transition>
+    </mc:Choice>
+    <mc:Fallback>
+      <p:transition spd="fast">
+        <p:fade/>
+      </p:transition>
+    </mc:Fallback>
+  </mc:AlternateContent>
 </p:sld>
 </file>
 
@@ -8754,7 +9538,7 @@
       </p:grpSpPr>
       <p:sp>
         <p:nvSpPr>
-          <p:cNvPr id="230" name="Run the all Unit Tests"/>
+          <p:cNvPr id="231" name="Show the source code of a significant functionality"/>
           <p:cNvSpPr txBox="1"/>
           <p:nvPr>
             <p:ph type="title"/>
@@ -8767,18 +9551,22 @@
         </p:spPr>
         <p:txBody>
           <a:bodyPr/>
-          <a:lstStyle/>
+          <a:lstStyle>
+            <a:lvl1pPr defTabSz="338327">
+              <a:defRPr sz="5328"/>
+            </a:lvl1pPr>
+          </a:lstStyle>
           <a:p>
             <a:pPr/>
             <a:r>
-              <a:t>Run the all Unit Tests</a:t>
+              <a:t>Show the source code of a significant functionality</a:t>
             </a:r>
           </a:p>
         </p:txBody>
       </p:sp>
       <p:sp>
         <p:nvSpPr>
-          <p:cNvPr id="231" name="幻燈片編號"/>
+          <p:cNvPr id="232" name="幻燈片編號"/>
           <p:cNvSpPr txBox="1"/>
           <p:nvPr>
             <p:ph type="sldNum" sz="quarter" idx="4294967295"/>
@@ -8812,7 +9600,18 @@
   <p:clrMapOvr>
     <a:masterClrMapping/>
   </p:clrMapOvr>
-  <p:transition xmlns:p14="http://schemas.microsoft.com/office/powerpoint/2010/main" spd="med" advClick="1"/>
+  <mc:AlternateContent xmlns:mc="http://schemas.openxmlformats.org/markup-compatibility/2006">
+    <mc:Choice xmlns:p14="http://schemas.microsoft.com/office/powerpoint/2010/main" Requires="p14">
+      <p:transition spd="fast" advClick="1" p14:dur="600">
+        <p:dissolve/>
+      </p:transition>
+    </mc:Choice>
+    <mc:Fallback>
+      <p:transition spd="fast">
+        <p:fade/>
+      </p:transition>
+    </mc:Fallback>
+  </mc:AlternateContent>
 </p:sld>
 </file>
 
@@ -8833,37 +9632,38 @@
           <a:chExt cx="0" cy="0"/>
         </a:xfrm>
       </p:grpSpPr>
-      <p:sp>
-        <p:nvSpPr>
-          <p:cNvPr id="233" name="Show the source code of a significant test case"/>
-          <p:cNvSpPr txBox="1"/>
-          <p:nvPr>
-            <p:ph type="title"/>
-          </p:nvPr>
-        </p:nvSpPr>
+      <p:pic>
+        <p:nvPicPr>
+          <p:cNvPr id="236" name="testMission.PNG" descr="testMission.PNG"/>
+          <p:cNvPicPr>
+            <a:picLocks noChangeAspect="1"/>
+          </p:cNvPicPr>
+          <p:nvPr/>
+        </p:nvPicPr>
+        <p:blipFill>
+          <a:blip r:embed="rId2">
+            <a:extLst/>
+          </a:blip>
+          <a:stretch>
+            <a:fillRect/>
+          </a:stretch>
+        </p:blipFill>
         <p:spPr>
+          <a:xfrm>
+            <a:off x="0" y="692630"/>
+            <a:ext cx="13570279" cy="8368340"/>
+          </a:xfrm>
           <a:prstGeom prst="rect">
             <a:avLst/>
           </a:prstGeom>
+          <a:ln w="88900">
+            <a:miter lim="400000"/>
+          </a:ln>
         </p:spPr>
-        <p:txBody>
-          <a:bodyPr/>
-          <a:lstStyle>
-            <a:lvl1pPr defTabSz="365760">
-              <a:defRPr sz="5760"/>
-            </a:lvl1pPr>
-          </a:lstStyle>
-          <a:p>
-            <a:pPr/>
-            <a:r>
-              <a:t>Show the source code of a significant test case</a:t>
-            </a:r>
-          </a:p>
-        </p:txBody>
-      </p:sp>
+      </p:pic>
       <p:sp>
         <p:nvSpPr>
-          <p:cNvPr id="234" name="幻燈片編號"/>
+          <p:cNvPr id="237" name="幻燈片編號"/>
           <p:cNvSpPr txBox="1"/>
           <p:nvPr>
             <p:ph type="sldNum" sz="quarter" idx="4294967295"/>
@@ -8897,7 +9697,18 @@
   <p:clrMapOvr>
     <a:masterClrMapping/>
   </p:clrMapOvr>
-  <p:transition xmlns:p14="http://schemas.microsoft.com/office/powerpoint/2010/main" spd="med" advClick="1"/>
+  <mc:AlternateContent xmlns:mc="http://schemas.openxmlformats.org/markup-compatibility/2006">
+    <mc:Choice xmlns:p14="http://schemas.microsoft.com/office/powerpoint/2010/main" Requires="p14">
+      <p:transition spd="fast" advClick="1" p14:dur="600">
+        <p:dissolve/>
+      </p:transition>
+    </mc:Choice>
+    <mc:Fallback>
+      <p:transition spd="fast">
+        <p:fade/>
+      </p:transition>
+    </mc:Fallback>
+  </mc:AlternateContent>
 </p:sld>
 </file>
 
@@ -8918,9 +9729,106 @@
           <a:chExt cx="0" cy="0"/>
         </a:xfrm>
       </p:grpSpPr>
+      <p:pic>
+        <p:nvPicPr>
+          <p:cNvPr id="239" name="testVersionManager.PNG" descr="testVersionManager.PNG"/>
+          <p:cNvPicPr>
+            <a:picLocks noChangeAspect="1"/>
+          </p:cNvPicPr>
+          <p:nvPr/>
+        </p:nvPicPr>
+        <p:blipFill>
+          <a:blip r:embed="rId2">
+            <a:extLst/>
+          </a:blip>
+          <a:stretch>
+            <a:fillRect/>
+          </a:stretch>
+        </p:blipFill>
+        <p:spPr>
+          <a:xfrm>
+            <a:off x="0" y="978058"/>
+            <a:ext cx="13004801" cy="7797484"/>
+          </a:xfrm>
+          <a:prstGeom prst="rect">
+            <a:avLst/>
+          </a:prstGeom>
+          <a:ln w="88900">
+            <a:miter lim="400000"/>
+          </a:ln>
+        </p:spPr>
+      </p:pic>
       <p:sp>
         <p:nvSpPr>
-          <p:cNvPr id="236" name="Project Information"/>
+          <p:cNvPr id="240" name="幻燈片編號"/>
+          <p:cNvSpPr txBox="1"/>
+          <p:nvPr>
+            <p:ph type="sldNum" sz="quarter" idx="4294967295"/>
+          </p:nvPr>
+        </p:nvSpPr>
+        <p:spPr>
+          <a:xfrm>
+            <a:off x="6311535" y="9197831"/>
+            <a:ext cx="380791" cy="454170"/>
+          </a:xfrm>
+          <a:prstGeom prst="rect">
+            <a:avLst/>
+          </a:prstGeom>
+          <a:extLst>
+            <a:ext uri="{C572A759-6A51-4108-AA02-DFA0A04FC94B}">
+              <ma14:wrappingTextBoxFlag xmlns:ma14="http://schemas.microsoft.com/office/mac/drawingml/2011/main" val="1"/>
+            </a:ext>
+          </a:extLst>
+        </p:spPr>
+        <p:txBody>
+          <a:bodyPr/>
+          <a:lstStyle/>
+          <a:p>
+            <a:pPr/>
+            <a:fld id="{86CB4B4D-7CA3-9044-876B-883B54F8677D}" type="slidenum"/>
+          </a:p>
+        </p:txBody>
+      </p:sp>
+    </p:spTree>
+  </p:cSld>
+  <p:clrMapOvr>
+    <a:masterClrMapping/>
+  </p:clrMapOvr>
+  <mc:AlternateContent xmlns:mc="http://schemas.openxmlformats.org/markup-compatibility/2006">
+    <mc:Choice xmlns:p14="http://schemas.microsoft.com/office/powerpoint/2010/main" Requires="p14">
+      <p:transition spd="fast" advClick="1" p14:dur="600">
+        <p:dissolve/>
+      </p:transition>
+    </mc:Choice>
+    <mc:Fallback>
+      <p:transition spd="fast">
+        <p:fade/>
+      </p:transition>
+    </mc:Fallback>
+  </mc:AlternateContent>
+</p:sld>
+</file>
+
+<file path=ppt/slides/slide3.xml><?xml version="1.0" encoding="utf-8"?>
+<p:sld xmlns:a="http://schemas.openxmlformats.org/drawingml/2006/main" xmlns:r="http://schemas.openxmlformats.org/officeDocument/2006/relationships" xmlns:p="http://schemas.openxmlformats.org/presentationml/2006/main" showMasterSp="1" showMasterPhAnim="1">
+  <p:cSld>
+    <p:spTree>
+      <p:nvGrpSpPr>
+        <p:cNvPr id="1" name=""/>
+        <p:cNvGrpSpPr/>
+        <p:nvPr/>
+      </p:nvGrpSpPr>
+      <p:grpSpPr>
+        <a:xfrm>
+          <a:off x="0" y="0"/>
+          <a:ext cx="0" cy="0"/>
+          <a:chOff x="0" y="0"/>
+          <a:chExt cx="0" cy="0"/>
+        </a:xfrm>
+      </p:grpSpPr>
+      <p:sp>
+        <p:nvSpPr>
+          <p:cNvPr id="126" name="Problem statement"/>
           <p:cNvSpPr txBox="1"/>
           <p:nvPr>
             <p:ph type="title"/>
@@ -8937,6 +9845,1409 @@
           <a:p>
             <a:pPr/>
             <a:r>
+              <a:t>Problem statement</a:t>
+            </a:r>
+          </a:p>
+        </p:txBody>
+      </p:sp>
+      <p:sp>
+        <p:nvSpPr>
+          <p:cNvPr id="127" name="IoT相關產品需在不同版本、不同環境、不同參數等狀況下確保能夠正確執行，需要多重配對測試…"/>
+          <p:cNvSpPr txBox="1"/>
+          <p:nvPr>
+            <p:ph type="body" idx="1"/>
+          </p:nvPr>
+        </p:nvSpPr>
+        <p:spPr>
+          <a:prstGeom prst="rect">
+            <a:avLst/>
+          </a:prstGeom>
+        </p:spPr>
+        <p:txBody>
+          <a:bodyPr/>
+          <a:lstStyle/>
+          <a:p>
+            <a:pPr marL="537209" indent="-537209" defTabSz="429768">
+              <a:spcBef>
+                <a:spcPts val="3300"/>
+              </a:spcBef>
+              <a:buBlip>
+                <a:blip r:embed="rId3"/>
+              </a:buBlip>
+              <a:defRPr sz="3384"/>
+            </a:pPr>
+            <a:r>
+              <a:t>IoT相關產品需在不同版本、不同環境、不同參數等狀況下確保能夠正確執行，需要多重配對測試</a:t>
+            </a:r>
+          </a:p>
+          <a:p>
+            <a:pPr marL="537209" indent="-537209" defTabSz="429768">
+              <a:spcBef>
+                <a:spcPts val="3300"/>
+              </a:spcBef>
+              <a:buBlip>
+                <a:blip r:embed="rId3"/>
+              </a:buBlip>
+              <a:defRPr sz="3384"/>
+            </a:pPr>
+            <a:r>
+              <a:t>多重配對測試不僅操作繁複、操作枯燥且會產生大量檢測報告</a:t>
+            </a:r>
+          </a:p>
+          <a:p>
+            <a:pPr marL="537209" indent="-537209" defTabSz="429768">
+              <a:spcBef>
+                <a:spcPts val="3300"/>
+              </a:spcBef>
+              <a:buBlip>
+                <a:blip r:embed="rId3"/>
+              </a:buBlip>
+              <a:defRPr sz="3384"/>
+            </a:pPr>
+            <a:r>
+              <a:t>需要一個</a:t>
+            </a:r>
+            <a:r>
+              <a:rPr>
+                <a:solidFill>
+                  <a:srgbClr val="FFFC79"/>
+                </a:solidFill>
+              </a:rPr>
+              <a:t>系統整合測試環境</a:t>
+            </a:r>
+            <a:r>
+              <a:t>簡化操作流程及整合結果報表，加快測試速度</a:t>
+            </a:r>
+          </a:p>
+          <a:p>
+            <a:pPr marL="537209" indent="-537209" defTabSz="429768">
+              <a:spcBef>
+                <a:spcPts val="3300"/>
+              </a:spcBef>
+              <a:buBlip>
+                <a:blip r:embed="rId3"/>
+              </a:buBlip>
+              <a:defRPr sz="3384"/>
+            </a:pPr>
+            <a:r>
+              <a:t>本系統將提供給開發人員及測試人員使用</a:t>
+            </a:r>
+          </a:p>
+        </p:txBody>
+      </p:sp>
+      <p:sp>
+        <p:nvSpPr>
+          <p:cNvPr id="128" name="幻燈片編號"/>
+          <p:cNvSpPr txBox="1"/>
+          <p:nvPr>
+            <p:ph type="sldNum" sz="quarter" idx="4294967295"/>
+          </p:nvPr>
+        </p:nvSpPr>
+        <p:spPr>
+          <a:xfrm>
+            <a:off x="6366222" y="9197831"/>
+            <a:ext cx="271416" cy="454170"/>
+          </a:xfrm>
+          <a:prstGeom prst="rect">
+            <a:avLst/>
+          </a:prstGeom>
+          <a:extLst>
+            <a:ext uri="{C572A759-6A51-4108-AA02-DFA0A04FC94B}">
+              <ma14:wrappingTextBoxFlag xmlns:ma14="http://schemas.microsoft.com/office/mac/drawingml/2011/main" val="1"/>
+            </a:ext>
+          </a:extLst>
+        </p:spPr>
+        <p:txBody>
+          <a:bodyPr/>
+          <a:lstStyle/>
+          <a:p>
+            <a:pPr/>
+            <a:fld id="{86CB4B4D-7CA3-9044-876B-883B54F8677D}" type="slidenum"/>
+          </a:p>
+        </p:txBody>
+      </p:sp>
+    </p:spTree>
+  </p:cSld>
+  <p:clrMapOvr>
+    <a:masterClrMapping/>
+  </p:clrMapOvr>
+  <mc:AlternateContent xmlns:mc="http://schemas.openxmlformats.org/markup-compatibility/2006">
+    <mc:Choice xmlns:p14="http://schemas.microsoft.com/office/powerpoint/2010/main" Requires="p14">
+      <p:transition spd="fast" advClick="1" p14:dur="600">
+        <p:dissolve/>
+      </p:transition>
+    </mc:Choice>
+    <mc:Fallback>
+      <p:transition spd="fast">
+        <p:fade/>
+      </p:transition>
+    </mc:Fallback>
+  </mc:AlternateContent>
+</p:sld>
+</file>
+
+<file path=ppt/slides/slide30.xml><?xml version="1.0" encoding="utf-8"?>
+<p:sld xmlns:a="http://schemas.openxmlformats.org/drawingml/2006/main" xmlns:r="http://schemas.openxmlformats.org/officeDocument/2006/relationships" xmlns:p="http://schemas.openxmlformats.org/presentationml/2006/main" showMasterSp="1" showMasterPhAnim="1">
+  <p:cSld>
+    <p:spTree>
+      <p:nvGrpSpPr>
+        <p:cNvPr id="1" name=""/>
+        <p:cNvGrpSpPr/>
+        <p:nvPr/>
+      </p:nvGrpSpPr>
+      <p:grpSpPr>
+        <a:xfrm>
+          <a:off x="0" y="0"/>
+          <a:ext cx="0" cy="0"/>
+          <a:chOff x="0" y="0"/>
+          <a:chExt cx="0" cy="0"/>
+        </a:xfrm>
+      </p:grpSpPr>
+      <p:sp>
+        <p:nvSpPr>
+          <p:cNvPr id="242" name="Run the all Unit Tests"/>
+          <p:cNvSpPr txBox="1"/>
+          <p:nvPr>
+            <p:ph type="title"/>
+          </p:nvPr>
+        </p:nvSpPr>
+        <p:spPr>
+          <a:prstGeom prst="rect">
+            <a:avLst/>
+          </a:prstGeom>
+        </p:spPr>
+        <p:txBody>
+          <a:bodyPr/>
+          <a:lstStyle/>
+          <a:p>
+            <a:pPr/>
+            <a:r>
+              <a:t>Run the all Unit Tests</a:t>
+            </a:r>
+          </a:p>
+        </p:txBody>
+      </p:sp>
+      <p:sp>
+        <p:nvSpPr>
+          <p:cNvPr id="243" name="幻燈片編號"/>
+          <p:cNvSpPr txBox="1"/>
+          <p:nvPr>
+            <p:ph type="sldNum" sz="quarter" idx="4294967295"/>
+          </p:nvPr>
+        </p:nvSpPr>
+        <p:spPr>
+          <a:xfrm>
+            <a:off x="6287538" y="9197831"/>
+            <a:ext cx="428784" cy="454170"/>
+          </a:xfrm>
+          <a:prstGeom prst="rect">
+            <a:avLst/>
+          </a:prstGeom>
+          <a:extLst>
+            <a:ext uri="{C572A759-6A51-4108-AA02-DFA0A04FC94B}">
+              <ma14:wrappingTextBoxFlag xmlns:ma14="http://schemas.microsoft.com/office/mac/drawingml/2011/main" val="1"/>
+            </a:ext>
+          </a:extLst>
+        </p:spPr>
+        <p:txBody>
+          <a:bodyPr/>
+          <a:lstStyle/>
+          <a:p>
+            <a:pPr/>
+            <a:fld id="{86CB4B4D-7CA3-9044-876B-883B54F8677D}" type="slidenum"/>
+          </a:p>
+        </p:txBody>
+      </p:sp>
+    </p:spTree>
+  </p:cSld>
+  <p:clrMapOvr>
+    <a:masterClrMapping/>
+  </p:clrMapOvr>
+  <mc:AlternateContent xmlns:mc="http://schemas.openxmlformats.org/markup-compatibility/2006">
+    <mc:Choice xmlns:p14="http://schemas.microsoft.com/office/powerpoint/2010/main" Requires="p14">
+      <p:transition spd="fast" advClick="1" p14:dur="600">
+        <p:dissolve/>
+      </p:transition>
+    </mc:Choice>
+    <mc:Fallback>
+      <p:transition spd="fast">
+        <p:fade/>
+      </p:transition>
+    </mc:Fallback>
+  </mc:AlternateContent>
+</p:sld>
+</file>
+
+<file path=ppt/slides/slide31.xml><?xml version="1.0" encoding="utf-8"?>
+<p:sld xmlns:a="http://schemas.openxmlformats.org/drawingml/2006/main" xmlns:r="http://schemas.openxmlformats.org/officeDocument/2006/relationships" xmlns:p="http://schemas.openxmlformats.org/presentationml/2006/main" showMasterSp="1" showMasterPhAnim="1">
+  <p:cSld>
+    <p:spTree>
+      <p:nvGrpSpPr>
+        <p:cNvPr id="1" name=""/>
+        <p:cNvGrpSpPr/>
+        <p:nvPr/>
+      </p:nvGrpSpPr>
+      <p:grpSpPr>
+        <a:xfrm>
+          <a:off x="0" y="0"/>
+          <a:ext cx="0" cy="0"/>
+          <a:chOff x="0" y="0"/>
+          <a:chExt cx="0" cy="0"/>
+        </a:xfrm>
+      </p:grpSpPr>
+      <p:pic>
+        <p:nvPicPr>
+          <p:cNvPr id="245" name="testResult.PNG" descr="testResult.PNG"/>
+          <p:cNvPicPr>
+            <a:picLocks noChangeAspect="1"/>
+          </p:cNvPicPr>
+          <p:nvPr/>
+        </p:nvPicPr>
+        <p:blipFill>
+          <a:blip r:embed="rId2">
+            <a:extLst/>
+          </a:blip>
+          <a:stretch>
+            <a:fillRect/>
+          </a:stretch>
+        </p:blipFill>
+        <p:spPr>
+          <a:xfrm>
+            <a:off x="1786594" y="508415"/>
+            <a:ext cx="9431612" cy="8736770"/>
+          </a:xfrm>
+          <a:prstGeom prst="rect">
+            <a:avLst/>
+          </a:prstGeom>
+          <a:ln w="88900">
+            <a:miter lim="400000"/>
+          </a:ln>
+        </p:spPr>
+      </p:pic>
+      <p:sp>
+        <p:nvSpPr>
+          <p:cNvPr id="246" name="幻燈片編號"/>
+          <p:cNvSpPr txBox="1"/>
+          <p:nvPr>
+            <p:ph type="sldNum" sz="quarter" idx="4294967295"/>
+          </p:nvPr>
+        </p:nvSpPr>
+        <p:spPr>
+          <a:xfrm>
+            <a:off x="6297137" y="9197831"/>
+            <a:ext cx="409587" cy="454170"/>
+          </a:xfrm>
+          <a:prstGeom prst="rect">
+            <a:avLst/>
+          </a:prstGeom>
+          <a:extLst>
+            <a:ext uri="{C572A759-6A51-4108-AA02-DFA0A04FC94B}">
+              <ma14:wrappingTextBoxFlag xmlns:ma14="http://schemas.microsoft.com/office/mac/drawingml/2011/main" val="1"/>
+            </a:ext>
+          </a:extLst>
+        </p:spPr>
+        <p:txBody>
+          <a:bodyPr/>
+          <a:lstStyle/>
+          <a:p>
+            <a:pPr/>
+            <a:fld id="{86CB4B4D-7CA3-9044-876B-883B54F8677D}" type="slidenum"/>
+          </a:p>
+        </p:txBody>
+      </p:sp>
+    </p:spTree>
+  </p:cSld>
+  <p:clrMapOvr>
+    <a:masterClrMapping/>
+  </p:clrMapOvr>
+  <mc:AlternateContent xmlns:mc="http://schemas.openxmlformats.org/markup-compatibility/2006">
+    <mc:Choice xmlns:p14="http://schemas.microsoft.com/office/powerpoint/2010/main" Requires="p14">
+      <p:transition spd="fast" advClick="1" p14:dur="600">
+        <p:dissolve/>
+      </p:transition>
+    </mc:Choice>
+    <mc:Fallback>
+      <p:transition spd="fast">
+        <p:fade/>
+      </p:transition>
+    </mc:Fallback>
+  </mc:AlternateContent>
+</p:sld>
+</file>
+
+<file path=ppt/slides/slide32.xml><?xml version="1.0" encoding="utf-8"?>
+<p:sld xmlns:a="http://schemas.openxmlformats.org/drawingml/2006/main" xmlns:r="http://schemas.openxmlformats.org/officeDocument/2006/relationships" xmlns:p="http://schemas.openxmlformats.org/presentationml/2006/main" showMasterSp="1" showMasterPhAnim="1">
+  <p:cSld>
+    <p:spTree>
+      <p:nvGrpSpPr>
+        <p:cNvPr id="1" name=""/>
+        <p:cNvGrpSpPr/>
+        <p:nvPr/>
+      </p:nvGrpSpPr>
+      <p:grpSpPr>
+        <a:xfrm>
+          <a:off x="0" y="0"/>
+          <a:ext cx="0" cy="0"/>
+          <a:chOff x="0" y="0"/>
+          <a:chExt cx="0" cy="0"/>
+        </a:xfrm>
+      </p:grpSpPr>
+      <p:sp>
+        <p:nvSpPr>
+          <p:cNvPr id="248" name="Show the source code of a significant test case"/>
+          <p:cNvSpPr txBox="1"/>
+          <p:nvPr>
+            <p:ph type="title"/>
+          </p:nvPr>
+        </p:nvSpPr>
+        <p:spPr>
+          <a:prstGeom prst="rect">
+            <a:avLst/>
+          </a:prstGeom>
+        </p:spPr>
+        <p:txBody>
+          <a:bodyPr/>
+          <a:lstStyle>
+            <a:lvl1pPr defTabSz="365760">
+              <a:defRPr sz="5760"/>
+            </a:lvl1pPr>
+          </a:lstStyle>
+          <a:p>
+            <a:pPr/>
+            <a:r>
+              <a:t>Show the source code of a significant test case</a:t>
+            </a:r>
+          </a:p>
+        </p:txBody>
+      </p:sp>
+      <p:sp>
+        <p:nvSpPr>
+          <p:cNvPr id="249" name="幻燈片編號"/>
+          <p:cNvSpPr txBox="1"/>
+          <p:nvPr>
+            <p:ph type="sldNum" sz="quarter" idx="4294967295"/>
+          </p:nvPr>
+        </p:nvSpPr>
+        <p:spPr>
+          <a:xfrm>
+            <a:off x="6308630" y="9197831"/>
+            <a:ext cx="386600" cy="454170"/>
+          </a:xfrm>
+          <a:prstGeom prst="rect">
+            <a:avLst/>
+          </a:prstGeom>
+          <a:extLst>
+            <a:ext uri="{C572A759-6A51-4108-AA02-DFA0A04FC94B}">
+              <ma14:wrappingTextBoxFlag xmlns:ma14="http://schemas.microsoft.com/office/mac/drawingml/2011/main" val="1"/>
+            </a:ext>
+          </a:extLst>
+        </p:spPr>
+        <p:txBody>
+          <a:bodyPr/>
+          <a:lstStyle/>
+          <a:p>
+            <a:pPr/>
+            <a:fld id="{86CB4B4D-7CA3-9044-876B-883B54F8677D}" type="slidenum"/>
+          </a:p>
+        </p:txBody>
+      </p:sp>
+    </p:spTree>
+  </p:cSld>
+  <p:clrMapOvr>
+    <a:masterClrMapping/>
+  </p:clrMapOvr>
+  <mc:AlternateContent xmlns:mc="http://schemas.openxmlformats.org/markup-compatibility/2006">
+    <mc:Choice xmlns:p14="http://schemas.microsoft.com/office/powerpoint/2010/main" Requires="p14">
+      <p:transition spd="fast" advClick="1" p14:dur="600">
+        <p:dissolve/>
+      </p:transition>
+    </mc:Choice>
+    <mc:Fallback>
+      <p:transition spd="fast">
+        <p:fade/>
+      </p:transition>
+    </mc:Fallback>
+  </mc:AlternateContent>
+</p:sld>
+</file>
+
+<file path=ppt/slides/slide33.xml><?xml version="1.0" encoding="utf-8"?>
+<p:sld xmlns:a="http://schemas.openxmlformats.org/drawingml/2006/main" xmlns:r="http://schemas.openxmlformats.org/officeDocument/2006/relationships" xmlns:p="http://schemas.openxmlformats.org/presentationml/2006/main" showMasterSp="1" showMasterPhAnim="1">
+  <p:cSld>
+    <p:spTree>
+      <p:nvGrpSpPr>
+        <p:cNvPr id="1" name=""/>
+        <p:cNvGrpSpPr/>
+        <p:nvPr/>
+      </p:nvGrpSpPr>
+      <p:grpSpPr>
+        <a:xfrm>
+          <a:off x="0" y="0"/>
+          <a:ext cx="0" cy="0"/>
+          <a:chOff x="0" y="0"/>
+          <a:chExt cx="0" cy="0"/>
+        </a:xfrm>
+      </p:grpSpPr>
+      <p:pic>
+        <p:nvPicPr>
+          <p:cNvPr id="251" name="test_testMission.PNG" descr="test_testMission.PNG"/>
+          <p:cNvPicPr>
+            <a:picLocks noChangeAspect="1"/>
+          </p:cNvPicPr>
+          <p:nvPr/>
+        </p:nvPicPr>
+        <p:blipFill>
+          <a:blip r:embed="rId2">
+            <a:extLst/>
+          </a:blip>
+          <a:stretch>
+            <a:fillRect/>
+          </a:stretch>
+        </p:blipFill>
+        <p:spPr>
+          <a:xfrm>
+            <a:off x="0" y="3290706"/>
+            <a:ext cx="13004800" cy="3172188"/>
+          </a:xfrm>
+          <a:prstGeom prst="rect">
+            <a:avLst/>
+          </a:prstGeom>
+          <a:ln w="88900">
+            <a:miter lim="400000"/>
+          </a:ln>
+        </p:spPr>
+      </p:pic>
+      <p:sp>
+        <p:nvSpPr>
+          <p:cNvPr id="252" name="幻燈片編號"/>
+          <p:cNvSpPr txBox="1"/>
+          <p:nvPr>
+            <p:ph type="sldNum" sz="quarter" idx="4294967295"/>
+          </p:nvPr>
+        </p:nvSpPr>
+        <p:spPr>
+          <a:xfrm>
+            <a:off x="6287665" y="9197831"/>
+            <a:ext cx="428531" cy="454170"/>
+          </a:xfrm>
+          <a:prstGeom prst="rect">
+            <a:avLst/>
+          </a:prstGeom>
+          <a:extLst>
+            <a:ext uri="{C572A759-6A51-4108-AA02-DFA0A04FC94B}">
+              <ma14:wrappingTextBoxFlag xmlns:ma14="http://schemas.microsoft.com/office/mac/drawingml/2011/main" val="1"/>
+            </a:ext>
+          </a:extLst>
+        </p:spPr>
+        <p:txBody>
+          <a:bodyPr/>
+          <a:lstStyle/>
+          <a:p>
+            <a:pPr/>
+            <a:fld id="{86CB4B4D-7CA3-9044-876B-883B54F8677D}" type="slidenum"/>
+          </a:p>
+        </p:txBody>
+      </p:sp>
+    </p:spTree>
+  </p:cSld>
+  <p:clrMapOvr>
+    <a:masterClrMapping/>
+  </p:clrMapOvr>
+  <mc:AlternateContent xmlns:mc="http://schemas.openxmlformats.org/markup-compatibility/2006">
+    <mc:Choice xmlns:p14="http://schemas.microsoft.com/office/powerpoint/2010/main" Requires="p14">
+      <p:transition spd="fast" advClick="1" p14:dur="600">
+        <p:dissolve/>
+      </p:transition>
+    </mc:Choice>
+    <mc:Fallback>
+      <p:transition spd="fast">
+        <p:fade/>
+      </p:transition>
+    </mc:Fallback>
+  </mc:AlternateContent>
+</p:sld>
+</file>
+
+<file path=ppt/slides/slide34.xml><?xml version="1.0" encoding="utf-8"?>
+<p:sld xmlns:a="http://schemas.openxmlformats.org/drawingml/2006/main" xmlns:r="http://schemas.openxmlformats.org/officeDocument/2006/relationships" xmlns:p="http://schemas.openxmlformats.org/presentationml/2006/main" showMasterSp="1" showMasterPhAnim="1">
+  <p:cSld>
+    <p:spTree>
+      <p:nvGrpSpPr>
+        <p:cNvPr id="1" name=""/>
+        <p:cNvGrpSpPr/>
+        <p:nvPr/>
+      </p:nvGrpSpPr>
+      <p:grpSpPr>
+        <a:xfrm>
+          <a:off x="0" y="0"/>
+          <a:ext cx="0" cy="0"/>
+          <a:chOff x="0" y="0"/>
+          <a:chExt cx="0" cy="0"/>
+        </a:xfrm>
+      </p:grpSpPr>
+      <p:pic>
+        <p:nvPicPr>
+          <p:cNvPr id="254" name="test_testMissionManager.PNG" descr="test_testMissionManager.PNG"/>
+          <p:cNvPicPr>
+            <a:picLocks noChangeAspect="1"/>
+          </p:cNvPicPr>
+          <p:nvPr/>
+        </p:nvPicPr>
+        <p:blipFill>
+          <a:blip r:embed="rId2">
+            <a:extLst/>
+          </a:blip>
+          <a:stretch>
+            <a:fillRect/>
+          </a:stretch>
+        </p:blipFill>
+        <p:spPr>
+          <a:xfrm>
+            <a:off x="0" y="1456327"/>
+            <a:ext cx="13004800" cy="6840946"/>
+          </a:xfrm>
+          <a:prstGeom prst="rect">
+            <a:avLst/>
+          </a:prstGeom>
+          <a:ln w="88900">
+            <a:miter lim="400000"/>
+          </a:ln>
+        </p:spPr>
+      </p:pic>
+      <p:sp>
+        <p:nvSpPr>
+          <p:cNvPr id="255" name="幻燈片編號"/>
+          <p:cNvSpPr txBox="1"/>
+          <p:nvPr>
+            <p:ph type="sldNum" sz="quarter" idx="4294967295"/>
+          </p:nvPr>
+        </p:nvSpPr>
+        <p:spPr>
+          <a:xfrm>
+            <a:off x="6261521" y="9197831"/>
+            <a:ext cx="480819" cy="454170"/>
+          </a:xfrm>
+          <a:prstGeom prst="rect">
+            <a:avLst/>
+          </a:prstGeom>
+          <a:extLst>
+            <a:ext uri="{C572A759-6A51-4108-AA02-DFA0A04FC94B}">
+              <ma14:wrappingTextBoxFlag xmlns:ma14="http://schemas.microsoft.com/office/mac/drawingml/2011/main" val="1"/>
+            </a:ext>
+          </a:extLst>
+        </p:spPr>
+        <p:txBody>
+          <a:bodyPr/>
+          <a:lstStyle/>
+          <a:p>
+            <a:pPr/>
+            <a:fld id="{86CB4B4D-7CA3-9044-876B-883B54F8677D}" type="slidenum"/>
+          </a:p>
+        </p:txBody>
+      </p:sp>
+    </p:spTree>
+  </p:cSld>
+  <p:clrMapOvr>
+    <a:masterClrMapping/>
+  </p:clrMapOvr>
+  <mc:AlternateContent xmlns:mc="http://schemas.openxmlformats.org/markup-compatibility/2006">
+    <mc:Choice xmlns:p14="http://schemas.microsoft.com/office/powerpoint/2010/main" Requires="p14">
+      <p:transition spd="fast" advClick="1" p14:dur="600">
+        <p:dissolve/>
+      </p:transition>
+    </mc:Choice>
+    <mc:Fallback>
+      <p:transition spd="fast">
+        <p:fade/>
+      </p:transition>
+    </mc:Fallback>
+  </mc:AlternateContent>
+</p:sld>
+</file>
+
+<file path=ppt/slides/slide35.xml><?xml version="1.0" encoding="utf-8"?>
+<p:sld xmlns:a="http://schemas.openxmlformats.org/drawingml/2006/main" xmlns:r="http://schemas.openxmlformats.org/officeDocument/2006/relationships" xmlns:p="http://schemas.openxmlformats.org/presentationml/2006/main" showMasterSp="1" showMasterPhAnim="1">
+  <p:cSld>
+    <p:spTree>
+      <p:nvGrpSpPr>
+        <p:cNvPr id="1" name=""/>
+        <p:cNvGrpSpPr/>
+        <p:nvPr/>
+      </p:nvGrpSpPr>
+      <p:grpSpPr>
+        <a:xfrm>
+          <a:off x="0" y="0"/>
+          <a:ext cx="0" cy="0"/>
+          <a:chOff x="0" y="0"/>
+          <a:chExt cx="0" cy="0"/>
+        </a:xfrm>
+      </p:grpSpPr>
+      <p:pic>
+        <p:nvPicPr>
+          <p:cNvPr id="257" name="test_testMissionManager_error.PNG" descr="test_testMissionManager_error.PNG"/>
+          <p:cNvPicPr>
+            <a:picLocks noChangeAspect="1"/>
+          </p:cNvPicPr>
+          <p:nvPr/>
+        </p:nvPicPr>
+        <p:blipFill>
+          <a:blip r:embed="rId2">
+            <a:extLst/>
+          </a:blip>
+          <a:stretch>
+            <a:fillRect/>
+          </a:stretch>
+        </p:blipFill>
+        <p:spPr>
+          <a:xfrm>
+            <a:off x="0" y="2915079"/>
+            <a:ext cx="13004800" cy="3923442"/>
+          </a:xfrm>
+          <a:prstGeom prst="rect">
+            <a:avLst/>
+          </a:prstGeom>
+          <a:ln w="88900">
+            <a:miter lim="400000"/>
+          </a:ln>
+        </p:spPr>
+      </p:pic>
+      <p:sp>
+        <p:nvSpPr>
+          <p:cNvPr id="258" name="幻燈片編號"/>
+          <p:cNvSpPr txBox="1"/>
+          <p:nvPr>
+            <p:ph type="sldNum" sz="quarter" idx="4294967295"/>
+          </p:nvPr>
+        </p:nvSpPr>
+        <p:spPr>
+          <a:xfrm>
+            <a:off x="6293095" y="9197831"/>
+            <a:ext cx="417670" cy="454170"/>
+          </a:xfrm>
+          <a:prstGeom prst="rect">
+            <a:avLst/>
+          </a:prstGeom>
+          <a:extLst>
+            <a:ext uri="{C572A759-6A51-4108-AA02-DFA0A04FC94B}">
+              <ma14:wrappingTextBoxFlag xmlns:ma14="http://schemas.microsoft.com/office/mac/drawingml/2011/main" val="1"/>
+            </a:ext>
+          </a:extLst>
+        </p:spPr>
+        <p:txBody>
+          <a:bodyPr/>
+          <a:lstStyle/>
+          <a:p>
+            <a:pPr/>
+            <a:fld id="{86CB4B4D-7CA3-9044-876B-883B54F8677D}" type="slidenum"/>
+          </a:p>
+        </p:txBody>
+      </p:sp>
+    </p:spTree>
+  </p:cSld>
+  <p:clrMapOvr>
+    <a:masterClrMapping/>
+  </p:clrMapOvr>
+  <mc:AlternateContent xmlns:mc="http://schemas.openxmlformats.org/markup-compatibility/2006">
+    <mc:Choice xmlns:p14="http://schemas.microsoft.com/office/powerpoint/2010/main" Requires="p14">
+      <p:transition spd="fast" advClick="1" p14:dur="600">
+        <p:dissolve/>
+      </p:transition>
+    </mc:Choice>
+    <mc:Fallback>
+      <p:transition spd="fast">
+        <p:fade/>
+      </p:transition>
+    </mc:Fallback>
+  </mc:AlternateContent>
+</p:sld>
+</file>
+
+<file path=ppt/slides/slide36.xml><?xml version="1.0" encoding="utf-8"?>
+<p:sld xmlns:a="http://schemas.openxmlformats.org/drawingml/2006/main" xmlns:r="http://schemas.openxmlformats.org/officeDocument/2006/relationships" xmlns:p="http://schemas.openxmlformats.org/presentationml/2006/main" showMasterSp="1" showMasterPhAnim="1">
+  <p:cSld>
+    <p:spTree>
+      <p:nvGrpSpPr>
+        <p:cNvPr id="1" name=""/>
+        <p:cNvGrpSpPr/>
+        <p:nvPr/>
+      </p:nvGrpSpPr>
+      <p:grpSpPr>
+        <a:xfrm>
+          <a:off x="0" y="0"/>
+          <a:ext cx="0" cy="0"/>
+          <a:chOff x="0" y="0"/>
+          <a:chExt cx="0" cy="0"/>
+        </a:xfrm>
+      </p:grpSpPr>
+      <p:pic>
+        <p:nvPicPr>
+          <p:cNvPr id="260" name="test_testCombination.PNG" descr="test_testCombination.PNG"/>
+          <p:cNvPicPr>
+            <a:picLocks noChangeAspect="1"/>
+          </p:cNvPicPr>
+          <p:nvPr/>
+        </p:nvPicPr>
+        <p:blipFill>
+          <a:blip r:embed="rId2">
+            <a:extLst/>
+          </a:blip>
+          <a:stretch>
+            <a:fillRect/>
+          </a:stretch>
+        </p:blipFill>
+        <p:spPr>
+          <a:xfrm>
+            <a:off x="0" y="3026257"/>
+            <a:ext cx="13004800" cy="3701086"/>
+          </a:xfrm>
+          <a:prstGeom prst="rect">
+            <a:avLst/>
+          </a:prstGeom>
+          <a:ln w="88900">
+            <a:miter lim="400000"/>
+          </a:ln>
+        </p:spPr>
+      </p:pic>
+      <p:sp>
+        <p:nvSpPr>
+          <p:cNvPr id="261" name="幻燈片編號"/>
+          <p:cNvSpPr txBox="1"/>
+          <p:nvPr>
+            <p:ph type="sldNum" sz="quarter" idx="4294967295"/>
+          </p:nvPr>
+        </p:nvSpPr>
+        <p:spPr>
+          <a:xfrm>
+            <a:off x="6290064" y="9197831"/>
+            <a:ext cx="423732" cy="454170"/>
+          </a:xfrm>
+          <a:prstGeom prst="rect">
+            <a:avLst/>
+          </a:prstGeom>
+          <a:extLst>
+            <a:ext uri="{C572A759-6A51-4108-AA02-DFA0A04FC94B}">
+              <ma14:wrappingTextBoxFlag xmlns:ma14="http://schemas.microsoft.com/office/mac/drawingml/2011/main" val="1"/>
+            </a:ext>
+          </a:extLst>
+        </p:spPr>
+        <p:txBody>
+          <a:bodyPr/>
+          <a:lstStyle/>
+          <a:p>
+            <a:pPr/>
+            <a:fld id="{86CB4B4D-7CA3-9044-876B-883B54F8677D}" type="slidenum"/>
+          </a:p>
+        </p:txBody>
+      </p:sp>
+    </p:spTree>
+  </p:cSld>
+  <p:clrMapOvr>
+    <a:masterClrMapping/>
+  </p:clrMapOvr>
+  <mc:AlternateContent xmlns:mc="http://schemas.openxmlformats.org/markup-compatibility/2006">
+    <mc:Choice xmlns:p14="http://schemas.microsoft.com/office/powerpoint/2010/main" Requires="p14">
+      <p:transition spd="fast" advClick="1" p14:dur="600">
+        <p:dissolve/>
+      </p:transition>
+    </mc:Choice>
+    <mc:Fallback>
+      <p:transition spd="fast">
+        <p:fade/>
+      </p:transition>
+    </mc:Fallback>
+  </mc:AlternateContent>
+</p:sld>
+</file>
+
+<file path=ppt/slides/slide37.xml><?xml version="1.0" encoding="utf-8"?>
+<p:sld xmlns:a="http://schemas.openxmlformats.org/drawingml/2006/main" xmlns:r="http://schemas.openxmlformats.org/officeDocument/2006/relationships" xmlns:p="http://schemas.openxmlformats.org/presentationml/2006/main" showMasterSp="1" showMasterPhAnim="1">
+  <p:cSld>
+    <p:spTree>
+      <p:nvGrpSpPr>
+        <p:cNvPr id="1" name=""/>
+        <p:cNvGrpSpPr/>
+        <p:nvPr/>
+      </p:nvGrpSpPr>
+      <p:grpSpPr>
+        <a:xfrm>
+          <a:off x="0" y="0"/>
+          <a:ext cx="0" cy="0"/>
+          <a:chOff x="0" y="0"/>
+          <a:chExt cx="0" cy="0"/>
+        </a:xfrm>
+      </p:grpSpPr>
+      <p:pic>
+        <p:nvPicPr>
+          <p:cNvPr id="263" name="test_testVersion.PNG" descr="test_testVersion.PNG"/>
+          <p:cNvPicPr>
+            <a:picLocks noChangeAspect="1"/>
+          </p:cNvPicPr>
+          <p:nvPr/>
+        </p:nvPicPr>
+        <p:blipFill>
+          <a:blip r:embed="rId2">
+            <a:extLst/>
+          </a:blip>
+          <a:stretch>
+            <a:fillRect/>
+          </a:stretch>
+        </p:blipFill>
+        <p:spPr>
+          <a:xfrm>
+            <a:off x="-1" y="3112696"/>
+            <a:ext cx="13004801" cy="3528208"/>
+          </a:xfrm>
+          <a:prstGeom prst="rect">
+            <a:avLst/>
+          </a:prstGeom>
+          <a:ln w="88900">
+            <a:miter lim="400000"/>
+          </a:ln>
+        </p:spPr>
+      </p:pic>
+      <p:sp>
+        <p:nvSpPr>
+          <p:cNvPr id="264" name="幻燈片編號"/>
+          <p:cNvSpPr txBox="1"/>
+          <p:nvPr>
+            <p:ph type="sldNum" sz="quarter" idx="4294967295"/>
+          </p:nvPr>
+        </p:nvSpPr>
+        <p:spPr>
+          <a:xfrm>
+            <a:off x="6298400" y="9197831"/>
+            <a:ext cx="407061" cy="454170"/>
+          </a:xfrm>
+          <a:prstGeom prst="rect">
+            <a:avLst/>
+          </a:prstGeom>
+          <a:extLst>
+            <a:ext uri="{C572A759-6A51-4108-AA02-DFA0A04FC94B}">
+              <ma14:wrappingTextBoxFlag xmlns:ma14="http://schemas.microsoft.com/office/mac/drawingml/2011/main" val="1"/>
+            </a:ext>
+          </a:extLst>
+        </p:spPr>
+        <p:txBody>
+          <a:bodyPr/>
+          <a:lstStyle/>
+          <a:p>
+            <a:pPr/>
+            <a:fld id="{86CB4B4D-7CA3-9044-876B-883B54F8677D}" type="slidenum"/>
+          </a:p>
+        </p:txBody>
+      </p:sp>
+    </p:spTree>
+  </p:cSld>
+  <p:clrMapOvr>
+    <a:masterClrMapping/>
+  </p:clrMapOvr>
+  <mc:AlternateContent xmlns:mc="http://schemas.openxmlformats.org/markup-compatibility/2006">
+    <mc:Choice xmlns:p14="http://schemas.microsoft.com/office/powerpoint/2010/main" Requires="p14">
+      <p:transition spd="fast" advClick="1" p14:dur="600">
+        <p:dissolve/>
+      </p:transition>
+    </mc:Choice>
+    <mc:Fallback>
+      <p:transition spd="fast">
+        <p:fade/>
+      </p:transition>
+    </mc:Fallback>
+  </mc:AlternateContent>
+</p:sld>
+</file>
+
+<file path=ppt/slides/slide38.xml><?xml version="1.0" encoding="utf-8"?>
+<p:sld xmlns:a="http://schemas.openxmlformats.org/drawingml/2006/main" xmlns:r="http://schemas.openxmlformats.org/officeDocument/2006/relationships" xmlns:p="http://schemas.openxmlformats.org/presentationml/2006/main" showMasterSp="1" showMasterPhAnim="1">
+  <p:cSld>
+    <p:spTree>
+      <p:nvGrpSpPr>
+        <p:cNvPr id="1" name=""/>
+        <p:cNvGrpSpPr/>
+        <p:nvPr/>
+      </p:nvGrpSpPr>
+      <p:grpSpPr>
+        <a:xfrm>
+          <a:off x="0" y="0"/>
+          <a:ext cx="0" cy="0"/>
+          <a:chOff x="0" y="0"/>
+          <a:chExt cx="0" cy="0"/>
+        </a:xfrm>
+      </p:grpSpPr>
+      <p:pic>
+        <p:nvPicPr>
+          <p:cNvPr id="266" name="test_testVersionManager_getCategories.PNG" descr="test_testVersionManager_getCategories.PNG"/>
+          <p:cNvPicPr>
+            <a:picLocks noChangeAspect="1"/>
+          </p:cNvPicPr>
+          <p:nvPr/>
+        </p:nvPicPr>
+        <p:blipFill>
+          <a:blip r:embed="rId2">
+            <a:extLst/>
+          </a:blip>
+          <a:stretch>
+            <a:fillRect/>
+          </a:stretch>
+        </p:blipFill>
+        <p:spPr>
+          <a:xfrm>
+            <a:off x="0" y="2649541"/>
+            <a:ext cx="13004801" cy="4454518"/>
+          </a:xfrm>
+          <a:prstGeom prst="rect">
+            <a:avLst/>
+          </a:prstGeom>
+          <a:ln w="88900">
+            <a:miter lim="400000"/>
+          </a:ln>
+        </p:spPr>
+      </p:pic>
+      <p:sp>
+        <p:nvSpPr>
+          <p:cNvPr id="267" name="幻燈片編號"/>
+          <p:cNvSpPr txBox="1"/>
+          <p:nvPr>
+            <p:ph type="sldNum" sz="quarter" idx="4294967295"/>
+          </p:nvPr>
+        </p:nvSpPr>
+        <p:spPr>
+          <a:xfrm>
+            <a:off x="6274530" y="9197831"/>
+            <a:ext cx="454801" cy="454170"/>
+          </a:xfrm>
+          <a:prstGeom prst="rect">
+            <a:avLst/>
+          </a:prstGeom>
+          <a:extLst>
+            <a:ext uri="{C572A759-6A51-4108-AA02-DFA0A04FC94B}">
+              <ma14:wrappingTextBoxFlag xmlns:ma14="http://schemas.microsoft.com/office/mac/drawingml/2011/main" val="1"/>
+            </a:ext>
+          </a:extLst>
+        </p:spPr>
+        <p:txBody>
+          <a:bodyPr/>
+          <a:lstStyle/>
+          <a:p>
+            <a:pPr/>
+            <a:fld id="{86CB4B4D-7CA3-9044-876B-883B54F8677D}" type="slidenum"/>
+          </a:p>
+        </p:txBody>
+      </p:sp>
+    </p:spTree>
+  </p:cSld>
+  <p:clrMapOvr>
+    <a:masterClrMapping/>
+  </p:clrMapOvr>
+  <mc:AlternateContent xmlns:mc="http://schemas.openxmlformats.org/markup-compatibility/2006">
+    <mc:Choice xmlns:p14="http://schemas.microsoft.com/office/powerpoint/2010/main" Requires="p14">
+      <p:transition spd="fast" advClick="1" p14:dur="600">
+        <p:dissolve/>
+      </p:transition>
+    </mc:Choice>
+    <mc:Fallback>
+      <p:transition spd="fast">
+        <p:fade/>
+      </p:transition>
+    </mc:Fallback>
+  </mc:AlternateContent>
+</p:sld>
+</file>
+
+<file path=ppt/slides/slide39.xml><?xml version="1.0" encoding="utf-8"?>
+<p:sld xmlns:a="http://schemas.openxmlformats.org/drawingml/2006/main" xmlns:r="http://schemas.openxmlformats.org/officeDocument/2006/relationships" xmlns:p="http://schemas.openxmlformats.org/presentationml/2006/main" showMasterSp="1" showMasterPhAnim="1">
+  <p:cSld>
+    <p:spTree>
+      <p:nvGrpSpPr>
+        <p:cNvPr id="1" name=""/>
+        <p:cNvGrpSpPr/>
+        <p:nvPr/>
+      </p:nvGrpSpPr>
+      <p:grpSpPr>
+        <a:xfrm>
+          <a:off x="0" y="0"/>
+          <a:ext cx="0" cy="0"/>
+          <a:chOff x="0" y="0"/>
+          <a:chExt cx="0" cy="0"/>
+        </a:xfrm>
+      </p:grpSpPr>
+      <p:pic>
+        <p:nvPicPr>
+          <p:cNvPr id="269" name="test_testVersionManager_GetVersion.PNG" descr="test_testVersionManager_GetVersion.PNG"/>
+          <p:cNvPicPr>
+            <a:picLocks noChangeAspect="1"/>
+          </p:cNvPicPr>
+          <p:nvPr/>
+        </p:nvPicPr>
+        <p:blipFill>
+          <a:blip r:embed="rId2">
+            <a:extLst/>
+          </a:blip>
+          <a:stretch>
+            <a:fillRect/>
+          </a:stretch>
+        </p:blipFill>
+        <p:spPr>
+          <a:xfrm>
+            <a:off x="0" y="1552833"/>
+            <a:ext cx="13004800" cy="6647934"/>
+          </a:xfrm>
+          <a:prstGeom prst="rect">
+            <a:avLst/>
+          </a:prstGeom>
+          <a:ln w="88900">
+            <a:miter lim="400000"/>
+          </a:ln>
+        </p:spPr>
+      </p:pic>
+      <p:sp>
+        <p:nvSpPr>
+          <p:cNvPr id="270" name="幻燈片編號"/>
+          <p:cNvSpPr txBox="1"/>
+          <p:nvPr>
+            <p:ph type="sldNum" sz="quarter" idx="4294967295"/>
+          </p:nvPr>
+        </p:nvSpPr>
+        <p:spPr>
+          <a:xfrm>
+            <a:off x="6297263" y="9197831"/>
+            <a:ext cx="409334" cy="454170"/>
+          </a:xfrm>
+          <a:prstGeom prst="rect">
+            <a:avLst/>
+          </a:prstGeom>
+          <a:extLst>
+            <a:ext uri="{C572A759-6A51-4108-AA02-DFA0A04FC94B}">
+              <ma14:wrappingTextBoxFlag xmlns:ma14="http://schemas.microsoft.com/office/mac/drawingml/2011/main" val="1"/>
+            </a:ext>
+          </a:extLst>
+        </p:spPr>
+        <p:txBody>
+          <a:bodyPr/>
+          <a:lstStyle/>
+          <a:p>
+            <a:pPr/>
+            <a:fld id="{86CB4B4D-7CA3-9044-876B-883B54F8677D}" type="slidenum"/>
+          </a:p>
+        </p:txBody>
+      </p:sp>
+    </p:spTree>
+  </p:cSld>
+  <p:clrMapOvr>
+    <a:masterClrMapping/>
+  </p:clrMapOvr>
+  <mc:AlternateContent xmlns:mc="http://schemas.openxmlformats.org/markup-compatibility/2006">
+    <mc:Choice xmlns:p14="http://schemas.microsoft.com/office/powerpoint/2010/main" Requires="p14">
+      <p:transition spd="fast" advClick="1" p14:dur="600">
+        <p:dissolve/>
+      </p:transition>
+    </mc:Choice>
+    <mc:Fallback>
+      <p:transition spd="fast">
+        <p:fade/>
+      </p:transition>
+    </mc:Fallback>
+  </mc:AlternateContent>
+</p:sld>
+</file>
+
+<file path=ppt/slides/slide4.xml><?xml version="1.0" encoding="utf-8"?>
+<p:sld xmlns:a="http://schemas.openxmlformats.org/drawingml/2006/main" xmlns:r="http://schemas.openxmlformats.org/officeDocument/2006/relationships" xmlns:p="http://schemas.openxmlformats.org/presentationml/2006/main" showMasterSp="1" showMasterPhAnim="1">
+  <p:cSld>
+    <p:spTree>
+      <p:nvGrpSpPr>
+        <p:cNvPr id="1" name=""/>
+        <p:cNvGrpSpPr/>
+        <p:nvPr/>
+      </p:nvGrpSpPr>
+      <p:grpSpPr>
+        <a:xfrm>
+          <a:off x="0" y="0"/>
+          <a:ext cx="0" cy="0"/>
+          <a:chOff x="0" y="0"/>
+          <a:chExt cx="0" cy="0"/>
+        </a:xfrm>
+      </p:grpSpPr>
+      <p:sp>
+        <p:nvSpPr>
+          <p:cNvPr id="132" name="System Context Diagram"/>
+          <p:cNvSpPr txBox="1"/>
+          <p:nvPr>
+            <p:ph type="title"/>
+          </p:nvPr>
+        </p:nvSpPr>
+        <p:spPr>
+          <a:prstGeom prst="rect">
+            <a:avLst/>
+          </a:prstGeom>
+        </p:spPr>
+        <p:txBody>
+          <a:bodyPr/>
+          <a:lstStyle/>
+          <a:p>
+            <a:pPr/>
+            <a:r>
+              <a:t>System Context Diagram</a:t>
+            </a:r>
+          </a:p>
+        </p:txBody>
+      </p:sp>
+      <p:grpSp>
+        <p:nvGrpSpPr>
+          <p:cNvPr id="135" name="systemContextDiagram.png"/>
+          <p:cNvGrpSpPr/>
+          <p:nvPr/>
+        </p:nvGrpSpPr>
+        <p:grpSpPr>
+          <a:xfrm>
+            <a:off x="160851" y="3731908"/>
+            <a:ext cx="12683098" cy="4169384"/>
+            <a:chOff x="0" y="0"/>
+            <a:chExt cx="12683097" cy="4169383"/>
+          </a:xfrm>
+        </p:grpSpPr>
+        <p:pic>
+          <p:nvPicPr>
+            <p:cNvPr id="134" name="systemContextDiagram.png" descr="systemContextDiagram.png"/>
+            <p:cNvPicPr>
+              <a:picLocks noChangeAspect="1"/>
+            </p:cNvPicPr>
+            <p:nvPr/>
+          </p:nvPicPr>
+          <p:blipFill>
+            <a:blip r:embed="rId3">
+              <a:extLst/>
+            </a:blip>
+            <a:srcRect l="0" t="0" r="0" b="0"/>
+            <a:stretch>
+              <a:fillRect/>
+            </a:stretch>
+          </p:blipFill>
+          <p:spPr>
+            <a:xfrm>
+              <a:off x="215900" y="139700"/>
+              <a:ext cx="12251298" cy="3610584"/>
+            </a:xfrm>
+            <a:prstGeom prst="rect">
+              <a:avLst/>
+            </a:prstGeom>
+            <a:ln>
+              <a:noFill/>
+            </a:ln>
+            <a:effectLst/>
+          </p:spPr>
+        </p:pic>
+        <p:pic>
+          <p:nvPicPr>
+            <p:cNvPr id="133" name="systemContextDiagram.png" descr="systemContextDiagram.png"/>
+            <p:cNvPicPr>
+              <a:picLocks noChangeAspect="0"/>
+            </p:cNvPicPr>
+            <p:nvPr/>
+          </p:nvPicPr>
+          <p:blipFill>
+            <a:blip r:embed="rId4">
+              <a:extLst/>
+            </a:blip>
+            <a:stretch>
+              <a:fillRect/>
+            </a:stretch>
+          </p:blipFill>
+          <p:spPr>
+            <a:xfrm>
+              <a:off x="-1" y="-1"/>
+              <a:ext cx="12683098" cy="4169385"/>
+            </a:xfrm>
+            <a:prstGeom prst="rect">
+              <a:avLst/>
+            </a:prstGeom>
+            <a:effectLst/>
+          </p:spPr>
+        </p:pic>
+      </p:grpSp>
+      <p:sp>
+        <p:nvSpPr>
+          <p:cNvPr id="136" name="幻燈片編號"/>
+          <p:cNvSpPr txBox="1"/>
+          <p:nvPr>
+            <p:ph type="sldNum" sz="quarter" idx="4294967295"/>
+          </p:nvPr>
+        </p:nvSpPr>
+        <p:spPr>
+          <a:xfrm>
+            <a:off x="6340078" y="9197831"/>
+            <a:ext cx="323704" cy="454170"/>
+          </a:xfrm>
+          <a:prstGeom prst="rect">
+            <a:avLst/>
+          </a:prstGeom>
+          <a:extLst>
+            <a:ext uri="{C572A759-6A51-4108-AA02-DFA0A04FC94B}">
+              <ma14:wrappingTextBoxFlag xmlns:ma14="http://schemas.microsoft.com/office/mac/drawingml/2011/main" val="1"/>
+            </a:ext>
+          </a:extLst>
+        </p:spPr>
+        <p:txBody>
+          <a:bodyPr/>
+          <a:lstStyle/>
+          <a:p>
+            <a:pPr/>
+            <a:fld id="{86CB4B4D-7CA3-9044-876B-883B54F8677D}" type="slidenum"/>
+          </a:p>
+        </p:txBody>
+      </p:sp>
+    </p:spTree>
+  </p:cSld>
+  <p:clrMapOvr>
+    <a:masterClrMapping/>
+  </p:clrMapOvr>
+  <mc:AlternateContent xmlns:mc="http://schemas.openxmlformats.org/markup-compatibility/2006">
+    <mc:Choice xmlns:p14="http://schemas.microsoft.com/office/powerpoint/2010/main" Requires="p14">
+      <p:transition spd="fast" advClick="1" p14:dur="600">
+        <p:dissolve/>
+      </p:transition>
+    </mc:Choice>
+    <mc:Fallback>
+      <p:transition spd="fast">
+        <p:fade/>
+      </p:transition>
+    </mc:Fallback>
+  </mc:AlternateContent>
+</p:sld>
+</file>
+
+<file path=ppt/slides/slide40.xml><?xml version="1.0" encoding="utf-8"?>
+<p:sld xmlns:a="http://schemas.openxmlformats.org/drawingml/2006/main" xmlns:r="http://schemas.openxmlformats.org/officeDocument/2006/relationships" xmlns:p="http://schemas.openxmlformats.org/presentationml/2006/main" showMasterSp="1" showMasterPhAnim="1">
+  <p:cSld>
+    <p:spTree>
+      <p:nvGrpSpPr>
+        <p:cNvPr id="1" name=""/>
+        <p:cNvGrpSpPr/>
+        <p:nvPr/>
+      </p:nvGrpSpPr>
+      <p:grpSpPr>
+        <a:xfrm>
+          <a:off x="0" y="0"/>
+          <a:ext cx="0" cy="0"/>
+          <a:chOff x="0" y="0"/>
+          <a:chExt cx="0" cy="0"/>
+        </a:xfrm>
+      </p:grpSpPr>
+      <p:pic>
+        <p:nvPicPr>
+          <p:cNvPr id="272" name="test_testVersionManager.PNG" descr="test_testVersionManager.PNG"/>
+          <p:cNvPicPr>
+            <a:picLocks noChangeAspect="1"/>
+          </p:cNvPicPr>
+          <p:nvPr/>
+        </p:nvPicPr>
+        <p:blipFill>
+          <a:blip r:embed="rId2">
+            <a:extLst/>
+          </a:blip>
+          <a:stretch>
+            <a:fillRect/>
+          </a:stretch>
+        </p:blipFill>
+        <p:spPr>
+          <a:xfrm>
+            <a:off x="0" y="1754293"/>
+            <a:ext cx="13004801" cy="6245014"/>
+          </a:xfrm>
+          <a:prstGeom prst="rect">
+            <a:avLst/>
+          </a:prstGeom>
+          <a:ln w="88900">
+            <a:miter lim="400000"/>
+          </a:ln>
+        </p:spPr>
+      </p:pic>
+      <p:sp>
+        <p:nvSpPr>
+          <p:cNvPr id="273" name="幻燈片編號"/>
+          <p:cNvSpPr txBox="1"/>
+          <p:nvPr>
+            <p:ph type="sldNum" sz="quarter" idx="4294967295"/>
+          </p:nvPr>
+        </p:nvSpPr>
+        <p:spPr>
+          <a:xfrm>
+            <a:off x="6261395" y="9197831"/>
+            <a:ext cx="481071" cy="454170"/>
+          </a:xfrm>
+          <a:prstGeom prst="rect">
+            <a:avLst/>
+          </a:prstGeom>
+          <a:extLst>
+            <a:ext uri="{C572A759-6A51-4108-AA02-DFA0A04FC94B}">
+              <ma14:wrappingTextBoxFlag xmlns:ma14="http://schemas.microsoft.com/office/mac/drawingml/2011/main" val="1"/>
+            </a:ext>
+          </a:extLst>
+        </p:spPr>
+        <p:txBody>
+          <a:bodyPr/>
+          <a:lstStyle/>
+          <a:p>
+            <a:pPr/>
+            <a:fld id="{86CB4B4D-7CA3-9044-876B-883B54F8677D}" type="slidenum"/>
+          </a:p>
+        </p:txBody>
+      </p:sp>
+    </p:spTree>
+  </p:cSld>
+  <p:clrMapOvr>
+    <a:masterClrMapping/>
+  </p:clrMapOvr>
+  <mc:AlternateContent xmlns:mc="http://schemas.openxmlformats.org/markup-compatibility/2006">
+    <mc:Choice xmlns:p14="http://schemas.microsoft.com/office/powerpoint/2010/main" Requires="p14">
+      <p:transition spd="fast" advClick="1" p14:dur="600">
+        <p:dissolve/>
+      </p:transition>
+    </mc:Choice>
+    <mc:Fallback>
+      <p:transition spd="fast">
+        <p:fade/>
+      </p:transition>
+    </mc:Fallback>
+  </mc:AlternateContent>
+</p:sld>
+</file>
+
+<file path=ppt/slides/slide41.xml><?xml version="1.0" encoding="utf-8"?>
+<p:sld xmlns:a="http://schemas.openxmlformats.org/drawingml/2006/main" xmlns:r="http://schemas.openxmlformats.org/officeDocument/2006/relationships" xmlns:p="http://schemas.openxmlformats.org/presentationml/2006/main" showMasterSp="1" showMasterPhAnim="1">
+  <p:cSld>
+    <p:spTree>
+      <p:nvGrpSpPr>
+        <p:cNvPr id="1" name=""/>
+        <p:cNvGrpSpPr/>
+        <p:nvPr/>
+      </p:nvGrpSpPr>
+      <p:grpSpPr>
+        <a:xfrm>
+          <a:off x="0" y="0"/>
+          <a:ext cx="0" cy="0"/>
+          <a:chOff x="0" y="0"/>
+          <a:chExt cx="0" cy="0"/>
+        </a:xfrm>
+      </p:grpSpPr>
+      <p:sp>
+        <p:nvSpPr>
+          <p:cNvPr id="275" name="Project Information"/>
+          <p:cNvSpPr txBox="1"/>
+          <p:nvPr>
+            <p:ph type="title"/>
+          </p:nvPr>
+        </p:nvSpPr>
+        <p:spPr>
+          <a:prstGeom prst="rect">
+            <a:avLst/>
+          </a:prstGeom>
+        </p:spPr>
+        <p:txBody>
+          <a:bodyPr/>
+          <a:lstStyle/>
+          <a:p>
+            <a:pPr/>
+            <a:r>
               <a:t>Project Information</a:t>
             </a:r>
           </a:p>
@@ -8944,7 +11255,7 @@
       </p:sp>
       <p:graphicFrame>
         <p:nvGraphicFramePr>
-          <p:cNvPr id="237" name="表格"/>
+          <p:cNvPr id="276" name="表格"/>
           <p:cNvGraphicFramePr/>
           <p:nvPr/>
         </p:nvGraphicFramePr>
@@ -9587,7 +11898,7 @@
       </p:graphicFrame>
       <p:sp>
         <p:nvSpPr>
-          <p:cNvPr id="238" name="幻燈片編號"/>
+          <p:cNvPr id="277" name="幻燈片編號"/>
           <p:cNvSpPr txBox="1"/>
           <p:nvPr>
             <p:ph type="sldNum" sz="quarter" idx="4294967295"/>
@@ -9595,8 +11906,8 @@
         </p:nvSpPr>
         <p:spPr>
           <a:xfrm>
-            <a:off x="6311535" y="9197831"/>
-            <a:ext cx="380791" cy="454170"/>
+            <a:off x="6270993" y="9197831"/>
+            <a:ext cx="461874" cy="454170"/>
           </a:xfrm>
           <a:prstGeom prst="rect">
             <a:avLst/>
@@ -9621,11 +11932,22 @@
   <p:clrMapOvr>
     <a:masterClrMapping/>
   </p:clrMapOvr>
-  <p:transition xmlns:p14="http://schemas.microsoft.com/office/powerpoint/2010/main" spd="med" advClick="1"/>
+  <mc:AlternateContent xmlns:mc="http://schemas.openxmlformats.org/markup-compatibility/2006">
+    <mc:Choice xmlns:p14="http://schemas.microsoft.com/office/powerpoint/2010/main" Requires="p14">
+      <p:transition spd="fast" advClick="1" p14:dur="600">
+        <p:dissolve/>
+      </p:transition>
+    </mc:Choice>
+    <mc:Fallback>
+      <p:transition spd="fast">
+        <p:fade/>
+      </p:transition>
+    </mc:Fallback>
+  </mc:AlternateContent>
 </p:sld>
 </file>
 
-<file path=ppt/slides/slide3.xml><?xml version="1.0" encoding="utf-8"?>
+<file path=ppt/slides/slide42.xml><?xml version="1.0" encoding="utf-8"?>
 <p:sld xmlns:a="http://schemas.openxmlformats.org/drawingml/2006/main" xmlns:r="http://schemas.openxmlformats.org/officeDocument/2006/relationships" xmlns:p="http://schemas.openxmlformats.org/presentationml/2006/main" showMasterSp="1" showMasterPhAnim="1">
   <p:cSld>
     <p:spTree>
@@ -9644,162 +11966,7 @@
       </p:grpSpPr>
       <p:sp>
         <p:nvSpPr>
-          <p:cNvPr id="127" name="Problem statement"/>
-          <p:cNvSpPr txBox="1"/>
-          <p:nvPr>
-            <p:ph type="title"/>
-          </p:nvPr>
-        </p:nvSpPr>
-        <p:spPr>
-          <a:prstGeom prst="rect">
-            <a:avLst/>
-          </a:prstGeom>
-        </p:spPr>
-        <p:txBody>
-          <a:bodyPr/>
-          <a:lstStyle/>
-          <a:p>
-            <a:pPr/>
-            <a:r>
-              <a:t>Problem statement</a:t>
-            </a:r>
-          </a:p>
-        </p:txBody>
-      </p:sp>
-      <p:sp>
-        <p:nvSpPr>
-          <p:cNvPr id="128" name="IoT相關產品需在不同版本、不同環境、不同參數等狀況下確保能夠正確執行，需要多重配對測試…"/>
-          <p:cNvSpPr txBox="1"/>
-          <p:nvPr>
-            <p:ph type="body" idx="1"/>
-          </p:nvPr>
-        </p:nvSpPr>
-        <p:spPr>
-          <a:prstGeom prst="rect">
-            <a:avLst/>
-          </a:prstGeom>
-        </p:spPr>
-        <p:txBody>
-          <a:bodyPr/>
-          <a:lstStyle/>
-          <a:p>
-            <a:pPr marL="537209" indent="-537209" defTabSz="429768">
-              <a:spcBef>
-                <a:spcPts val="3300"/>
-              </a:spcBef>
-              <a:buBlip>
-                <a:blip r:embed="rId3"/>
-              </a:buBlip>
-              <a:defRPr sz="3384"/>
-            </a:pPr>
-            <a:r>
-              <a:t>IoT相關產品需在不同版本、不同環境、不同參數等狀況下確保能夠正確執行，需要多重配對測試</a:t>
-            </a:r>
-          </a:p>
-          <a:p>
-            <a:pPr marL="537209" indent="-537209" defTabSz="429768">
-              <a:spcBef>
-                <a:spcPts val="3300"/>
-              </a:spcBef>
-              <a:buBlip>
-                <a:blip r:embed="rId3"/>
-              </a:buBlip>
-              <a:defRPr sz="3384"/>
-            </a:pPr>
-            <a:r>
-              <a:t>多重配對測試不僅操作繁複、操作枯燥且會產生大量檢測報告</a:t>
-            </a:r>
-          </a:p>
-          <a:p>
-            <a:pPr marL="537209" indent="-537209" defTabSz="429768">
-              <a:spcBef>
-                <a:spcPts val="3300"/>
-              </a:spcBef>
-              <a:buBlip>
-                <a:blip r:embed="rId3"/>
-              </a:buBlip>
-              <a:defRPr sz="3384"/>
-            </a:pPr>
-            <a:r>
-              <a:t>需要一個系統整合測試環境簡化操作流程及整合結果報表，加快測試速度</a:t>
-            </a:r>
-          </a:p>
-          <a:p>
-            <a:pPr marL="537209" indent="-537209" defTabSz="429768">
-              <a:spcBef>
-                <a:spcPts val="3300"/>
-              </a:spcBef>
-              <a:buBlip>
-                <a:blip r:embed="rId3"/>
-              </a:buBlip>
-              <a:defRPr sz="3384"/>
-            </a:pPr>
-            <a:r>
-              <a:t>本系統將提供給開發人員及測試人員使用</a:t>
-            </a:r>
-          </a:p>
-        </p:txBody>
-      </p:sp>
-      <p:sp>
-        <p:nvSpPr>
-          <p:cNvPr id="129" name="幻燈片編號"/>
-          <p:cNvSpPr txBox="1"/>
-          <p:nvPr>
-            <p:ph type="sldNum" sz="quarter" idx="4294967295"/>
-          </p:nvPr>
-        </p:nvSpPr>
-        <p:spPr>
-          <a:xfrm>
-            <a:off x="6366222" y="9197831"/>
-            <a:ext cx="271416" cy="454170"/>
-          </a:xfrm>
-          <a:prstGeom prst="rect">
-            <a:avLst/>
-          </a:prstGeom>
-          <a:extLst>
-            <a:ext uri="{C572A759-6A51-4108-AA02-DFA0A04FC94B}">
-              <ma14:wrappingTextBoxFlag xmlns:ma14="http://schemas.microsoft.com/office/mac/drawingml/2011/main" val="1"/>
-            </a:ext>
-          </a:extLst>
-        </p:spPr>
-        <p:txBody>
-          <a:bodyPr/>
-          <a:lstStyle/>
-          <a:p>
-            <a:pPr/>
-            <a:fld id="{86CB4B4D-7CA3-9044-876B-883B54F8677D}" type="slidenum"/>
-          </a:p>
-        </p:txBody>
-      </p:sp>
-    </p:spTree>
-  </p:cSld>
-  <p:clrMapOvr>
-    <a:masterClrMapping/>
-  </p:clrMapOvr>
-  <p:transition xmlns:p14="http://schemas.microsoft.com/office/powerpoint/2010/main" spd="med" advClick="1"/>
-</p:sld>
-</file>
-
-<file path=ppt/slides/slide30.xml><?xml version="1.0" encoding="utf-8"?>
-<p:sld xmlns:a="http://schemas.openxmlformats.org/drawingml/2006/main" xmlns:r="http://schemas.openxmlformats.org/officeDocument/2006/relationships" xmlns:p="http://schemas.openxmlformats.org/presentationml/2006/main" showMasterSp="1" showMasterPhAnim="1">
-  <p:cSld>
-    <p:spTree>
-      <p:nvGrpSpPr>
-        <p:cNvPr id="1" name=""/>
-        <p:cNvGrpSpPr/>
-        <p:nvPr/>
-      </p:nvGrpSpPr>
-      <p:grpSpPr>
-        <a:xfrm>
-          <a:off x="0" y="0"/>
-          <a:ext cx="0" cy="0"/>
-          <a:chOff x="0" y="0"/>
-          <a:chExt cx="0" cy="0"/>
-        </a:xfrm>
-      </p:grpSpPr>
-      <p:sp>
-        <p:nvSpPr>
-          <p:cNvPr id="242" name="Thank you"/>
+          <p:cNvPr id="279" name="Thank you"/>
           <p:cNvSpPr txBox="1"/>
           <p:nvPr>
             <p:ph type="body" idx="14"/>
@@ -9825,132 +11992,9 @@
           </a:p>
         </p:txBody>
       </p:sp>
-    </p:spTree>
-  </p:cSld>
-  <p:clrMapOvr>
-    <a:masterClrMapping/>
-  </p:clrMapOvr>
-  <p:transition xmlns:p14="http://schemas.microsoft.com/office/powerpoint/2010/main" spd="med" advClick="1"/>
-</p:sld>
-</file>
-
-<file path=ppt/slides/slide4.xml><?xml version="1.0" encoding="utf-8"?>
-<p:sld xmlns:a="http://schemas.openxmlformats.org/drawingml/2006/main" xmlns:r="http://schemas.openxmlformats.org/officeDocument/2006/relationships" xmlns:p="http://schemas.openxmlformats.org/presentationml/2006/main" showMasterSp="1" showMasterPhAnim="1">
-  <p:cSld>
-    <p:spTree>
-      <p:nvGrpSpPr>
-        <p:cNvPr id="1" name=""/>
-        <p:cNvGrpSpPr/>
-        <p:nvPr/>
-      </p:nvGrpSpPr>
-      <p:grpSpPr>
-        <a:xfrm>
-          <a:off x="0" y="0"/>
-          <a:ext cx="0" cy="0"/>
-          <a:chOff x="0" y="0"/>
-          <a:chExt cx="0" cy="0"/>
-        </a:xfrm>
-      </p:grpSpPr>
       <p:sp>
         <p:nvSpPr>
-          <p:cNvPr id="133" name="System Context Diagram"/>
-          <p:cNvSpPr txBox="1"/>
-          <p:nvPr>
-            <p:ph type="title"/>
-          </p:nvPr>
-        </p:nvSpPr>
-        <p:spPr>
-          <a:prstGeom prst="rect">
-            <a:avLst/>
-          </a:prstGeom>
-        </p:spPr>
-        <p:txBody>
-          <a:bodyPr/>
-          <a:lstStyle/>
-          <a:p>
-            <a:pPr/>
-            <a:r>
-              <a:t>System Context Diagram</a:t>
-            </a:r>
-          </a:p>
-        </p:txBody>
-      </p:sp>
-      <p:grpSp>
-        <p:nvGrpSpPr>
-          <p:cNvPr id="136" name="systemContextDiagram.png"/>
-          <p:cNvGrpSpPr/>
-          <p:nvPr/>
-        </p:nvGrpSpPr>
-        <p:grpSpPr>
-          <a:xfrm>
-            <a:off x="160851" y="3731908"/>
-            <a:ext cx="12683098" cy="4169384"/>
-            <a:chOff x="0" y="0"/>
-            <a:chExt cx="12683097" cy="4169383"/>
-          </a:xfrm>
-        </p:grpSpPr>
-        <p:pic>
-          <p:nvPicPr>
-            <p:cNvPr id="135" name="systemContextDiagram.png" descr="systemContextDiagram.png"/>
-            <p:cNvPicPr>
-              <a:picLocks noChangeAspect="1"/>
-            </p:cNvPicPr>
-            <p:nvPr/>
-          </p:nvPicPr>
-          <p:blipFill>
-            <a:blip r:embed="rId3">
-              <a:extLst/>
-            </a:blip>
-            <a:srcRect l="0" t="0" r="0" b="0"/>
-            <a:stretch>
-              <a:fillRect/>
-            </a:stretch>
-          </p:blipFill>
-          <p:spPr>
-            <a:xfrm>
-              <a:off x="215900" y="139700"/>
-              <a:ext cx="12251298" cy="3610584"/>
-            </a:xfrm>
-            <a:prstGeom prst="rect">
-              <a:avLst/>
-            </a:prstGeom>
-            <a:ln>
-              <a:noFill/>
-            </a:ln>
-            <a:effectLst/>
-          </p:spPr>
-        </p:pic>
-        <p:pic>
-          <p:nvPicPr>
-            <p:cNvPr id="134" name="systemContextDiagram.png" descr="systemContextDiagram.png"/>
-            <p:cNvPicPr>
-              <a:picLocks noChangeAspect="0"/>
-            </p:cNvPicPr>
-            <p:nvPr/>
-          </p:nvPicPr>
-          <p:blipFill>
-            <a:blip r:embed="rId4">
-              <a:extLst/>
-            </a:blip>
-            <a:stretch>
-              <a:fillRect/>
-            </a:stretch>
-          </p:blipFill>
-          <p:spPr>
-            <a:xfrm>
-              <a:off x="-1" y="-1"/>
-              <a:ext cx="12683098" cy="4169385"/>
-            </a:xfrm>
-            <a:prstGeom prst="rect">
-              <a:avLst/>
-            </a:prstGeom>
-            <a:effectLst/>
-          </p:spPr>
-        </p:pic>
-      </p:grpSp>
-      <p:sp>
-        <p:nvSpPr>
-          <p:cNvPr id="137" name="幻燈片編號"/>
+          <p:cNvPr id="280" name="幻燈片編號"/>
           <p:cNvSpPr txBox="1"/>
           <p:nvPr>
             <p:ph type="sldNum" sz="quarter" idx="4294967295"/>
@@ -9958,8 +12002,8 @@
         </p:nvSpPr>
         <p:spPr>
           <a:xfrm>
-            <a:off x="6340078" y="9197831"/>
-            <a:ext cx="323704" cy="454170"/>
+            <a:off x="6275793" y="9197831"/>
+            <a:ext cx="452275" cy="454170"/>
           </a:xfrm>
           <a:prstGeom prst="rect">
             <a:avLst/>
@@ -9984,7 +12028,18 @@
   <p:clrMapOvr>
     <a:masterClrMapping/>
   </p:clrMapOvr>
-  <p:transition xmlns:p14="http://schemas.microsoft.com/office/powerpoint/2010/main" spd="med" advClick="1"/>
+  <mc:AlternateContent xmlns:mc="http://schemas.openxmlformats.org/markup-compatibility/2006">
+    <mc:Choice xmlns:p14="http://schemas.microsoft.com/office/powerpoint/2010/main" Requires="p14">
+      <p:transition spd="fast" advClick="1" p14:dur="600">
+        <p:dissolve/>
+      </p:transition>
+    </mc:Choice>
+    <mc:Fallback>
+      <p:transition spd="fast">
+        <p:fade/>
+      </p:transition>
+    </mc:Fallback>
+  </mc:AlternateContent>
 </p:sld>
 </file>
 
@@ -10007,7 +12062,7 @@
       </p:grpSpPr>
       <p:sp>
         <p:nvSpPr>
-          <p:cNvPr id="141" name="Use Case Diagram"/>
+          <p:cNvPr id="140" name="Use Case Diagram"/>
           <p:cNvSpPr txBox="1"/>
           <p:nvPr>
             <p:ph type="title"/>
@@ -10031,7 +12086,7 @@
       </p:sp>
       <p:grpSp>
         <p:nvGrpSpPr>
-          <p:cNvPr id="144" name="usecaseDiagram_fully.png"/>
+          <p:cNvPr id="143" name="usecaseDiagram_fully.png"/>
           <p:cNvGrpSpPr/>
           <p:nvPr/>
         </p:nvGrpSpPr>
@@ -10045,7 +12100,7 @@
         </p:grpSpPr>
         <p:pic>
           <p:nvPicPr>
-            <p:cNvPr id="143" name="usecaseDiagram_fully.png" descr="usecaseDiagram_fully.png"/>
+            <p:cNvPr id="142" name="usecaseDiagram_fully.png" descr="usecaseDiagram_fully.png"/>
             <p:cNvPicPr>
               <a:picLocks noChangeAspect="1"/>
             </p:cNvPicPr>
@@ -10076,7 +12131,7 @@
         </p:pic>
         <p:pic>
           <p:nvPicPr>
-            <p:cNvPr id="142" name="usecaseDiagram_fully.png" descr="usecaseDiagram_fully.png"/>
+            <p:cNvPr id="141" name="usecaseDiagram_fully.png" descr="usecaseDiagram_fully.png"/>
             <p:cNvPicPr>
               <a:picLocks noChangeAspect="0"/>
             </p:cNvPicPr>
@@ -10104,7 +12159,7 @@
       </p:grpSp>
       <p:sp>
         <p:nvSpPr>
-          <p:cNvPr id="145" name="幻燈片編號"/>
+          <p:cNvPr id="144" name="幻燈片編號"/>
           <p:cNvSpPr txBox="1"/>
           <p:nvPr>
             <p:ph type="sldNum" sz="quarter" idx="4294967295"/>
@@ -10138,7 +12193,18 @@
   <p:clrMapOvr>
     <a:masterClrMapping/>
   </p:clrMapOvr>
-  <p:transition xmlns:p14="http://schemas.microsoft.com/office/powerpoint/2010/main" spd="med" advClick="1"/>
+  <mc:AlternateContent xmlns:mc="http://schemas.openxmlformats.org/markup-compatibility/2006">
+    <mc:Choice xmlns:p14="http://schemas.microsoft.com/office/powerpoint/2010/main" Requires="p14">
+      <p:transition spd="fast" advClick="1" p14:dur="600">
+        <p:dissolve/>
+      </p:transition>
+    </mc:Choice>
+    <mc:Fallback>
+      <p:transition spd="fast">
+        <p:fade/>
+      </p:transition>
+    </mc:Fallback>
+  </mc:AlternateContent>
 </p:sld>
 </file>
 
@@ -10161,7 +12227,7 @@
       </p:grpSpPr>
       <p:sp>
         <p:nvSpPr>
-          <p:cNvPr id="147" name="Demonstration"/>
+          <p:cNvPr id="146" name="Demonstration"/>
           <p:cNvSpPr txBox="1"/>
           <p:nvPr>
             <p:ph type="title"/>
@@ -10185,7 +12251,7 @@
       </p:sp>
       <p:sp>
         <p:nvSpPr>
-          <p:cNvPr id="148" name="幻燈片編號"/>
+          <p:cNvPr id="147" name="幻燈片編號"/>
           <p:cNvSpPr txBox="1"/>
           <p:nvPr>
             <p:ph type="sldNum" sz="quarter" idx="4294967295"/>
@@ -10219,7 +12285,18 @@
   <p:clrMapOvr>
     <a:masterClrMapping/>
   </p:clrMapOvr>
-  <p:transition xmlns:p14="http://schemas.microsoft.com/office/powerpoint/2010/main" spd="med" advClick="1"/>
+  <mc:AlternateContent xmlns:mc="http://schemas.openxmlformats.org/markup-compatibility/2006">
+    <mc:Choice xmlns:p14="http://schemas.microsoft.com/office/powerpoint/2010/main" Requires="p14">
+      <p:transition spd="fast" advClick="1" p14:dur="600">
+        <p:dissolve/>
+      </p:transition>
+    </mc:Choice>
+    <mc:Fallback>
+      <p:transition spd="fast">
+        <p:fade/>
+      </p:transition>
+    </mc:Fallback>
+  </mc:AlternateContent>
 </p:sld>
 </file>
 
@@ -10242,31 +12319,45 @@
       </p:grpSpPr>
       <p:sp>
         <p:nvSpPr>
-          <p:cNvPr id="152" name="Significant Use Cases"/>
+          <p:cNvPr id="151" name="https://youtu.be/RvQsPhFzm1c">
+            <a:hlinkClick r:id="rId3" invalidUrl="" action="" tgtFrame="" tooltip="" history="1" highlightClick="0" endSnd="0"/>
+          </p:cNvPr>
           <p:cNvSpPr txBox="1"/>
-          <p:nvPr>
-            <p:ph type="title"/>
-          </p:nvPr>
+          <p:nvPr/>
         </p:nvSpPr>
         <p:spPr>
+          <a:xfrm>
+            <a:off x="1955849" y="4486636"/>
+            <a:ext cx="9093102" cy="780328"/>
+          </a:xfrm>
           <a:prstGeom prst="rect">
             <a:avLst/>
           </a:prstGeom>
+          <a:ln w="12700">
+            <a:miter lim="400000"/>
+          </a:ln>
+          <a:extLst>
+            <a:ext uri="{C572A759-6A51-4108-AA02-DFA0A04FC94B}">
+              <ma14:wrappingTextBoxFlag xmlns:ma14="http://schemas.microsoft.com/office/mac/drawingml/2011/main" val="1"/>
+            </a:ext>
+          </a:extLst>
         </p:spPr>
         <p:txBody>
-          <a:bodyPr/>
+          <a:bodyPr wrap="none" lIns="50800" tIns="50800" rIns="50800" bIns="50800" anchor="ctr">
+            <a:spAutoFit/>
+          </a:bodyPr>
           <a:lstStyle/>
           <a:p>
             <a:pPr/>
             <a:r>
-              <a:t>Significant Use Cases</a:t>
+              <a:t>https://youtu.be/RvQsPhFzm1c</a:t>
             </a:r>
           </a:p>
         </p:txBody>
       </p:sp>
       <p:sp>
         <p:nvSpPr>
-          <p:cNvPr id="153" name="幻燈片編號"/>
+          <p:cNvPr id="152" name="幻燈片編號"/>
           <p:cNvSpPr txBox="1"/>
           <p:nvPr>
             <p:ph type="sldNum" sz="quarter" idx="4294967295"/>
@@ -10300,7 +12391,18 @@
   <p:clrMapOvr>
     <a:masterClrMapping/>
   </p:clrMapOvr>
-  <p:transition xmlns:p14="http://schemas.microsoft.com/office/powerpoint/2010/main" spd="med" advClick="1"/>
+  <mc:AlternateContent xmlns:mc="http://schemas.openxmlformats.org/markup-compatibility/2006">
+    <mc:Choice xmlns:p14="http://schemas.microsoft.com/office/powerpoint/2010/main" Requires="p14">
+      <p:transition spd="fast" advClick="1" p14:dur="600">
+        <p:dissolve/>
+      </p:transition>
+    </mc:Choice>
+    <mc:Fallback>
+      <p:transition spd="fast">
+        <p:fade/>
+      </p:transition>
+    </mc:Fallback>
+  </mc:AlternateContent>
 </p:sld>
 </file>
 
@@ -10321,9 +12423,101 @@
           <a:chExt cx="0" cy="0"/>
         </a:xfrm>
       </p:grpSpPr>
+      <p:sp>
+        <p:nvSpPr>
+          <p:cNvPr id="156" name="Significant Use Cases"/>
+          <p:cNvSpPr txBox="1"/>
+          <p:nvPr>
+            <p:ph type="title"/>
+          </p:nvPr>
+        </p:nvSpPr>
+        <p:spPr>
+          <a:prstGeom prst="rect">
+            <a:avLst/>
+          </a:prstGeom>
+        </p:spPr>
+        <p:txBody>
+          <a:bodyPr/>
+          <a:lstStyle/>
+          <a:p>
+            <a:pPr/>
+            <a:r>
+              <a:t>Significant Use Cases</a:t>
+            </a:r>
+          </a:p>
+        </p:txBody>
+      </p:sp>
+      <p:sp>
+        <p:nvSpPr>
+          <p:cNvPr id="157" name="幻燈片編號"/>
+          <p:cNvSpPr txBox="1"/>
+          <p:nvPr>
+            <p:ph type="sldNum" sz="quarter" idx="4294967295"/>
+          </p:nvPr>
+        </p:nvSpPr>
+        <p:spPr>
+          <a:xfrm>
+            <a:off x="6353087" y="9197831"/>
+            <a:ext cx="297686" cy="454170"/>
+          </a:xfrm>
+          <a:prstGeom prst="rect">
+            <a:avLst/>
+          </a:prstGeom>
+          <a:extLst>
+            <a:ext uri="{C572A759-6A51-4108-AA02-DFA0A04FC94B}">
+              <ma14:wrappingTextBoxFlag xmlns:ma14="http://schemas.microsoft.com/office/mac/drawingml/2011/main" val="1"/>
+            </a:ext>
+          </a:extLst>
+        </p:spPr>
+        <p:txBody>
+          <a:bodyPr/>
+          <a:lstStyle/>
+          <a:p>
+            <a:pPr/>
+            <a:fld id="{86CB4B4D-7CA3-9044-876B-883B54F8677D}" type="slidenum"/>
+          </a:p>
+        </p:txBody>
+      </p:sp>
+    </p:spTree>
+  </p:cSld>
+  <p:clrMapOvr>
+    <a:masterClrMapping/>
+  </p:clrMapOvr>
+  <mc:AlternateContent xmlns:mc="http://schemas.openxmlformats.org/markup-compatibility/2006">
+    <mc:Choice xmlns:p14="http://schemas.microsoft.com/office/powerpoint/2010/main" Requires="p14">
+      <p:transition spd="slow" advClick="1" p14:dur="1500">
+        <p:dissolve/>
+      </p:transition>
+    </mc:Choice>
+    <mc:Fallback>
+      <p:transition spd="slow">
+        <p:fade/>
+      </p:transition>
+    </mc:Fallback>
+  </mc:AlternateContent>
+</p:sld>
+</file>
+
+<file path=ppt/slides/slide9.xml><?xml version="1.0" encoding="utf-8"?>
+<p:sld xmlns:a="http://schemas.openxmlformats.org/drawingml/2006/main" xmlns:r="http://schemas.openxmlformats.org/officeDocument/2006/relationships" xmlns:p="http://schemas.openxmlformats.org/presentationml/2006/main" showMasterSp="1" showMasterPhAnim="1">
+  <p:cSld>
+    <p:spTree>
+      <p:nvGrpSpPr>
+        <p:cNvPr id="1" name=""/>
+        <p:cNvGrpSpPr/>
+        <p:nvPr/>
+      </p:nvGrpSpPr>
+      <p:grpSpPr>
+        <a:xfrm>
+          <a:off x="0" y="0"/>
+          <a:ext cx="0" cy="0"/>
+          <a:chOff x="0" y="0"/>
+          <a:chExt cx="0" cy="0"/>
+        </a:xfrm>
+      </p:grpSpPr>
       <p:graphicFrame>
         <p:nvGraphicFramePr>
-          <p:cNvPr id="157" name="表格"/>
+          <p:cNvPr id="161" name="表格"/>
           <p:cNvGraphicFramePr/>
           <p:nvPr/>
         </p:nvGraphicFramePr>
@@ -11665,690 +13859,7 @@
       </p:graphicFrame>
       <p:sp>
         <p:nvSpPr>
-          <p:cNvPr id="158" name="幻燈片編號"/>
-          <p:cNvSpPr txBox="1"/>
-          <p:nvPr>
-            <p:ph type="sldNum" sz="quarter" idx="4294967295"/>
-          </p:nvPr>
-        </p:nvSpPr>
-        <p:spPr>
-          <a:xfrm>
-            <a:off x="6353087" y="9197831"/>
-            <a:ext cx="297686" cy="454170"/>
-          </a:xfrm>
-          <a:prstGeom prst="rect">
-            <a:avLst/>
-          </a:prstGeom>
-          <a:extLst>
-            <a:ext uri="{C572A759-6A51-4108-AA02-DFA0A04FC94B}">
-              <ma14:wrappingTextBoxFlag xmlns:ma14="http://schemas.microsoft.com/office/mac/drawingml/2011/main" val="1"/>
-            </a:ext>
-          </a:extLst>
-        </p:spPr>
-        <p:txBody>
-          <a:bodyPr/>
-          <a:lstStyle/>
-          <a:p>
-            <a:pPr/>
-            <a:fld id="{86CB4B4D-7CA3-9044-876B-883B54F8677D}" type="slidenum"/>
-          </a:p>
-        </p:txBody>
-      </p:sp>
-    </p:spTree>
-  </p:cSld>
-  <p:clrMapOvr>
-    <a:masterClrMapping/>
-  </p:clrMapOvr>
-  <p:transition xmlns:p14="http://schemas.microsoft.com/office/powerpoint/2010/main" spd="med" advClick="1"/>
-</p:sld>
-</file>
-
-<file path=ppt/slides/slide9.xml><?xml version="1.0" encoding="utf-8"?>
-<p:sld xmlns:a="http://schemas.openxmlformats.org/drawingml/2006/main" xmlns:r="http://schemas.openxmlformats.org/officeDocument/2006/relationships" xmlns:p="http://schemas.openxmlformats.org/presentationml/2006/main" showMasterSp="1" showMasterPhAnim="1">
-  <p:cSld>
-    <p:spTree>
-      <p:nvGrpSpPr>
-        <p:cNvPr id="1" name=""/>
-        <p:cNvGrpSpPr/>
-        <p:nvPr/>
-      </p:nvGrpSpPr>
-      <p:grpSpPr>
-        <a:xfrm>
-          <a:off x="0" y="0"/>
-          <a:ext cx="0" cy="0"/>
-          <a:chOff x="0" y="0"/>
-          <a:chExt cx="0" cy="0"/>
-        </a:xfrm>
-      </p:grpSpPr>
-      <p:graphicFrame>
-        <p:nvGraphicFramePr>
-          <p:cNvPr id="160" name="表格"/>
-          <p:cNvGraphicFramePr/>
-          <p:nvPr/>
-        </p:nvGraphicFramePr>
-        <p:xfrm>
-          <a:off x="569400" y="1594574"/>
-          <a:ext cx="11872350" cy="6570802"/>
-        </p:xfrm>
-        <a:graphic xmlns:a="http://schemas.openxmlformats.org/drawingml/2006/main">
-          <a:graphicData uri="http://schemas.openxmlformats.org/drawingml/2006/table">
-            <a:tbl>
-              <a:tblPr firstCol="0" firstRow="0" lastCol="0" lastRow="0" bandCol="0" bandRow="1" rtl="0">
-                <a:tableStyleId>{4C3C2611-4C71-4FC5-86AE-919BDF0F9419}</a:tableStyleId>
-              </a:tblPr>
-              <a:tblGrid>
-                <a:gridCol w="3371635"/>
-                <a:gridCol w="8494363"/>
-              </a:tblGrid>
-              <a:tr h="6564451">
-                <a:tc>
-                  <a:txBody>
-                    <a:bodyPr/>
-                    <a:lstStyle/>
-                    <a:p>
-                      <a:pPr algn="l" defTabSz="304800">
-                        <a:defRPr b="1">
-                          <a:uFill>
-                            <a:solidFill>
-                              <a:srgbClr val="FFFFFF"/>
-                            </a:solidFill>
-                          </a:uFill>
-                          <a:latin typeface="Calibri"/>
-                          <a:ea typeface="Calibri"/>
-                          <a:cs typeface="Calibri"/>
-                          <a:sym typeface="Calibri"/>
-                        </a:defRPr>
-                      </a:pPr>
-                      <a:r>
-                        <a:t>Extensions</a:t>
-                      </a:r>
-                    </a:p>
-                  </a:txBody>
-                  <a:tcPr marL="50800" marR="50800" marT="50800" marB="50800" anchor="t" anchorCtr="0" horzOverflow="overflow">
-                    <a:lnL w="6350">
-                      <a:solidFill>
-                        <a:srgbClr val="548DD4"/>
-                      </a:solidFill>
-                      <a:miter lim="400000"/>
-                    </a:lnL>
-                    <a:lnR w="6350">
-                      <a:solidFill>
-                        <a:srgbClr val="FFFFFF"/>
-                      </a:solidFill>
-                      <a:miter lim="400000"/>
-                    </a:lnR>
-                    <a:lnT w="6350">
-                      <a:solidFill>
-                        <a:srgbClr val="FFFFFF"/>
-                      </a:solidFill>
-                      <a:miter lim="400000"/>
-                    </a:lnT>
-                    <a:lnB w="6350">
-                      <a:solidFill>
-                        <a:srgbClr val="FFFFFF"/>
-                      </a:solidFill>
-                      <a:miter lim="400000"/>
-                    </a:lnB>
-                    <a:solidFill>
-                      <a:srgbClr val="4F81BD"/>
-                    </a:solidFill>
-                  </a:tcPr>
-                </a:tc>
-                <a:tc>
-                  <a:txBody>
-                    <a:bodyPr/>
-                    <a:lstStyle/>
-                    <a:p>
-                      <a:pPr algn="l" defTabSz="304800">
-                        <a:defRPr>
-                          <a:solidFill>
-                            <a:srgbClr val="000000"/>
-                          </a:solidFill>
-                          <a:uFill>
-                            <a:solidFill>
-                              <a:srgbClr val="000000"/>
-                            </a:solidFill>
-                          </a:uFill>
-                          <a:latin typeface="Calibri"/>
-                          <a:ea typeface="Calibri"/>
-                          <a:cs typeface="Calibri"/>
-                          <a:sym typeface="Calibri"/>
-                        </a:defRPr>
-                      </a:pPr>
-                      <a:r>
-                        <a:t>3a. </a:t>
-                      </a:r>
-                      <a:r>
-                        <a:t>未選擇足夠的測試版本（至少包含兩個項目）。</a:t>
-                      </a:r>
-                    </a:p>
-                    <a:p>
-                      <a:pPr algn="l" defTabSz="304800">
-                        <a:defRPr>
-                          <a:solidFill>
-                            <a:srgbClr val="000000"/>
-                          </a:solidFill>
-                          <a:uFill>
-                            <a:solidFill>
-                              <a:srgbClr val="000000"/>
-                            </a:solidFill>
-                          </a:uFill>
-                          <a:latin typeface="Calibri"/>
-                          <a:ea typeface="Calibri"/>
-                          <a:cs typeface="Calibri"/>
-                          <a:sym typeface="Calibri"/>
-                        </a:defRPr>
-                      </a:pPr>
-                      <a:r>
-                        <a:t>　</a:t>
-                      </a:r>
-                      <a:r>
-                        <a:t>1. </a:t>
-                      </a:r>
-                      <a:r>
-                        <a:t>跳出錯誤視窗，告訴使用者尚未選擇完成。</a:t>
-                      </a:r>
-                    </a:p>
-                    <a:p>
-                      <a:pPr algn="l" defTabSz="304800">
-                        <a:defRPr>
-                          <a:solidFill>
-                            <a:srgbClr val="000000"/>
-                          </a:solidFill>
-                          <a:uFill>
-                            <a:solidFill>
-                              <a:srgbClr val="000000"/>
-                            </a:solidFill>
-                          </a:uFill>
-                          <a:latin typeface="Calibri"/>
-                          <a:ea typeface="Calibri"/>
-                          <a:cs typeface="Calibri"/>
-                          <a:sym typeface="Calibri"/>
-                        </a:defRPr>
-                      </a:pPr>
-                      <a:r>
-                        <a:t>3b. </a:t>
-                      </a:r>
-                      <a:r>
-                        <a:t>辨識名稱與過去之測試重複。</a:t>
-                      </a:r>
-                    </a:p>
-                    <a:p>
-                      <a:pPr marL="495300" indent="-342900" algn="l" defTabSz="304800">
-                        <a:buSzPct val="100000"/>
-                        <a:buAutoNum type="arabicPeriod" startAt="1"/>
-                        <a:defRPr>
-                          <a:solidFill>
-                            <a:srgbClr val="000000"/>
-                          </a:solidFill>
-                          <a:uFill>
-                            <a:solidFill>
-                              <a:srgbClr val="000000"/>
-                            </a:solidFill>
-                          </a:uFill>
-                          <a:latin typeface="Calibri"/>
-                          <a:ea typeface="Calibri"/>
-                          <a:cs typeface="Calibri"/>
-                          <a:sym typeface="Calibri"/>
-                        </a:defRPr>
-                      </a:pPr>
-                      <a:r>
-                        <a:t>跳出錯誤視窗，告訴使用者名稱重複。</a:t>
-                      </a:r>
-                    </a:p>
-                    <a:p>
-                      <a:pPr algn="l" defTabSz="304800">
-                        <a:defRPr>
-                          <a:solidFill>
-                            <a:srgbClr val="000000"/>
-                          </a:solidFill>
-                          <a:uFill>
-                            <a:solidFill>
-                              <a:srgbClr val="000000"/>
-                            </a:solidFill>
-                          </a:uFill>
-                          <a:latin typeface="Calibri"/>
-                          <a:ea typeface="Calibri"/>
-                          <a:cs typeface="Calibri"/>
-                          <a:sym typeface="Calibri"/>
-                        </a:defRPr>
-                      </a:pPr>
-                      <a:r>
-                        <a:t>4a. </a:t>
-                      </a:r>
-                      <a:r>
-                        <a:t>與資料庫連線發生錯誤。</a:t>
-                      </a:r>
-                    </a:p>
-                    <a:p>
-                      <a:pPr algn="l" defTabSz="304800">
-                        <a:defRPr>
-                          <a:solidFill>
-                            <a:srgbClr val="000000"/>
-                          </a:solidFill>
-                          <a:uFill>
-                            <a:solidFill>
-                              <a:srgbClr val="000000"/>
-                            </a:solidFill>
-                          </a:uFill>
-                          <a:latin typeface="Calibri"/>
-                          <a:ea typeface="Calibri"/>
-                          <a:cs typeface="Calibri"/>
-                          <a:sym typeface="Calibri"/>
-                        </a:defRPr>
-                      </a:pPr>
-                      <a:r>
-                        <a:t>　</a:t>
-                      </a:r>
-                      <a:r>
-                        <a:t>1. </a:t>
-                      </a:r>
-                      <a:r>
-                        <a:t>跳出錯誤視窗，告訴使用者錯誤原因。</a:t>
-                      </a:r>
-                    </a:p>
-                    <a:p>
-                      <a:pPr algn="l" defTabSz="304800">
-                        <a:defRPr>
-                          <a:solidFill>
-                            <a:srgbClr val="000000"/>
-                          </a:solidFill>
-                          <a:uFill>
-                            <a:solidFill>
-                              <a:srgbClr val="000000"/>
-                            </a:solidFill>
-                          </a:uFill>
-                          <a:latin typeface="Calibri"/>
-                          <a:ea typeface="Calibri"/>
-                          <a:cs typeface="Calibri"/>
-                          <a:sym typeface="Calibri"/>
-                        </a:defRPr>
-                      </a:pPr>
-                      <a:r>
-                        <a:t>　</a:t>
-                      </a:r>
-                      <a:r>
-                        <a:t>2. </a:t>
-                      </a:r>
-                      <a:r>
-                        <a:t>重新載入系統。</a:t>
-                      </a:r>
-                    </a:p>
-                    <a:p>
-                      <a:pPr algn="l" defTabSz="304800">
-                        <a:defRPr>
-                          <a:solidFill>
-                            <a:srgbClr val="000000"/>
-                          </a:solidFill>
-                          <a:uFill>
-                            <a:solidFill>
-                              <a:srgbClr val="000000"/>
-                            </a:solidFill>
-                          </a:uFill>
-                          <a:latin typeface="Calibri"/>
-                          <a:ea typeface="Calibri"/>
-                          <a:cs typeface="Calibri"/>
-                          <a:sym typeface="Calibri"/>
-                        </a:defRPr>
-                      </a:pPr>
-                      <a:r>
-                        <a:t>5a. </a:t>
-                      </a:r>
-                      <a:r>
-                        <a:t>系統無法連線至</a:t>
-                      </a:r>
-                      <a:r>
-                        <a:t>Jenkins</a:t>
-                      </a:r>
-                      <a:r>
-                        <a:t>伺服器。</a:t>
-                      </a:r>
-                    </a:p>
-                    <a:p>
-                      <a:pPr algn="l" defTabSz="304800">
-                        <a:defRPr>
-                          <a:solidFill>
-                            <a:srgbClr val="000000"/>
-                          </a:solidFill>
-                          <a:uFill>
-                            <a:solidFill>
-                              <a:srgbClr val="000000"/>
-                            </a:solidFill>
-                          </a:uFill>
-                          <a:latin typeface="Calibri"/>
-                          <a:ea typeface="Calibri"/>
-                          <a:cs typeface="Calibri"/>
-                          <a:sym typeface="Calibri"/>
-                        </a:defRPr>
-                      </a:pPr>
-                      <a:r>
-                        <a:t>　</a:t>
-                      </a:r>
-                      <a:r>
-                        <a:t>1. </a:t>
-                      </a:r>
-                      <a:r>
-                        <a:t>系統更新測試任務為「連線失敗」。</a:t>
-                      </a:r>
-                    </a:p>
-                    <a:p>
-                      <a:pPr algn="l" defTabSz="304800">
-                        <a:defRPr>
-                          <a:solidFill>
-                            <a:srgbClr val="000000"/>
-                          </a:solidFill>
-                          <a:uFill>
-                            <a:solidFill>
-                              <a:srgbClr val="000000"/>
-                            </a:solidFill>
-                          </a:uFill>
-                          <a:latin typeface="Calibri"/>
-                          <a:ea typeface="Calibri"/>
-                          <a:cs typeface="Calibri"/>
-                          <a:sym typeface="Calibri"/>
-                        </a:defRPr>
-                      </a:pPr>
-                      <a:r>
-                        <a:t>6a. Jenkins</a:t>
-                      </a:r>
-                      <a:r>
-                        <a:t>伺服器與資料庫連線發生錯誤。</a:t>
-                      </a:r>
-                    </a:p>
-                    <a:p>
-                      <a:pPr algn="l" defTabSz="304800">
-                        <a:defRPr>
-                          <a:solidFill>
-                            <a:srgbClr val="000000"/>
-                          </a:solidFill>
-                          <a:uFill>
-                            <a:solidFill>
-                              <a:srgbClr val="000000"/>
-                            </a:solidFill>
-                          </a:uFill>
-                          <a:latin typeface="Calibri"/>
-                          <a:ea typeface="Calibri"/>
-                          <a:cs typeface="Calibri"/>
-                          <a:sym typeface="Calibri"/>
-                        </a:defRPr>
-                      </a:pPr>
-                      <a:r>
-                        <a:t>　</a:t>
-                      </a:r>
-                      <a:r>
-                        <a:t>1. Jenkins</a:t>
-                      </a:r>
-                      <a:r>
-                        <a:t>伺服器回傳測試失敗訊息給系統。</a:t>
-                      </a:r>
-                    </a:p>
-                    <a:p>
-                      <a:pPr algn="l" defTabSz="304800">
-                        <a:defRPr>
-                          <a:solidFill>
-                            <a:srgbClr val="000000"/>
-                          </a:solidFill>
-                          <a:uFill>
-                            <a:solidFill>
-                              <a:srgbClr val="000000"/>
-                            </a:solidFill>
-                          </a:uFill>
-                          <a:latin typeface="Calibri"/>
-                          <a:ea typeface="Calibri"/>
-                          <a:cs typeface="Calibri"/>
-                          <a:sym typeface="Calibri"/>
-                        </a:defRPr>
-                      </a:pPr>
-                      <a:r>
-                        <a:t>　　</a:t>
-                      </a:r>
-                      <a:r>
-                        <a:t>1a. Jenkins</a:t>
-                      </a:r>
-                      <a:r>
-                        <a:t>伺服器無法連線至系統。</a:t>
-                      </a:r>
-                    </a:p>
-                    <a:p>
-                      <a:pPr algn="l" defTabSz="304800">
-                        <a:defRPr>
-                          <a:solidFill>
-                            <a:srgbClr val="000000"/>
-                          </a:solidFill>
-                          <a:uFill>
-                            <a:solidFill>
-                              <a:srgbClr val="000000"/>
-                            </a:solidFill>
-                          </a:uFill>
-                          <a:latin typeface="Calibri"/>
-                          <a:ea typeface="Calibri"/>
-                          <a:cs typeface="Calibri"/>
-                          <a:sym typeface="Calibri"/>
-                        </a:defRPr>
-                      </a:pPr>
-                      <a:r>
-                        <a:t>            1. </a:t>
-                      </a:r>
-                      <a:r>
-                        <a:t>Jenkins</a:t>
-                      </a:r>
-                      <a:r>
-                        <a:t>伺服器將錯誤原因寫入</a:t>
-                      </a:r>
-                      <a:r>
-                        <a:t>log</a:t>
-                      </a:r>
-                      <a:r>
-                        <a:t>檔案中，儲存至伺服器所在之硬碟中。</a:t>
-                      </a:r>
-                    </a:p>
-                    <a:p>
-                      <a:pPr algn="l" defTabSz="304800">
-                        <a:defRPr>
-                          <a:solidFill>
-                            <a:srgbClr val="000000"/>
-                          </a:solidFill>
-                          <a:uFill>
-                            <a:solidFill>
-                              <a:srgbClr val="000000"/>
-                            </a:solidFill>
-                          </a:uFill>
-                          <a:latin typeface="Calibri"/>
-                          <a:ea typeface="Calibri"/>
-                          <a:cs typeface="Calibri"/>
-                          <a:sym typeface="Calibri"/>
-                        </a:defRPr>
-                      </a:pPr>
-                      <a:r>
-                        <a:t>　</a:t>
-                      </a:r>
-                      <a:r>
-                        <a:t>2. </a:t>
-                      </a:r>
-                      <a:r>
-                        <a:t>系統跳出錯誤視窗，告訴使用者錯誤原因。</a:t>
-                      </a:r>
-                    </a:p>
-                    <a:p>
-                      <a:pPr algn="l" defTabSz="304800">
-                        <a:defRPr>
-                          <a:solidFill>
-                            <a:srgbClr val="000000"/>
-                          </a:solidFill>
-                          <a:uFill>
-                            <a:solidFill>
-                              <a:srgbClr val="000000"/>
-                            </a:solidFill>
-                          </a:uFill>
-                          <a:latin typeface="Calibri"/>
-                          <a:ea typeface="Calibri"/>
-                          <a:cs typeface="Calibri"/>
-                          <a:sym typeface="Calibri"/>
-                        </a:defRPr>
-                      </a:pPr>
-                      <a:r>
-                        <a:t>7a. Jenkins</a:t>
-                      </a:r>
-                      <a:r>
-                        <a:t>伺服器無法找到對應之測試。</a:t>
-                      </a:r>
-                    </a:p>
-                    <a:p>
-                      <a:pPr algn="l" defTabSz="304800">
-                        <a:defRPr>
-                          <a:solidFill>
-                            <a:srgbClr val="000000"/>
-                          </a:solidFill>
-                          <a:uFill>
-                            <a:solidFill>
-                              <a:srgbClr val="000000"/>
-                            </a:solidFill>
-                          </a:uFill>
-                          <a:latin typeface="Calibri"/>
-                          <a:ea typeface="Calibri"/>
-                          <a:cs typeface="Calibri"/>
-                          <a:sym typeface="Calibri"/>
-                        </a:defRPr>
-                      </a:pPr>
-                      <a:r>
-                        <a:t>　</a:t>
-                      </a:r>
-                      <a:r>
-                        <a:t>1. Jenkins</a:t>
-                      </a:r>
-                      <a:r>
-                        <a:t>伺服器回傳測試失敗訊息給系統。</a:t>
-                      </a:r>
-                    </a:p>
-                    <a:p>
-                      <a:pPr algn="l" defTabSz="304800">
-                        <a:defRPr>
-                          <a:solidFill>
-                            <a:srgbClr val="000000"/>
-                          </a:solidFill>
-                          <a:uFill>
-                            <a:solidFill>
-                              <a:srgbClr val="000000"/>
-                            </a:solidFill>
-                          </a:uFill>
-                          <a:latin typeface="Calibri"/>
-                          <a:ea typeface="Calibri"/>
-                          <a:cs typeface="Calibri"/>
-                          <a:sym typeface="Calibri"/>
-                        </a:defRPr>
-                      </a:pPr>
-                      <a:r>
-                        <a:t>　　</a:t>
-                      </a:r>
-                      <a:r>
-                        <a:t>1a. Jenkins</a:t>
-                      </a:r>
-                      <a:r>
-                        <a:t>伺服器無法連線至系統。</a:t>
-                      </a:r>
-                    </a:p>
-                    <a:p>
-                      <a:pPr algn="l" defTabSz="304800">
-                        <a:defRPr>
-                          <a:solidFill>
-                            <a:srgbClr val="000000"/>
-                          </a:solidFill>
-                          <a:uFill>
-                            <a:solidFill>
-                              <a:srgbClr val="000000"/>
-                            </a:solidFill>
-                          </a:uFill>
-                          <a:latin typeface="Calibri"/>
-                          <a:ea typeface="Calibri"/>
-                          <a:cs typeface="Calibri"/>
-                          <a:sym typeface="Calibri"/>
-                        </a:defRPr>
-                      </a:pPr>
-                      <a:r>
-                        <a:t>　　　  </a:t>
-                      </a:r>
-                      <a:r>
-                        <a:t>1. Jenkins</a:t>
-                      </a:r>
-                      <a:r>
-                        <a:t>伺服器將錯誤原因寫入</a:t>
-                      </a:r>
-                      <a:r>
-                        <a:t>log</a:t>
-                      </a:r>
-                      <a:r>
-                        <a:t>檔案中，儲存至伺服器所在之硬碟中。</a:t>
-                      </a:r>
-                    </a:p>
-                    <a:p>
-                      <a:pPr algn="l" defTabSz="304800">
-                        <a:defRPr>
-                          <a:solidFill>
-                            <a:srgbClr val="000000"/>
-                          </a:solidFill>
-                          <a:uFill>
-                            <a:solidFill>
-                              <a:srgbClr val="000000"/>
-                            </a:solidFill>
-                          </a:uFill>
-                          <a:latin typeface="Calibri"/>
-                          <a:ea typeface="Calibri"/>
-                          <a:cs typeface="Calibri"/>
-                          <a:sym typeface="Calibri"/>
-                        </a:defRPr>
-                      </a:pPr>
-                      <a:r>
-                        <a:t>　</a:t>
-                      </a:r>
-                      <a:r>
-                        <a:t>2. </a:t>
-                      </a:r>
-                      <a:r>
-                        <a:t>系統跳出錯誤視窗，告訴使用者錯誤原因。</a:t>
-                      </a:r>
-                      <a:r>
-                        <a:t> </a:t>
-                      </a:r>
-                    </a:p>
-                  </a:txBody>
-                  <a:tcPr marL="50800" marR="50800" marT="50800" marB="50800" anchor="t" anchorCtr="0" horzOverflow="overflow">
-                    <a:lnL w="6350">
-                      <a:solidFill>
-                        <a:srgbClr val="FFFFFF"/>
-                      </a:solidFill>
-                      <a:miter lim="400000"/>
-                    </a:lnL>
-                    <a:lnR w="6350">
-                      <a:solidFill>
-                        <a:srgbClr val="548DD4"/>
-                      </a:solidFill>
-                      <a:miter lim="400000"/>
-                    </a:lnR>
-                    <a:lnT w="6350">
-                      <a:solidFill>
-                        <a:srgbClr val="FFFFFF"/>
-                      </a:solidFill>
-                      <a:miter lim="400000"/>
-                    </a:lnT>
-                    <a:lnB w="6350">
-                      <a:solidFill>
-                        <a:srgbClr val="FFFFFF"/>
-                      </a:solidFill>
-                      <a:miter lim="400000"/>
-                    </a:lnB>
-                    <a:solidFill>
-                      <a:srgbClr val="DBE5F1"/>
-                    </a:solidFill>
-                  </a:tcPr>
-                </a:tc>
-              </a:tr>
-            </a:tbl>
-          </a:graphicData>
-        </a:graphic>
-      </p:graphicFrame>
-      <p:sp>
-        <p:nvSpPr>
-          <p:cNvPr id="161" name="幻燈片編號"/>
+          <p:cNvPr id="162" name="幻燈片編號"/>
           <p:cNvSpPr txBox="1"/>
           <p:nvPr>
             <p:ph type="sldNum" sz="quarter" idx="4294967295"/>
@@ -12382,7 +13893,18 @@
   <p:clrMapOvr>
     <a:masterClrMapping/>
   </p:clrMapOvr>
-  <p:transition xmlns:p14="http://schemas.microsoft.com/office/powerpoint/2010/main" spd="med" advClick="1"/>
+  <mc:AlternateContent xmlns:mc="http://schemas.openxmlformats.org/markup-compatibility/2006">
+    <mc:Choice xmlns:p14="http://schemas.microsoft.com/office/powerpoint/2010/main" Requires="p14">
+      <p:transition spd="fast" advClick="1" p14:dur="600">
+        <p:dissolve/>
+      </p:transition>
+    </mc:Choice>
+    <mc:Fallback>
+      <p:transition spd="fast">
+        <p:fade/>
+      </p:transition>
+    </mc:Fallback>
+  </mc:AlternateContent>
 </p:sld>
 </file>
 
